--- a/01_fraud_detection_2_project.pptx
+++ b/01_fraud_detection_2_project.pptx
@@ -5,7 +5,7 @@
     <p:sldMasterId id="2147483660" r:id="rId1"/>
   </p:sldMasterIdLst>
   <p:notesMasterIdLst>
-    <p:notesMasterId r:id="rId31"/>
+    <p:notesMasterId r:id="rId32"/>
   </p:notesMasterIdLst>
   <p:sldIdLst>
     <p:sldId id="256" r:id="rId2"/>
@@ -21,22 +21,23 @@
     <p:sldId id="297" r:id="rId12"/>
     <p:sldId id="286" r:id="rId13"/>
     <p:sldId id="298" r:id="rId14"/>
-    <p:sldId id="273" r:id="rId15"/>
-    <p:sldId id="274" r:id="rId16"/>
-    <p:sldId id="275" r:id="rId17"/>
-    <p:sldId id="276" r:id="rId18"/>
-    <p:sldId id="272" r:id="rId19"/>
-    <p:sldId id="278" r:id="rId20"/>
-    <p:sldId id="263" r:id="rId21"/>
-    <p:sldId id="259" r:id="rId22"/>
-    <p:sldId id="258" r:id="rId23"/>
-    <p:sldId id="279" r:id="rId24"/>
-    <p:sldId id="281" r:id="rId25"/>
-    <p:sldId id="280" r:id="rId26"/>
-    <p:sldId id="284" r:id="rId27"/>
-    <p:sldId id="282" r:id="rId28"/>
-    <p:sldId id="283" r:id="rId29"/>
-    <p:sldId id="299" r:id="rId30"/>
+    <p:sldId id="301" r:id="rId15"/>
+    <p:sldId id="273" r:id="rId16"/>
+    <p:sldId id="274" r:id="rId17"/>
+    <p:sldId id="275" r:id="rId18"/>
+    <p:sldId id="276" r:id="rId19"/>
+    <p:sldId id="272" r:id="rId20"/>
+    <p:sldId id="278" r:id="rId21"/>
+    <p:sldId id="263" r:id="rId22"/>
+    <p:sldId id="259" r:id="rId23"/>
+    <p:sldId id="258" r:id="rId24"/>
+    <p:sldId id="279" r:id="rId25"/>
+    <p:sldId id="281" r:id="rId26"/>
+    <p:sldId id="280" r:id="rId27"/>
+    <p:sldId id="284" r:id="rId28"/>
+    <p:sldId id="282" r:id="rId29"/>
+    <p:sldId id="283" r:id="rId30"/>
+    <p:sldId id="299" r:id="rId31"/>
   </p:sldIdLst>
   <p:sldSz cx="12192000" cy="6858000"/>
   <p:notesSz cx="6858000" cy="9144000"/>
@@ -146,7 +147,7 @@
 <file path=ppt/revisionInfo.xml><?xml version="1.0" encoding="utf-8"?>
 <p1510:revInfo xmlns:a="http://schemas.openxmlformats.org/drawingml/2006/main" xmlns:r="http://schemas.openxmlformats.org/officeDocument/2006/relationships" xmlns:p1510="http://schemas.microsoft.com/office/powerpoint/2015/10/main">
   <p1510:revLst>
-    <p1510:client id="{336F8116-C764-4979-A376-3E7AF7BA8383}" v="867" dt="2024-11-22T07:08:38.344"/>
+    <p1510:client id="{336F8116-C764-4979-A376-3E7AF7BA8383}" v="892" dt="2024-11-22T09:00:10.267"/>
   </p1510:revLst>
 </p1510:revInfo>
 </file>
@@ -683,18 +684,18 @@
   <pc:docChgLst>
     <pc:chgData name="Philippe Baucour" userId="5102170ae7533958" providerId="LiveId" clId="{336F8116-C764-4979-A376-3E7AF7BA8383}"/>
     <pc:docChg chg="undo custSel addSld delSld modSld sldOrd">
-      <pc:chgData name="Philippe Baucour" userId="5102170ae7533958" providerId="LiveId" clId="{336F8116-C764-4979-A376-3E7AF7BA8383}" dt="2024-11-22T07:10:35.867" v="9552" actId="1038"/>
+      <pc:chgData name="Philippe Baucour" userId="5102170ae7533958" providerId="LiveId" clId="{336F8116-C764-4979-A376-3E7AF7BA8383}" dt="2024-11-22T09:01:18.067" v="9860" actId="1035"/>
       <pc:docMkLst>
         <pc:docMk/>
       </pc:docMkLst>
       <pc:sldChg chg="addSp delSp modSp mod modNotesTx">
-        <pc:chgData name="Philippe Baucour" userId="5102170ae7533958" providerId="LiveId" clId="{336F8116-C764-4979-A376-3E7AF7BA8383}" dt="2024-10-31T08:14:14.019" v="356" actId="20577"/>
+        <pc:chgData name="Philippe Baucour" userId="5102170ae7533958" providerId="LiveId" clId="{336F8116-C764-4979-A376-3E7AF7BA8383}" dt="2024-11-22T08:39:37.857" v="9556" actId="20577"/>
         <pc:sldMkLst>
           <pc:docMk/>
           <pc:sldMk cId="1392602265" sldId="256"/>
         </pc:sldMkLst>
         <pc:spChg chg="mod">
-          <ac:chgData name="Philippe Baucour" userId="5102170ae7533958" providerId="LiveId" clId="{336F8116-C764-4979-A376-3E7AF7BA8383}" dt="2024-10-31T07:39:59.566" v="19" actId="6549"/>
+          <ac:chgData name="Philippe Baucour" userId="5102170ae7533958" providerId="LiveId" clId="{336F8116-C764-4979-A376-3E7AF7BA8383}" dt="2024-11-22T08:39:37.857" v="9556" actId="20577"/>
           <ac:spMkLst>
             <pc:docMk/>
             <pc:sldMk cId="1392602265" sldId="256"/>
@@ -4440,7 +4441,7 @@
         </pc:cxnChg>
       </pc:sldChg>
       <pc:sldChg chg="addSp delSp modSp add mod modAnim">
-        <pc:chgData name="Philippe Baucour" userId="5102170ae7533958" providerId="LiveId" clId="{336F8116-C764-4979-A376-3E7AF7BA8383}" dt="2024-11-22T06:11:21.429" v="8550"/>
+        <pc:chgData name="Philippe Baucour" userId="5102170ae7533958" providerId="LiveId" clId="{336F8116-C764-4979-A376-3E7AF7BA8383}" dt="2024-11-22T08:45:53.312" v="9557"/>
         <pc:sldMkLst>
           <pc:docMk/>
           <pc:sldMk cId="3062080250" sldId="297"/>
@@ -4630,12 +4631,60 @@
           </ac:cxnSpMkLst>
         </pc:cxnChg>
       </pc:sldChg>
-      <pc:sldChg chg="modSp add mod">
-        <pc:chgData name="Philippe Baucour" userId="5102170ae7533958" providerId="LiveId" clId="{336F8116-C764-4979-A376-3E7AF7BA8383}" dt="2024-11-22T06:13:18.346" v="8557" actId="6549"/>
+      <pc:sldChg chg="addSp delSp modSp add mod modAnim">
+        <pc:chgData name="Philippe Baucour" userId="5102170ae7533958" providerId="LiveId" clId="{336F8116-C764-4979-A376-3E7AF7BA8383}" dt="2024-11-22T09:01:18.067" v="9860" actId="1035"/>
         <pc:sldMkLst>
           <pc:docMk/>
           <pc:sldMk cId="4248122501" sldId="298"/>
         </pc:sldMkLst>
+        <pc:spChg chg="del">
+          <ac:chgData name="Philippe Baucour" userId="5102170ae7533958" providerId="LiveId" clId="{336F8116-C764-4979-A376-3E7AF7BA8383}" dt="2024-11-22T08:50:13.910" v="9575" actId="478"/>
+          <ac:spMkLst>
+            <pc:docMk/>
+            <pc:sldMk cId="4248122501" sldId="298"/>
+            <ac:spMk id="3" creationId="{26FD89CB-DCB3-9F66-A4EC-1B7BE676A781}"/>
+          </ac:spMkLst>
+        </pc:spChg>
+        <pc:spChg chg="del">
+          <ac:chgData name="Philippe Baucour" userId="5102170ae7533958" providerId="LiveId" clId="{336F8116-C764-4979-A376-3E7AF7BA8383}" dt="2024-11-22T08:50:45.708" v="9585" actId="478"/>
+          <ac:spMkLst>
+            <pc:docMk/>
+            <pc:sldMk cId="4248122501" sldId="298"/>
+            <ac:spMk id="4" creationId="{EF606B8A-E5E6-9CA4-2E4E-E6F1DCA6BA41}"/>
+          </ac:spMkLst>
+        </pc:spChg>
+        <pc:spChg chg="add mod">
+          <ac:chgData name="Philippe Baucour" userId="5102170ae7533958" providerId="LiveId" clId="{336F8116-C764-4979-A376-3E7AF7BA8383}" dt="2024-11-22T08:56:32.344" v="9698" actId="1035"/>
+          <ac:spMkLst>
+            <pc:docMk/>
+            <pc:sldMk cId="4248122501" sldId="298"/>
+            <ac:spMk id="8" creationId="{DC2E548A-C39C-4AF4-F203-5AA778271409}"/>
+          </ac:spMkLst>
+        </pc:spChg>
+        <pc:spChg chg="add mod">
+          <ac:chgData name="Philippe Baucour" userId="5102170ae7533958" providerId="LiveId" clId="{336F8116-C764-4979-A376-3E7AF7BA8383}" dt="2024-11-22T09:01:18.067" v="9860" actId="1035"/>
+          <ac:spMkLst>
+            <pc:docMk/>
+            <pc:sldMk cId="4248122501" sldId="298"/>
+            <ac:spMk id="9" creationId="{0DD964CC-8F4A-61A9-9D60-D6E86368AA09}"/>
+          </ac:spMkLst>
+        </pc:spChg>
+        <pc:spChg chg="add mod">
+          <ac:chgData name="Philippe Baucour" userId="5102170ae7533958" providerId="LiveId" clId="{336F8116-C764-4979-A376-3E7AF7BA8383}" dt="2024-11-22T08:58:30.605" v="9754" actId="404"/>
+          <ac:spMkLst>
+            <pc:docMk/>
+            <pc:sldMk cId="4248122501" sldId="298"/>
+            <ac:spMk id="12" creationId="{B91399FA-0B49-61DC-F75B-348F5CA88F3A}"/>
+          </ac:spMkLst>
+        </pc:spChg>
+        <pc:spChg chg="add mod">
+          <ac:chgData name="Philippe Baucour" userId="5102170ae7533958" providerId="LiveId" clId="{336F8116-C764-4979-A376-3E7AF7BA8383}" dt="2024-11-22T08:58:45.509" v="9755" actId="404"/>
+          <ac:spMkLst>
+            <pc:docMk/>
+            <pc:sldMk cId="4248122501" sldId="298"/>
+            <ac:spMk id="13" creationId="{691BC83E-4F83-91C6-CD96-D034080F7D08}"/>
+          </ac:spMkLst>
+        </pc:spChg>
         <pc:spChg chg="mod">
           <ac:chgData name="Philippe Baucour" userId="5102170ae7533958" providerId="LiveId" clId="{336F8116-C764-4979-A376-3E7AF7BA8383}" dt="2024-11-22T06:07:57.477" v="8535" actId="1038"/>
           <ac:spMkLst>
@@ -4644,14 +4693,230 @@
             <ac:spMk id="18" creationId="{02AE0534-6FCD-3412-B264-334CC1187E61}"/>
           </ac:spMkLst>
         </pc:spChg>
+        <pc:spChg chg="del mod">
+          <ac:chgData name="Philippe Baucour" userId="5102170ae7533958" providerId="LiveId" clId="{336F8116-C764-4979-A376-3E7AF7BA8383}" dt="2024-11-22T08:49:43.979" v="9560" actId="478"/>
+          <ac:spMkLst>
+            <pc:docMk/>
+            <pc:sldMk cId="4248122501" sldId="298"/>
+            <ac:spMk id="89" creationId="{7E33A8BC-CCC8-DB07-965A-DD0030AACD42}"/>
+          </ac:spMkLst>
+        </pc:spChg>
+        <pc:spChg chg="del">
+          <ac:chgData name="Philippe Baucour" userId="5102170ae7533958" providerId="LiveId" clId="{336F8116-C764-4979-A376-3E7AF7BA8383}" dt="2024-11-22T09:00:54.193" v="9778" actId="478"/>
+          <ac:spMkLst>
+            <pc:docMk/>
+            <pc:sldMk cId="4248122501" sldId="298"/>
+            <ac:spMk id="105" creationId="{0DE229EA-DFDF-1B83-D6B5-AF1247859121}"/>
+          </ac:spMkLst>
+        </pc:spChg>
+        <pc:spChg chg="del">
+          <ac:chgData name="Philippe Baucour" userId="5102170ae7533958" providerId="LiveId" clId="{336F8116-C764-4979-A376-3E7AF7BA8383}" dt="2024-11-22T08:49:45.486" v="9561" actId="478"/>
+          <ac:spMkLst>
+            <pc:docMk/>
+            <pc:sldMk cId="4248122501" sldId="298"/>
+            <ac:spMk id="110" creationId="{5DA67A1D-90B3-6BB8-42BF-5A06FF23E668}"/>
+          </ac:spMkLst>
+        </pc:spChg>
+        <pc:spChg chg="del">
+          <ac:chgData name="Philippe Baucour" userId="5102170ae7533958" providerId="LiveId" clId="{336F8116-C764-4979-A376-3E7AF7BA8383}" dt="2024-11-22T08:50:24.863" v="9578" actId="478"/>
+          <ac:spMkLst>
+            <pc:docMk/>
+            <pc:sldMk cId="4248122501" sldId="298"/>
+            <ac:spMk id="111" creationId="{14017485-B7A7-91FD-D323-FA7D644EED81}"/>
+          </ac:spMkLst>
+        </pc:spChg>
+        <pc:spChg chg="del">
+          <ac:chgData name="Philippe Baucour" userId="5102170ae7533958" providerId="LiveId" clId="{336F8116-C764-4979-A376-3E7AF7BA8383}" dt="2024-11-22T08:50:15.995" v="9576" actId="478"/>
+          <ac:spMkLst>
+            <pc:docMk/>
+            <pc:sldMk cId="4248122501" sldId="298"/>
+            <ac:spMk id="112" creationId="{885CC0A8-D87E-9294-8805-A8F21A39AE27}"/>
+          </ac:spMkLst>
+        </pc:spChg>
+        <pc:spChg chg="del">
+          <ac:chgData name="Philippe Baucour" userId="5102170ae7533958" providerId="LiveId" clId="{336F8116-C764-4979-A376-3E7AF7BA8383}" dt="2024-11-22T08:50:19.942" v="9577" actId="478"/>
+          <ac:spMkLst>
+            <pc:docMk/>
+            <pc:sldMk cId="4248122501" sldId="298"/>
+            <ac:spMk id="113" creationId="{93CC1A85-CF5E-71DD-A901-AACA73F9E01D}"/>
+          </ac:spMkLst>
+        </pc:spChg>
+        <pc:spChg chg="del">
+          <ac:chgData name="Philippe Baucour" userId="5102170ae7533958" providerId="LiveId" clId="{336F8116-C764-4979-A376-3E7AF7BA8383}" dt="2024-11-22T08:50:40.196" v="9584" actId="478"/>
+          <ac:spMkLst>
+            <pc:docMk/>
+            <pc:sldMk cId="4248122501" sldId="298"/>
+            <ac:spMk id="114" creationId="{DA6FF28B-9DFB-1E7C-1675-3046A6B62247}"/>
+          </ac:spMkLst>
+        </pc:spChg>
+        <pc:spChg chg="del">
+          <ac:chgData name="Philippe Baucour" userId="5102170ae7533958" providerId="LiveId" clId="{336F8116-C764-4979-A376-3E7AF7BA8383}" dt="2024-11-22T08:50:06.833" v="9572" actId="478"/>
+          <ac:spMkLst>
+            <pc:docMk/>
+            <pc:sldMk cId="4248122501" sldId="298"/>
+            <ac:spMk id="115" creationId="{86EDBBDB-5A07-BDE1-EF7A-C7386D5D9CE0}"/>
+          </ac:spMkLst>
+        </pc:spChg>
         <pc:spChg chg="mod">
-          <ac:chgData name="Philippe Baucour" userId="5102170ae7533958" providerId="LiveId" clId="{336F8116-C764-4979-A376-3E7AF7BA8383}" dt="2024-11-22T06:13:18.346" v="8557" actId="6549"/>
+          <ac:chgData name="Philippe Baucour" userId="5102170ae7533958" providerId="LiveId" clId="{336F8116-C764-4979-A376-3E7AF7BA8383}" dt="2024-11-22T08:50:30.066" v="9580" actId="6549"/>
+          <ac:spMkLst>
+            <pc:docMk/>
+            <pc:sldMk cId="4248122501" sldId="298"/>
+            <ac:spMk id="116" creationId="{A0D48AA0-1546-3E72-AE6C-E43830C0CF66}"/>
+          </ac:spMkLst>
+        </pc:spChg>
+        <pc:spChg chg="del">
+          <ac:chgData name="Philippe Baucour" userId="5102170ae7533958" providerId="LiveId" clId="{336F8116-C764-4979-A376-3E7AF7BA8383}" dt="2024-11-22T08:50:08.615" v="9573" actId="478"/>
+          <ac:spMkLst>
+            <pc:docMk/>
+            <pc:sldMk cId="4248122501" sldId="298"/>
+            <ac:spMk id="118" creationId="{800CDA80-AA5D-1B41-7660-313967FC7FF1}"/>
+          </ac:spMkLst>
+        </pc:spChg>
+        <pc:spChg chg="del">
+          <ac:chgData name="Philippe Baucour" userId="5102170ae7533958" providerId="LiveId" clId="{336F8116-C764-4979-A376-3E7AF7BA8383}" dt="2024-11-22T08:50:11.140" v="9574" actId="478"/>
+          <ac:spMkLst>
+            <pc:docMk/>
+            <pc:sldMk cId="4248122501" sldId="298"/>
+            <ac:spMk id="119" creationId="{1358C36A-CC25-2521-695F-22CEA64BFA71}"/>
+          </ac:spMkLst>
+        </pc:spChg>
+        <pc:spChg chg="del">
+          <ac:chgData name="Philippe Baucour" userId="5102170ae7533958" providerId="LiveId" clId="{336F8116-C764-4979-A376-3E7AF7BA8383}" dt="2024-11-22T08:49:53.625" v="9564" actId="478"/>
+          <ac:spMkLst>
+            <pc:docMk/>
+            <pc:sldMk cId="4248122501" sldId="298"/>
+            <ac:spMk id="120" creationId="{B10D651F-469B-082F-DF75-8318993EA70D}"/>
+          </ac:spMkLst>
+        </pc:spChg>
+        <pc:spChg chg="del mod">
+          <ac:chgData name="Philippe Baucour" userId="5102170ae7533958" providerId="LiveId" clId="{336F8116-C764-4979-A376-3E7AF7BA8383}" dt="2024-11-22T08:50:38.100" v="9583" actId="478"/>
           <ac:spMkLst>
             <pc:docMk/>
             <pc:sldMk cId="4248122501" sldId="298"/>
             <ac:spMk id="121" creationId="{4F4CE5C7-A0BB-6B26-59D9-73BE30DE9B10}"/>
           </ac:spMkLst>
         </pc:spChg>
+        <pc:spChg chg="del">
+          <ac:chgData name="Philippe Baucour" userId="5102170ae7533958" providerId="LiveId" clId="{336F8116-C764-4979-A376-3E7AF7BA8383}" dt="2024-11-22T08:49:50.439" v="9563" actId="478"/>
+          <ac:spMkLst>
+            <pc:docMk/>
+            <pc:sldMk cId="4248122501" sldId="298"/>
+            <ac:spMk id="122" creationId="{617CDE68-CC1B-41D4-95D2-C16F1D680CC3}"/>
+          </ac:spMkLst>
+        </pc:spChg>
+        <pc:spChg chg="del">
+          <ac:chgData name="Philippe Baucour" userId="5102170ae7533958" providerId="LiveId" clId="{336F8116-C764-4979-A376-3E7AF7BA8383}" dt="2024-11-22T08:49:48.486" v="9562" actId="478"/>
+          <ac:spMkLst>
+            <pc:docMk/>
+            <pc:sldMk cId="4248122501" sldId="298"/>
+            <ac:spMk id="123" creationId="{F7708845-2C9B-4224-D7C2-2BD3B0FF04FE}"/>
+          </ac:spMkLst>
+        </pc:spChg>
+        <pc:grpChg chg="del">
+          <ac:chgData name="Philippe Baucour" userId="5102170ae7533958" providerId="LiveId" clId="{336F8116-C764-4979-A376-3E7AF7BA8383}" dt="2024-11-22T08:50:04.066" v="9571" actId="478"/>
+          <ac:grpSpMkLst>
+            <pc:docMk/>
+            <pc:sldMk cId="4248122501" sldId="298"/>
+            <ac:grpSpMk id="155" creationId="{6CA7EBD6-0AA3-C10E-C65A-E784899E8553}"/>
+          </ac:grpSpMkLst>
+        </pc:grpChg>
+        <pc:grpChg chg="del">
+          <ac:chgData name="Philippe Baucour" userId="5102170ae7533958" providerId="LiveId" clId="{336F8116-C764-4979-A376-3E7AF7BA8383}" dt="2024-11-22T08:50:00.995" v="9569" actId="478"/>
+          <ac:grpSpMkLst>
+            <pc:docMk/>
+            <pc:sldMk cId="4248122501" sldId="298"/>
+            <ac:grpSpMk id="156" creationId="{57DE6EB1-01F0-E55E-5B9C-0D565C96BA67}"/>
+          </ac:grpSpMkLst>
+        </pc:grpChg>
+        <pc:grpChg chg="del">
+          <ac:chgData name="Philippe Baucour" userId="5102170ae7533958" providerId="LiveId" clId="{336F8116-C764-4979-A376-3E7AF7BA8383}" dt="2024-11-22T08:49:58.084" v="9567" actId="478"/>
+          <ac:grpSpMkLst>
+            <pc:docMk/>
+            <pc:sldMk cId="4248122501" sldId="298"/>
+            <ac:grpSpMk id="159" creationId="{4DB05A17-897C-6C1F-DBF2-659EE428493E}"/>
+          </ac:grpSpMkLst>
+        </pc:grpChg>
+        <pc:grpChg chg="del">
+          <ac:chgData name="Philippe Baucour" userId="5102170ae7533958" providerId="LiveId" clId="{336F8116-C764-4979-A376-3E7AF7BA8383}" dt="2024-11-22T08:50:02.334" v="9570" actId="478"/>
+          <ac:grpSpMkLst>
+            <pc:docMk/>
+            <pc:sldMk cId="4248122501" sldId="298"/>
+            <ac:grpSpMk id="162" creationId="{4C299269-E949-1BFD-9662-38DC3D4695B3}"/>
+          </ac:grpSpMkLst>
+        </pc:grpChg>
+        <pc:grpChg chg="del">
+          <ac:chgData name="Philippe Baucour" userId="5102170ae7533958" providerId="LiveId" clId="{336F8116-C764-4979-A376-3E7AF7BA8383}" dt="2024-11-22T08:49:59.458" v="9568" actId="478"/>
+          <ac:grpSpMkLst>
+            <pc:docMk/>
+            <pc:sldMk cId="4248122501" sldId="298"/>
+            <ac:grpSpMk id="165" creationId="{04C259B8-0607-86E0-5961-FDAA91411FD7}"/>
+          </ac:grpSpMkLst>
+        </pc:grpChg>
+        <pc:grpChg chg="del">
+          <ac:chgData name="Philippe Baucour" userId="5102170ae7533958" providerId="LiveId" clId="{336F8116-C764-4979-A376-3E7AF7BA8383}" dt="2024-11-22T08:49:56.479" v="9566" actId="478"/>
+          <ac:grpSpMkLst>
+            <pc:docMk/>
+            <pc:sldMk cId="4248122501" sldId="298"/>
+            <ac:grpSpMk id="168" creationId="{64E9705B-8151-439E-EDC1-4B0A014CF662}"/>
+          </ac:grpSpMkLst>
+        </pc:grpChg>
+        <pc:grpChg chg="del">
+          <ac:chgData name="Philippe Baucour" userId="5102170ae7533958" providerId="LiveId" clId="{336F8116-C764-4979-A376-3E7AF7BA8383}" dt="2024-11-22T08:50:35.485" v="9582" actId="478"/>
+          <ac:grpSpMkLst>
+            <pc:docMk/>
+            <pc:sldMk cId="4248122501" sldId="298"/>
+            <ac:grpSpMk id="171" creationId="{220B38CF-CF13-5427-3CA8-C449148B771C}"/>
+          </ac:grpSpMkLst>
+        </pc:grpChg>
+        <pc:grpChg chg="del">
+          <ac:chgData name="Philippe Baucour" userId="5102170ae7533958" providerId="LiveId" clId="{336F8116-C764-4979-A376-3E7AF7BA8383}" dt="2024-11-22T08:50:33.495" v="9581" actId="478"/>
+          <ac:grpSpMkLst>
+            <pc:docMk/>
+            <pc:sldMk cId="4248122501" sldId="298"/>
+            <ac:grpSpMk id="174" creationId="{A92F82E1-6C04-65A9-44AD-2029BF4071CF}"/>
+          </ac:grpSpMkLst>
+        </pc:grpChg>
+        <pc:grpChg chg="del">
+          <ac:chgData name="Philippe Baucour" userId="5102170ae7533958" providerId="LiveId" clId="{336F8116-C764-4979-A376-3E7AF7BA8383}" dt="2024-11-22T08:49:55.156" v="9565" actId="478"/>
+          <ac:grpSpMkLst>
+            <pc:docMk/>
+            <pc:sldMk cId="4248122501" sldId="298"/>
+            <ac:grpSpMk id="184" creationId="{3884A8E7-2CE8-C2C3-6172-835585337CA8}"/>
+          </ac:grpSpMkLst>
+        </pc:grpChg>
+        <pc:picChg chg="add del mod">
+          <ac:chgData name="Philippe Baucour" userId="5102170ae7533958" providerId="LiveId" clId="{336F8116-C764-4979-A376-3E7AF7BA8383}" dt="2024-11-22T08:56:27.264" v="9695" actId="478"/>
+          <ac:picMkLst>
+            <pc:docMk/>
+            <pc:sldMk cId="4248122501" sldId="298"/>
+            <ac:picMk id="11" creationId="{AE15CBE3-884B-2BB5-5864-727927699A0C}"/>
+          </ac:picMkLst>
+        </pc:picChg>
+        <pc:picChg chg="del">
+          <ac:chgData name="Philippe Baucour" userId="5102170ae7533958" providerId="LiveId" clId="{336F8116-C764-4979-A376-3E7AF7BA8383}" dt="2024-11-22T09:00:42.197" v="9775" actId="478"/>
+          <ac:picMkLst>
+            <pc:docMk/>
+            <pc:sldMk cId="4248122501" sldId="298"/>
+            <ac:picMk id="107" creationId="{77FB8C44-397B-64DE-9E03-174B37523EB7}"/>
+          </ac:picMkLst>
+        </pc:picChg>
+        <pc:picChg chg="del">
+          <ac:chgData name="Philippe Baucour" userId="5102170ae7533958" providerId="LiveId" clId="{336F8116-C764-4979-A376-3E7AF7BA8383}" dt="2024-11-22T09:00:49.543" v="9777" actId="478"/>
+          <ac:picMkLst>
+            <pc:docMk/>
+            <pc:sldMk cId="4248122501" sldId="298"/>
+            <ac:picMk id="109" creationId="{8660FA1C-020C-4FAB-0FF3-48FA5C1C1058}"/>
+          </ac:picMkLst>
+        </pc:picChg>
+        <pc:cxnChg chg="add mod">
+          <ac:chgData name="Philippe Baucour" userId="5102170ae7533958" providerId="LiveId" clId="{336F8116-C764-4979-A376-3E7AF7BA8383}" dt="2024-11-22T08:52:20.022" v="9591" actId="1076"/>
+          <ac:cxnSpMkLst>
+            <pc:docMk/>
+            <pc:sldMk cId="4248122501" sldId="298"/>
+            <ac:cxnSpMk id="7" creationId="{D9DEBCDB-262E-C053-2E9D-B73D458243F8}"/>
+          </ac:cxnSpMkLst>
+        </pc:cxnChg>
       </pc:sldChg>
       <pc:sldChg chg="addSp delSp modSp new mod">
         <pc:chgData name="Philippe Baucour" userId="5102170ae7533958" providerId="LiveId" clId="{336F8116-C764-4979-A376-3E7AF7BA8383}" dt="2024-11-22T06:39:33.268" v="8978" actId="1076"/>
@@ -4825,6 +5090,13 @@
         <pc:sldMkLst>
           <pc:docMk/>
           <pc:sldMk cId="3845065587" sldId="300"/>
+        </pc:sldMkLst>
+      </pc:sldChg>
+      <pc:sldChg chg="add">
+        <pc:chgData name="Philippe Baucour" userId="5102170ae7533958" providerId="LiveId" clId="{336F8116-C764-4979-A376-3E7AF7BA8383}" dt="2024-11-22T08:47:34.328" v="9558"/>
+        <pc:sldMkLst>
+          <pc:docMk/>
+          <pc:sldMk cId="905268203" sldId="301"/>
         </pc:sldMkLst>
       </pc:sldChg>
     </pc:docChg>
@@ -7291,7 +7563,7 @@
           <a:p>
             <a:fld id="{FD1752CD-A7D2-4825-BC26-9DAEFBD0A5FF}" type="datetimeFigureOut">
               <a:rPr lang="fr-FR" smtClean="0"/>
-              <a:t>21/11/2024</a:t>
+              <a:t>22/11/2024</a:t>
             </a:fld>
             <a:endParaRPr lang="fr-FR"/>
           </a:p>
@@ -8100,7 +8372,7 @@
           <a:p>
             <a:fld id="{341AEC00-4977-4C47-A11B-52155DC12F54}" type="slidenum">
               <a:rPr lang="fr-FR" smtClean="0"/>
-              <a:t>17</a:t>
+              <a:t>18</a:t>
             </a:fld>
             <a:endParaRPr lang="fr-FR"/>
           </a:p>
@@ -8381,7 +8653,7 @@
           <a:p>
             <a:fld id="{341AEC00-4977-4C47-A11B-52155DC12F54}" type="slidenum">
               <a:rPr lang="fr-FR" smtClean="0"/>
-              <a:t>18</a:t>
+              <a:t>19</a:t>
             </a:fld>
             <a:endParaRPr lang="fr-FR"/>
           </a:p>
@@ -8468,7 +8740,7 @@
           <a:p>
             <a:fld id="{341AEC00-4977-4C47-A11B-52155DC12F54}" type="slidenum">
               <a:rPr lang="fr-FR" smtClean="0"/>
-              <a:t>27</a:t>
+              <a:t>28</a:t>
             </a:fld>
             <a:endParaRPr lang="fr-FR"/>
           </a:p>
@@ -8634,7 +8906,7 @@
           <a:p>
             <a:fld id="{7ECB9D5A-E5E4-41FE-AF39-634902D6D5D2}" type="datetimeFigureOut">
               <a:rPr lang="fr-FR" smtClean="0"/>
-              <a:t>21/11/2024</a:t>
+              <a:t>22/11/2024</a:t>
             </a:fld>
             <a:endParaRPr lang="fr-FR"/>
           </a:p>
@@ -8832,7 +9104,7 @@
           <a:p>
             <a:fld id="{7ECB9D5A-E5E4-41FE-AF39-634902D6D5D2}" type="datetimeFigureOut">
               <a:rPr lang="fr-FR" smtClean="0"/>
-              <a:t>21/11/2024</a:t>
+              <a:t>22/11/2024</a:t>
             </a:fld>
             <a:endParaRPr lang="fr-FR"/>
           </a:p>
@@ -9040,7 +9312,7 @@
           <a:p>
             <a:fld id="{7ECB9D5A-E5E4-41FE-AF39-634902D6D5D2}" type="datetimeFigureOut">
               <a:rPr lang="fr-FR" smtClean="0"/>
-              <a:t>21/11/2024</a:t>
+              <a:t>22/11/2024</a:t>
             </a:fld>
             <a:endParaRPr lang="fr-FR"/>
           </a:p>
@@ -9238,7 +9510,7 @@
           <a:p>
             <a:fld id="{7ECB9D5A-E5E4-41FE-AF39-634902D6D5D2}" type="datetimeFigureOut">
               <a:rPr lang="fr-FR" smtClean="0"/>
-              <a:t>21/11/2024</a:t>
+              <a:t>22/11/2024</a:t>
             </a:fld>
             <a:endParaRPr lang="fr-FR"/>
           </a:p>
@@ -9513,7 +9785,7 @@
           <a:p>
             <a:fld id="{7ECB9D5A-E5E4-41FE-AF39-634902D6D5D2}" type="datetimeFigureOut">
               <a:rPr lang="fr-FR" smtClean="0"/>
-              <a:t>21/11/2024</a:t>
+              <a:t>22/11/2024</a:t>
             </a:fld>
             <a:endParaRPr lang="fr-FR"/>
           </a:p>
@@ -9778,7 +10050,7 @@
           <a:p>
             <a:fld id="{7ECB9D5A-E5E4-41FE-AF39-634902D6D5D2}" type="datetimeFigureOut">
               <a:rPr lang="fr-FR" smtClean="0"/>
-              <a:t>21/11/2024</a:t>
+              <a:t>22/11/2024</a:t>
             </a:fld>
             <a:endParaRPr lang="fr-FR"/>
           </a:p>
@@ -10190,7 +10462,7 @@
           <a:p>
             <a:fld id="{7ECB9D5A-E5E4-41FE-AF39-634902D6D5D2}" type="datetimeFigureOut">
               <a:rPr lang="fr-FR" smtClean="0"/>
-              <a:t>21/11/2024</a:t>
+              <a:t>22/11/2024</a:t>
             </a:fld>
             <a:endParaRPr lang="fr-FR"/>
           </a:p>
@@ -10331,7 +10603,7 @@
           <a:p>
             <a:fld id="{7ECB9D5A-E5E4-41FE-AF39-634902D6D5D2}" type="datetimeFigureOut">
               <a:rPr lang="fr-FR" smtClean="0"/>
-              <a:t>21/11/2024</a:t>
+              <a:t>22/11/2024</a:t>
             </a:fld>
             <a:endParaRPr lang="fr-FR"/>
           </a:p>
@@ -10444,7 +10716,7 @@
           <a:p>
             <a:fld id="{7ECB9D5A-E5E4-41FE-AF39-634902D6D5D2}" type="datetimeFigureOut">
               <a:rPr lang="fr-FR" smtClean="0"/>
-              <a:t>21/11/2024</a:t>
+              <a:t>22/11/2024</a:t>
             </a:fld>
             <a:endParaRPr lang="fr-FR"/>
           </a:p>
@@ -10755,7 +11027,7 @@
           <a:p>
             <a:fld id="{7ECB9D5A-E5E4-41FE-AF39-634902D6D5D2}" type="datetimeFigureOut">
               <a:rPr lang="fr-FR" smtClean="0"/>
-              <a:t>21/11/2024</a:t>
+              <a:t>22/11/2024</a:t>
             </a:fld>
             <a:endParaRPr lang="fr-FR"/>
           </a:p>
@@ -11046,7 +11318,7 @@
           <a:p>
             <a:fld id="{7ECB9D5A-E5E4-41FE-AF39-634902D6D5D2}" type="datetimeFigureOut">
               <a:rPr lang="fr-FR" smtClean="0"/>
-              <a:t>21/11/2024</a:t>
+              <a:t>22/11/2024</a:t>
             </a:fld>
             <a:endParaRPr lang="fr-FR"/>
           </a:p>
@@ -11287,7 +11559,7 @@
           <a:p>
             <a:fld id="{7ECB9D5A-E5E4-41FE-AF39-634902D6D5D2}" type="datetimeFigureOut">
               <a:rPr lang="fr-FR" smtClean="0"/>
-              <a:t>21/11/2024</a:t>
+              <a:t>22/11/2024</a:t>
             </a:fld>
             <a:endParaRPr lang="fr-FR"/>
           </a:p>
@@ -11728,20 +12000,8 @@
           <a:lstStyle/>
           <a:p>
             <a:r>
-              <a:rPr lang="fr-FR" dirty="0" err="1"/>
-              <a:t>fraud</a:t>
-            </a:r>
-            <a:r>
               <a:rPr lang="fr-FR" dirty="0"/>
-              <a:t> </a:t>
-            </a:r>
-            <a:r>
-              <a:rPr lang="fr-FR" dirty="0" err="1"/>
-              <a:t>detection</a:t>
-            </a:r>
-            <a:r>
-              <a:rPr lang="fr-FR" dirty="0"/>
-              <a:t> 2 Project</a:t>
+              <a:t>fraud_detection_2 Project</a:t>
             </a:r>
           </a:p>
         </p:txBody>
@@ -14318,13 +14578,13 @@
   <p:clrMapOvr>
     <a:masterClrMapping/>
   </p:clrMapOvr>
-  <mc:AlternateContent xmlns:mc="http://schemas.openxmlformats.org/markup-compatibility/2006">
-    <mc:Choice xmlns:p159="http://schemas.microsoft.com/office/powerpoint/2015/09/main" Requires="p159">
+  <mc:AlternateContent xmlns:mc="http://schemas.openxmlformats.org/markup-compatibility/2006" xmlns:p159="http://schemas.microsoft.com/office/powerpoint/2015/09/main">
+    <mc:Choice Requires="p159">
       <p:transition xmlns:p14="http://schemas.microsoft.com/office/powerpoint/2010/main" spd="slow" p14:dur="2000">
         <p159:morph option="byObject"/>
       </p:transition>
     </mc:Choice>
-    <mc:Fallback>
+    <mc:Fallback xmlns="">
       <p:transition spd="slow">
         <p:fade/>
       </p:transition>
@@ -17793,13 +18053,13 @@
   <p:clrMapOvr>
     <a:masterClrMapping/>
   </p:clrMapOvr>
-  <mc:AlternateContent xmlns:mc="http://schemas.openxmlformats.org/markup-compatibility/2006">
-    <mc:Choice xmlns:p159="http://schemas.microsoft.com/office/powerpoint/2015/09/main" Requires="p159">
+  <mc:AlternateContent xmlns:mc="http://schemas.openxmlformats.org/markup-compatibility/2006" xmlns:p159="http://schemas.microsoft.com/office/powerpoint/2015/09/main">
+    <mc:Choice Requires="p159">
       <p:transition xmlns:p14="http://schemas.microsoft.com/office/powerpoint/2010/main" spd="slow" p14:dur="2000">
         <p159:morph option="byObject"/>
       </p:transition>
     </mc:Choice>
-    <mc:Fallback>
+    <mc:Fallback xmlns="">
       <p:transition spd="slow">
         <p:fade/>
       </p:transition>
@@ -17817,6 +18077,9 @@
                     <p:cTn id="3" fill="hold">
                       <p:stCondLst>
                         <p:cond delay="indefinite"/>
+                        <p:cond evt="onBegin" delay="0">
+                          <p:tn val="2"/>
+                        </p:cond>
                       </p:stCondLst>
                       <p:childTnLst>
                         <p:par>
@@ -17826,7 +18089,7 @@
                             </p:stCondLst>
                             <p:childTnLst>
                               <p:par>
-                                <p:cTn id="5" presetID="10" presetClass="exit" presetSubtype="0" fill="hold" nodeType="clickEffect">
+                                <p:cTn id="5" presetID="10" presetClass="exit" presetSubtype="0" fill="hold" nodeType="withEffect">
                                   <p:stCondLst>
                                     <p:cond delay="0"/>
                                   </p:stCondLst>
@@ -23796,10 +24059,2399 @@
       </p:sp>
       <p:sp>
         <p:nvSpPr>
+          <p:cNvPr id="91" name="ZoneTexte 90">
+            <a:extLst>
+              <a:ext uri="{FF2B5EF4-FFF2-40B4-BE49-F238E27FC236}">
+                <a16:creationId xmlns:a16="http://schemas.microsoft.com/office/drawing/2014/main" id="{91B805C9-7682-F560-1FDE-B774E2A8C2D4}"/>
+              </a:ext>
+            </a:extLst>
+          </p:cNvPr>
+          <p:cNvSpPr txBox="1"/>
+          <p:nvPr/>
+        </p:nvSpPr>
+        <p:spPr>
+          <a:xfrm>
+            <a:off x="7602277" y="102037"/>
+            <a:ext cx="1261884" cy="246221"/>
+          </a:xfrm>
+          <a:prstGeom prst="rect">
+            <a:avLst/>
+          </a:prstGeom>
+          <a:noFill/>
+        </p:spPr>
+        <p:txBody>
+          <a:bodyPr wrap="none" rtlCol="0">
+            <a:spAutoFit/>
+          </a:bodyPr>
+          <a:lstStyle/>
+          <a:p>
+            <a:r>
+              <a:rPr lang="fr-FR" sz="1000" dirty="0" err="1">
+                <a:latin typeface="Courier New" panose="02070309020205020404" pitchFamily="49" charset="0"/>
+                <a:cs typeface="Courier New" panose="02070309020205020404" pitchFamily="49" charset="0"/>
+              </a:rPr>
+              <a:t>Validated</a:t>
+            </a:r>
+            <a:r>
+              <a:rPr lang="fr-FR" sz="1000" dirty="0">
+                <a:latin typeface="Courier New" panose="02070309020205020404" pitchFamily="49" charset="0"/>
+                <a:cs typeface="Courier New" panose="02070309020205020404" pitchFamily="49" charset="0"/>
+              </a:rPr>
+              <a:t> Data</a:t>
+            </a:r>
+            <a:endParaRPr lang="fr-FR" sz="1000" baseline="30000" dirty="0">
+              <a:latin typeface="Courier New" panose="02070309020205020404" pitchFamily="49" charset="0"/>
+              <a:cs typeface="Courier New" panose="02070309020205020404" pitchFamily="49" charset="0"/>
+            </a:endParaRPr>
+          </a:p>
+        </p:txBody>
+      </p:sp>
+      <p:sp>
+        <p:nvSpPr>
+          <p:cNvPr id="92" name="ZoneTexte 91">
+            <a:extLst>
+              <a:ext uri="{FF2B5EF4-FFF2-40B4-BE49-F238E27FC236}">
+                <a16:creationId xmlns:a16="http://schemas.microsoft.com/office/drawing/2014/main" id="{DB5B0FF4-6272-D754-385A-BEC8621F108B}"/>
+              </a:ext>
+            </a:extLst>
+          </p:cNvPr>
+          <p:cNvSpPr txBox="1"/>
+          <p:nvPr/>
+        </p:nvSpPr>
+        <p:spPr>
+          <a:xfrm>
+            <a:off x="1865281" y="150906"/>
+            <a:ext cx="1547218" cy="253916"/>
+          </a:xfrm>
+          <a:prstGeom prst="rect">
+            <a:avLst/>
+          </a:prstGeom>
+          <a:noFill/>
+        </p:spPr>
+        <p:txBody>
+          <a:bodyPr wrap="none" rtlCol="0">
+            <a:spAutoFit/>
+          </a:bodyPr>
+          <a:lstStyle/>
+          <a:p>
+            <a:r>
+              <a:rPr lang="fr-FR" sz="1000" dirty="0">
+                <a:latin typeface="Courier New" panose="02070309020205020404" pitchFamily="49" charset="0"/>
+                <a:cs typeface="Courier New" panose="02070309020205020404" pitchFamily="49" charset="0"/>
+              </a:rPr>
+              <a:t>Training Data Set</a:t>
+            </a:r>
+            <a:endParaRPr lang="fr-FR" sz="1000" baseline="30000" dirty="0">
+              <a:latin typeface="Courier New" panose="02070309020205020404" pitchFamily="49" charset="0"/>
+              <a:cs typeface="Courier New" panose="02070309020205020404" pitchFamily="49" charset="0"/>
+            </a:endParaRPr>
+          </a:p>
+        </p:txBody>
+      </p:sp>
+      <p:cxnSp>
+        <p:nvCxnSpPr>
+          <p:cNvPr id="94" name="Connecteur droit avec flèche 93">
+            <a:extLst>
+              <a:ext uri="{FF2B5EF4-FFF2-40B4-BE49-F238E27FC236}">
+                <a16:creationId xmlns:a16="http://schemas.microsoft.com/office/drawing/2014/main" id="{C9AB3314-9B38-3455-0238-4388E4846B49}"/>
+              </a:ext>
+            </a:extLst>
+          </p:cNvPr>
+          <p:cNvCxnSpPr>
+            <a:cxnSpLocks/>
+          </p:cNvCxnSpPr>
+          <p:nvPr/>
+        </p:nvCxnSpPr>
+        <p:spPr>
+          <a:xfrm>
+            <a:off x="5779543" y="3623453"/>
+            <a:ext cx="0" cy="360000"/>
+          </a:xfrm>
+          <a:prstGeom prst="straightConnector1">
+            <a:avLst/>
+          </a:prstGeom>
+          <a:ln w="57150">
+            <a:solidFill>
+              <a:schemeClr val="tx1"/>
+            </a:solidFill>
+            <a:tailEnd type="triangle"/>
+          </a:ln>
+        </p:spPr>
+        <p:style>
+          <a:lnRef idx="1">
+            <a:schemeClr val="accent1"/>
+          </a:lnRef>
+          <a:fillRef idx="0">
+            <a:schemeClr val="accent1"/>
+          </a:fillRef>
+          <a:effectRef idx="0">
+            <a:schemeClr val="accent1"/>
+          </a:effectRef>
+          <a:fontRef idx="minor">
+            <a:schemeClr val="tx1"/>
+          </a:fontRef>
+        </p:style>
+      </p:cxnSp>
+      <p:cxnSp>
+        <p:nvCxnSpPr>
+          <p:cNvPr id="96" name="Connecteur droit avec flèche 95">
+            <a:extLst>
+              <a:ext uri="{FF2B5EF4-FFF2-40B4-BE49-F238E27FC236}">
+                <a16:creationId xmlns:a16="http://schemas.microsoft.com/office/drawing/2014/main" id="{BCE28831-671F-AC23-0017-213B1C550B25}"/>
+              </a:ext>
+            </a:extLst>
+          </p:cNvPr>
+          <p:cNvCxnSpPr>
+            <a:cxnSpLocks/>
+          </p:cNvCxnSpPr>
+          <p:nvPr/>
+        </p:nvCxnSpPr>
+        <p:spPr>
+          <a:xfrm flipV="1">
+            <a:off x="5562566" y="3623453"/>
+            <a:ext cx="0" cy="360000"/>
+          </a:xfrm>
+          <a:prstGeom prst="straightConnector1">
+            <a:avLst/>
+          </a:prstGeom>
+          <a:ln w="57150">
+            <a:solidFill>
+              <a:schemeClr val="tx1"/>
+            </a:solidFill>
+            <a:tailEnd type="triangle"/>
+          </a:ln>
+        </p:spPr>
+        <p:style>
+          <a:lnRef idx="1">
+            <a:schemeClr val="accent1"/>
+          </a:lnRef>
+          <a:fillRef idx="0">
+            <a:schemeClr val="accent1"/>
+          </a:fillRef>
+          <a:effectRef idx="0">
+            <a:schemeClr val="accent1"/>
+          </a:effectRef>
+          <a:fontRef idx="minor">
+            <a:schemeClr val="tx1"/>
+          </a:fontRef>
+        </p:style>
+      </p:cxnSp>
+      <p:cxnSp>
+        <p:nvCxnSpPr>
+          <p:cNvPr id="100" name="Connecteur : en angle 99">
+            <a:extLst>
+              <a:ext uri="{FF2B5EF4-FFF2-40B4-BE49-F238E27FC236}">
+                <a16:creationId xmlns:a16="http://schemas.microsoft.com/office/drawing/2014/main" id="{32CA4223-5B7D-B80B-29B1-9E78AEE0D7F9}"/>
+              </a:ext>
+            </a:extLst>
+          </p:cNvPr>
+          <p:cNvCxnSpPr>
+            <a:cxnSpLocks/>
+          </p:cNvCxnSpPr>
+          <p:nvPr/>
+        </p:nvCxnSpPr>
+        <p:spPr>
+          <a:xfrm rot="10800000">
+            <a:off x="7962731" y="539076"/>
+            <a:ext cx="2211062" cy="1948374"/>
+          </a:xfrm>
+          <a:prstGeom prst="bentConnector3">
+            <a:avLst>
+              <a:gd name="adj1" fmla="val -1258"/>
+            </a:avLst>
+          </a:prstGeom>
+          <a:ln w="57150">
+            <a:solidFill>
+              <a:schemeClr val="tx1"/>
+            </a:solidFill>
+            <a:tailEnd type="triangle"/>
+          </a:ln>
+        </p:spPr>
+        <p:style>
+          <a:lnRef idx="1">
+            <a:schemeClr val="accent1"/>
+          </a:lnRef>
+          <a:fillRef idx="0">
+            <a:schemeClr val="accent1"/>
+          </a:fillRef>
+          <a:effectRef idx="0">
+            <a:schemeClr val="accent1"/>
+          </a:effectRef>
+          <a:fontRef idx="minor">
+            <a:schemeClr val="tx1"/>
+          </a:fontRef>
+        </p:style>
+      </p:cxnSp>
+      <p:sp>
+        <p:nvSpPr>
+          <p:cNvPr id="116" name="Rectangle 115">
+            <a:extLst>
+              <a:ext uri="{FF2B5EF4-FFF2-40B4-BE49-F238E27FC236}">
+                <a16:creationId xmlns:a16="http://schemas.microsoft.com/office/drawing/2014/main" id="{A0D48AA0-1546-3E72-AE6C-E43830C0CF66}"/>
+              </a:ext>
+            </a:extLst>
+          </p:cNvPr>
+          <p:cNvSpPr/>
+          <p:nvPr/>
+        </p:nvSpPr>
+        <p:spPr>
+          <a:xfrm>
+            <a:off x="5196903" y="1030756"/>
+            <a:ext cx="914400" cy="914400"/>
+          </a:xfrm>
+          <a:prstGeom prst="rect">
+            <a:avLst/>
+          </a:prstGeom>
+          <a:solidFill>
+            <a:srgbClr val="FDC871"/>
+          </a:solidFill>
+          <a:ln w="28575"/>
+        </p:spPr>
+        <p:style>
+          <a:lnRef idx="2">
+            <a:schemeClr val="accent1">
+              <a:shade val="15000"/>
+            </a:schemeClr>
+          </a:lnRef>
+          <a:fillRef idx="1">
+            <a:schemeClr val="accent1"/>
+          </a:fillRef>
+          <a:effectRef idx="0">
+            <a:schemeClr val="accent1"/>
+          </a:effectRef>
+          <a:fontRef idx="minor">
+            <a:schemeClr val="lt1"/>
+          </a:fontRef>
+        </p:style>
+        <p:txBody>
+          <a:bodyPr rtlCol="0" anchor="ctr"/>
+          <a:lstStyle/>
+          <a:p>
+            <a:pPr algn="ctr"/>
+            <a:r>
+              <a:rPr lang="fr-FR" sz="1100" dirty="0" err="1">
+                <a:solidFill>
+                  <a:schemeClr val="tx1"/>
+                </a:solidFill>
+                <a:latin typeface="Courier New" panose="02070309020205020404" pitchFamily="49" charset="0"/>
+                <a:cs typeface="Courier New" panose="02070309020205020404" pitchFamily="49" charset="0"/>
+              </a:rPr>
+              <a:t>Models</a:t>
+            </a:r>
+            <a:endParaRPr lang="fr-FR" sz="1100" b="1" u="sng" dirty="0">
+              <a:solidFill>
+                <a:schemeClr val="tx1"/>
+              </a:solidFill>
+              <a:latin typeface="Courier New" panose="02070309020205020404" pitchFamily="49" charset="0"/>
+              <a:cs typeface="Courier New" panose="02070309020205020404" pitchFamily="49" charset="0"/>
+            </a:endParaRPr>
+          </a:p>
+        </p:txBody>
+      </p:sp>
+      <p:sp>
+        <p:nvSpPr>
+          <p:cNvPr id="126" name="Rectangle 125">
+            <a:extLst>
+              <a:ext uri="{FF2B5EF4-FFF2-40B4-BE49-F238E27FC236}">
+                <a16:creationId xmlns:a16="http://schemas.microsoft.com/office/drawing/2014/main" id="{A69F354B-30B3-E08B-000F-5377935DC238}"/>
+              </a:ext>
+            </a:extLst>
+          </p:cNvPr>
+          <p:cNvSpPr/>
+          <p:nvPr/>
+        </p:nvSpPr>
+        <p:spPr>
+          <a:xfrm>
+            <a:off x="5209469" y="58709"/>
+            <a:ext cx="914400" cy="914400"/>
+          </a:xfrm>
+          <a:prstGeom prst="rect">
+            <a:avLst/>
+          </a:prstGeom>
+          <a:solidFill>
+            <a:srgbClr val="FDC871"/>
+          </a:solidFill>
+          <a:ln w="28575"/>
+        </p:spPr>
+        <p:style>
+          <a:lnRef idx="2">
+            <a:schemeClr val="accent1">
+              <a:shade val="15000"/>
+            </a:schemeClr>
+          </a:lnRef>
+          <a:fillRef idx="1">
+            <a:schemeClr val="accent1"/>
+          </a:fillRef>
+          <a:effectRef idx="0">
+            <a:schemeClr val="accent1"/>
+          </a:effectRef>
+          <a:fontRef idx="minor">
+            <a:schemeClr val="lt1"/>
+          </a:fontRef>
+        </p:style>
+        <p:txBody>
+          <a:bodyPr rtlCol="0" anchor="ctr"/>
+          <a:lstStyle/>
+          <a:p>
+            <a:pPr algn="ctr"/>
+            <a:r>
+              <a:rPr lang="fr-FR" sz="1100" dirty="0">
+                <a:solidFill>
+                  <a:schemeClr val="tx1"/>
+                </a:solidFill>
+                <a:latin typeface="Courier New" panose="02070309020205020404" pitchFamily="49" charset="0"/>
+                <a:cs typeface="Courier New" panose="02070309020205020404" pitchFamily="49" charset="0"/>
+              </a:rPr>
+              <a:t>Train</a:t>
+            </a:r>
+          </a:p>
+        </p:txBody>
+      </p:sp>
+      <p:pic>
+        <p:nvPicPr>
+          <p:cNvPr id="1026" name="Picture 2" descr="Backlog - Free ui icons">
+            <a:extLst>
+              <a:ext uri="{FF2B5EF4-FFF2-40B4-BE49-F238E27FC236}">
+                <a16:creationId xmlns:a16="http://schemas.microsoft.com/office/drawing/2014/main" id="{88A6D908-E396-2E7C-4118-25441B79BC24}"/>
+              </a:ext>
+            </a:extLst>
+          </p:cNvPr>
+          <p:cNvPicPr>
+            <a:picLocks noChangeAspect="1" noChangeArrowheads="1"/>
+          </p:cNvPicPr>
+          <p:nvPr/>
+        </p:nvPicPr>
+        <p:blipFill>
+          <a:blip r:embed="rId7">
+            <a:extLst>
+              <a:ext uri="{28A0092B-C50C-407E-A947-70E740481C1C}">
+                <a14:useLocalDpi xmlns:a14="http://schemas.microsoft.com/office/drawing/2010/main" val="0"/>
+              </a:ext>
+            </a:extLst>
+          </a:blip>
+          <a:srcRect/>
+          <a:stretch>
+            <a:fillRect/>
+          </a:stretch>
+        </p:blipFill>
+        <p:spPr bwMode="auto">
+          <a:xfrm>
+            <a:off x="3815028" y="5363537"/>
+            <a:ext cx="942512" cy="942512"/>
+          </a:xfrm>
+          <a:prstGeom prst="rect">
+            <a:avLst/>
+          </a:prstGeom>
+          <a:noFill/>
+          <a:extLst>
+            <a:ext uri="{909E8E84-426E-40DD-AFC4-6F175D3DCCD1}">
+              <a14:hiddenFill xmlns:a14="http://schemas.microsoft.com/office/drawing/2010/main">
+                <a:solidFill>
+                  <a:srgbClr val="FFFFFF"/>
+                </a:solidFill>
+              </a14:hiddenFill>
+            </a:ext>
+          </a:extLst>
+        </p:spPr>
+      </p:pic>
+      <p:sp>
+        <p:nvSpPr>
+          <p:cNvPr id="148" name="ZoneTexte 147">
+            <a:extLst>
+              <a:ext uri="{FF2B5EF4-FFF2-40B4-BE49-F238E27FC236}">
+                <a16:creationId xmlns:a16="http://schemas.microsoft.com/office/drawing/2014/main" id="{977C860A-4AC3-82B5-02A5-FBBCD71CCE46}"/>
+              </a:ext>
+            </a:extLst>
+          </p:cNvPr>
+          <p:cNvSpPr txBox="1"/>
+          <p:nvPr/>
+        </p:nvSpPr>
+        <p:spPr>
+          <a:xfrm>
+            <a:off x="3197543" y="5701696"/>
+            <a:ext cx="723275" cy="246221"/>
+          </a:xfrm>
+          <a:prstGeom prst="rect">
+            <a:avLst/>
+          </a:prstGeom>
+          <a:noFill/>
+        </p:spPr>
+        <p:txBody>
+          <a:bodyPr wrap="none" rtlCol="0">
+            <a:spAutoFit/>
+          </a:bodyPr>
+          <a:lstStyle/>
+          <a:p>
+            <a:pPr algn="r"/>
+            <a:r>
+              <a:rPr lang="fr-FR" sz="1000" dirty="0">
+                <a:latin typeface="Courier New" panose="02070309020205020404" pitchFamily="49" charset="0"/>
+                <a:cs typeface="Courier New" panose="02070309020205020404" pitchFamily="49" charset="0"/>
+              </a:rPr>
+              <a:t>Topic_1</a:t>
+            </a:r>
+            <a:endParaRPr lang="fr-FR" sz="1000" baseline="30000" dirty="0">
+              <a:latin typeface="Courier New" panose="02070309020205020404" pitchFamily="49" charset="0"/>
+              <a:cs typeface="Courier New" panose="02070309020205020404" pitchFamily="49" charset="0"/>
+            </a:endParaRPr>
+          </a:p>
+        </p:txBody>
+      </p:sp>
+      <p:pic>
+        <p:nvPicPr>
+          <p:cNvPr id="149" name="Picture 2" descr="Backlog - Free ui icons">
+            <a:extLst>
+              <a:ext uri="{FF2B5EF4-FFF2-40B4-BE49-F238E27FC236}">
+                <a16:creationId xmlns:a16="http://schemas.microsoft.com/office/drawing/2014/main" id="{24D1F2EB-C07B-6766-CD4B-9AE868E9EF84}"/>
+              </a:ext>
+            </a:extLst>
+          </p:cNvPr>
+          <p:cNvPicPr>
+            <a:picLocks noChangeAspect="1" noChangeArrowheads="1"/>
+          </p:cNvPicPr>
+          <p:nvPr/>
+        </p:nvPicPr>
+        <p:blipFill>
+          <a:blip r:embed="rId7">
+            <a:extLst>
+              <a:ext uri="{28A0092B-C50C-407E-A947-70E740481C1C}">
+                <a14:useLocalDpi xmlns:a14="http://schemas.microsoft.com/office/drawing/2010/main" val="0"/>
+              </a:ext>
+            </a:extLst>
+          </a:blip>
+          <a:srcRect/>
+          <a:stretch>
+            <a:fillRect/>
+          </a:stretch>
+        </p:blipFill>
+        <p:spPr bwMode="auto">
+          <a:xfrm>
+            <a:off x="6680987" y="5366077"/>
+            <a:ext cx="942512" cy="942512"/>
+          </a:xfrm>
+          <a:prstGeom prst="rect">
+            <a:avLst/>
+          </a:prstGeom>
+          <a:noFill/>
+          <a:extLst>
+            <a:ext uri="{909E8E84-426E-40DD-AFC4-6F175D3DCCD1}">
+              <a14:hiddenFill xmlns:a14="http://schemas.microsoft.com/office/drawing/2010/main">
+                <a:solidFill>
+                  <a:srgbClr val="FFFFFF"/>
+                </a:solidFill>
+              </a14:hiddenFill>
+            </a:ext>
+          </a:extLst>
+        </p:spPr>
+      </p:pic>
+      <p:sp>
+        <p:nvSpPr>
+          <p:cNvPr id="150" name="ZoneTexte 149">
+            <a:extLst>
+              <a:ext uri="{FF2B5EF4-FFF2-40B4-BE49-F238E27FC236}">
+                <a16:creationId xmlns:a16="http://schemas.microsoft.com/office/drawing/2014/main" id="{95E5B735-597B-EA6E-6077-3E577ABF61FC}"/>
+              </a:ext>
+            </a:extLst>
+          </p:cNvPr>
+          <p:cNvSpPr txBox="1"/>
+          <p:nvPr/>
+        </p:nvSpPr>
+        <p:spPr>
+          <a:xfrm>
+            <a:off x="7356391" y="6045524"/>
+            <a:ext cx="723275" cy="246221"/>
+          </a:xfrm>
+          <a:prstGeom prst="rect">
+            <a:avLst/>
+          </a:prstGeom>
+          <a:noFill/>
+        </p:spPr>
+        <p:txBody>
+          <a:bodyPr wrap="none" rtlCol="0">
+            <a:spAutoFit/>
+          </a:bodyPr>
+          <a:lstStyle/>
+          <a:p>
+            <a:r>
+              <a:rPr lang="fr-FR" sz="1000" dirty="0">
+                <a:latin typeface="Courier New" panose="02070309020205020404" pitchFamily="49" charset="0"/>
+                <a:cs typeface="Courier New" panose="02070309020205020404" pitchFamily="49" charset="0"/>
+              </a:rPr>
+              <a:t>Topic_2</a:t>
+            </a:r>
+            <a:endParaRPr lang="fr-FR" sz="1000" baseline="30000" dirty="0">
+              <a:latin typeface="Courier New" panose="02070309020205020404" pitchFamily="49" charset="0"/>
+              <a:cs typeface="Courier New" panose="02070309020205020404" pitchFamily="49" charset="0"/>
+            </a:endParaRPr>
+          </a:p>
+        </p:txBody>
+      </p:sp>
+      <p:sp>
+        <p:nvSpPr>
+          <p:cNvPr id="2" name="Rectangle 1">
+            <a:extLst>
+              <a:ext uri="{FF2B5EF4-FFF2-40B4-BE49-F238E27FC236}">
+                <a16:creationId xmlns:a16="http://schemas.microsoft.com/office/drawing/2014/main" id="{35500011-70C2-70DB-2728-E4EC557B6A5F}"/>
+              </a:ext>
+            </a:extLst>
+          </p:cNvPr>
+          <p:cNvSpPr/>
+          <p:nvPr/>
+        </p:nvSpPr>
+        <p:spPr>
+          <a:xfrm>
+            <a:off x="5196903" y="2609637"/>
+            <a:ext cx="914400" cy="914400"/>
+          </a:xfrm>
+          <a:prstGeom prst="rect">
+            <a:avLst/>
+          </a:prstGeom>
+          <a:solidFill>
+            <a:srgbClr val="FDC871"/>
+          </a:solidFill>
+          <a:ln w="28575"/>
+        </p:spPr>
+        <p:style>
+          <a:lnRef idx="2">
+            <a:schemeClr val="accent1">
+              <a:shade val="15000"/>
+            </a:schemeClr>
+          </a:lnRef>
+          <a:fillRef idx="1">
+            <a:schemeClr val="accent1"/>
+          </a:fillRef>
+          <a:effectRef idx="0">
+            <a:schemeClr val="accent1"/>
+          </a:effectRef>
+          <a:fontRef idx="minor">
+            <a:schemeClr val="lt1"/>
+          </a:fontRef>
+        </p:style>
+        <p:txBody>
+          <a:bodyPr rtlCol="0" anchor="ctr"/>
+          <a:lstStyle/>
+          <a:p>
+            <a:pPr algn="ctr"/>
+            <a:r>
+              <a:rPr lang="fr-FR" sz="1050" dirty="0" err="1">
+                <a:solidFill>
+                  <a:schemeClr val="tx1"/>
+                </a:solidFill>
+                <a:latin typeface="Courier New" panose="02070309020205020404" pitchFamily="49" charset="0"/>
+                <a:cs typeface="Courier New" panose="02070309020205020404" pitchFamily="49" charset="0"/>
+              </a:rPr>
+              <a:t>Modelizer</a:t>
+            </a:r>
+            <a:br>
+              <a:rPr lang="fr-FR" sz="1100" dirty="0">
+                <a:solidFill>
+                  <a:schemeClr val="tx1"/>
+                </a:solidFill>
+                <a:latin typeface="Courier New" panose="02070309020205020404" pitchFamily="49" charset="0"/>
+                <a:cs typeface="Courier New" panose="02070309020205020404" pitchFamily="49" charset="0"/>
+              </a:rPr>
+            </a:br>
+            <a:br>
+              <a:rPr lang="fr-FR" sz="800" dirty="0">
+                <a:solidFill>
+                  <a:schemeClr val="tx1"/>
+                </a:solidFill>
+                <a:latin typeface="Courier New" panose="02070309020205020404" pitchFamily="49" charset="0"/>
+                <a:cs typeface="Courier New" panose="02070309020205020404" pitchFamily="49" charset="0"/>
+              </a:rPr>
+            </a:br>
+            <a:r>
+              <a:rPr lang="fr-FR" sz="800" dirty="0">
+                <a:solidFill>
+                  <a:schemeClr val="tx1"/>
+                </a:solidFill>
+                <a:latin typeface="Courier New" panose="02070309020205020404" pitchFamily="49" charset="0"/>
+                <a:cs typeface="Courier New" panose="02070309020205020404" pitchFamily="49" charset="0"/>
+              </a:rPr>
+              <a:t>Last</a:t>
+            </a:r>
+            <a:br>
+              <a:rPr lang="fr-FR" sz="800" dirty="0">
+                <a:solidFill>
+                  <a:schemeClr val="tx1"/>
+                </a:solidFill>
+                <a:latin typeface="Courier New" panose="02070309020205020404" pitchFamily="49" charset="0"/>
+                <a:cs typeface="Courier New" panose="02070309020205020404" pitchFamily="49" charset="0"/>
+              </a:rPr>
+            </a:br>
+            <a:r>
+              <a:rPr lang="fr-FR" sz="800" dirty="0">
+                <a:solidFill>
+                  <a:schemeClr val="tx1"/>
+                </a:solidFill>
+                <a:latin typeface="Courier New" panose="02070309020205020404" pitchFamily="49" charset="0"/>
+                <a:cs typeface="Courier New" panose="02070309020205020404" pitchFamily="49" charset="0"/>
+              </a:rPr>
+              <a:t>Previous</a:t>
+            </a:r>
+          </a:p>
+        </p:txBody>
+      </p:sp>
+      <p:cxnSp>
+        <p:nvCxnSpPr>
+          <p:cNvPr id="7" name="Connecteur droit 6">
+            <a:extLst>
+              <a:ext uri="{FF2B5EF4-FFF2-40B4-BE49-F238E27FC236}">
+                <a16:creationId xmlns:a16="http://schemas.microsoft.com/office/drawing/2014/main" id="{D9DEBCDB-262E-C053-2E9D-B73D458243F8}"/>
+              </a:ext>
+            </a:extLst>
+          </p:cNvPr>
+          <p:cNvCxnSpPr/>
+          <p:nvPr/>
+        </p:nvCxnSpPr>
+        <p:spPr>
+          <a:xfrm>
+            <a:off x="516017" y="3779520"/>
+            <a:ext cx="11190571" cy="0"/>
+          </a:xfrm>
+          <a:prstGeom prst="line">
+            <a:avLst/>
+          </a:prstGeom>
+          <a:ln w="76200">
+            <a:solidFill>
+              <a:srgbClr val="C00000"/>
+            </a:solidFill>
+            <a:prstDash val="lgDash"/>
+          </a:ln>
+        </p:spPr>
+        <p:style>
+          <a:lnRef idx="1">
+            <a:schemeClr val="accent1"/>
+          </a:lnRef>
+          <a:fillRef idx="0">
+            <a:schemeClr val="accent1"/>
+          </a:fillRef>
+          <a:effectRef idx="0">
+            <a:schemeClr val="accent1"/>
+          </a:effectRef>
+          <a:fontRef idx="minor">
+            <a:schemeClr val="tx1"/>
+          </a:fontRef>
+        </p:style>
+      </p:cxnSp>
+      <p:sp>
+        <p:nvSpPr>
+          <p:cNvPr id="8" name="Rectangle 7">
+            <a:extLst>
+              <a:ext uri="{FF2B5EF4-FFF2-40B4-BE49-F238E27FC236}">
+                <a16:creationId xmlns:a16="http://schemas.microsoft.com/office/drawing/2014/main" id="{DC2E548A-C39C-4AF4-F203-5AA778271409}"/>
+              </a:ext>
+            </a:extLst>
+          </p:cNvPr>
+          <p:cNvSpPr/>
+          <p:nvPr/>
+        </p:nvSpPr>
+        <p:spPr>
+          <a:xfrm>
+            <a:off x="1865281" y="19006"/>
+            <a:ext cx="8943149" cy="3588282"/>
+          </a:xfrm>
+          <a:prstGeom prst="rect">
+            <a:avLst/>
+          </a:prstGeom>
+          <a:solidFill>
+            <a:srgbClr val="FDCA72">
+              <a:alpha val="50000"/>
+            </a:srgbClr>
+          </a:solidFill>
+        </p:spPr>
+        <p:style>
+          <a:lnRef idx="2">
+            <a:schemeClr val="accent1">
+              <a:shade val="15000"/>
+            </a:schemeClr>
+          </a:lnRef>
+          <a:fillRef idx="1">
+            <a:schemeClr val="accent1"/>
+          </a:fillRef>
+          <a:effectRef idx="0">
+            <a:schemeClr val="accent1"/>
+          </a:effectRef>
+          <a:fontRef idx="minor">
+            <a:schemeClr val="lt1"/>
+          </a:fontRef>
+        </p:style>
+        <p:txBody>
+          <a:bodyPr rtlCol="0" anchor="ctr"/>
+          <a:lstStyle/>
+          <a:p>
+            <a:pPr algn="ctr"/>
+            <a:endParaRPr lang="fr-FR"/>
+          </a:p>
+        </p:txBody>
+      </p:sp>
+      <p:sp>
+        <p:nvSpPr>
+          <p:cNvPr id="9" name="Rectangle 8">
+            <a:extLst>
+              <a:ext uri="{FF2B5EF4-FFF2-40B4-BE49-F238E27FC236}">
+                <a16:creationId xmlns:a16="http://schemas.microsoft.com/office/drawing/2014/main" id="{0DD964CC-8F4A-61A9-9D60-D6E86368AA09}"/>
+              </a:ext>
+            </a:extLst>
+          </p:cNvPr>
+          <p:cNvSpPr/>
+          <p:nvPr/>
+        </p:nvSpPr>
+        <p:spPr>
+          <a:xfrm>
+            <a:off x="1863319" y="3919973"/>
+            <a:ext cx="8943149" cy="2550542"/>
+          </a:xfrm>
+          <a:prstGeom prst="rect">
+            <a:avLst/>
+          </a:prstGeom>
+          <a:solidFill>
+            <a:srgbClr val="90C78C">
+              <a:alpha val="50000"/>
+            </a:srgbClr>
+          </a:solidFill>
+        </p:spPr>
+        <p:style>
+          <a:lnRef idx="2">
+            <a:schemeClr val="accent1">
+              <a:shade val="15000"/>
+            </a:schemeClr>
+          </a:lnRef>
+          <a:fillRef idx="1">
+            <a:schemeClr val="accent1"/>
+          </a:fillRef>
+          <a:effectRef idx="0">
+            <a:schemeClr val="accent1"/>
+          </a:effectRef>
+          <a:fontRef idx="minor">
+            <a:schemeClr val="lt1"/>
+          </a:fontRef>
+        </p:style>
+        <p:txBody>
+          <a:bodyPr rtlCol="0" anchor="ctr"/>
+          <a:lstStyle/>
+          <a:p>
+            <a:pPr algn="ctr"/>
+            <a:endParaRPr lang="fr-FR"/>
+          </a:p>
+        </p:txBody>
+      </p:sp>
+      <p:sp>
+        <p:nvSpPr>
+          <p:cNvPr id="12" name="ZoneTexte 11">
+            <a:extLst>
+              <a:ext uri="{FF2B5EF4-FFF2-40B4-BE49-F238E27FC236}">
+                <a16:creationId xmlns:a16="http://schemas.microsoft.com/office/drawing/2014/main" id="{B91399FA-0B49-61DC-F75B-348F5CA88F3A}"/>
+              </a:ext>
+            </a:extLst>
+          </p:cNvPr>
+          <p:cNvSpPr txBox="1"/>
+          <p:nvPr/>
+        </p:nvSpPr>
+        <p:spPr>
+          <a:xfrm rot="20795182">
+            <a:off x="668376" y="2089922"/>
+            <a:ext cx="2114681" cy="553998"/>
+          </a:xfrm>
+          <a:prstGeom prst="rect">
+            <a:avLst/>
+          </a:prstGeom>
+          <a:solidFill>
+            <a:schemeClr val="bg1"/>
+          </a:solidFill>
+          <a:ln>
+            <a:solidFill>
+              <a:schemeClr val="bg1">
+                <a:lumMod val="50000"/>
+              </a:schemeClr>
+            </a:solidFill>
+          </a:ln>
+          <a:effectLst>
+            <a:outerShdw blurRad="50800" dist="38100" algn="l" rotWithShape="0">
+              <a:prstClr val="black">
+                <a:alpha val="40000"/>
+              </a:prstClr>
+            </a:outerShdw>
+          </a:effectLst>
+        </p:spPr>
+        <p:txBody>
+          <a:bodyPr wrap="none" rtlCol="0">
+            <a:spAutoFit/>
+          </a:bodyPr>
+          <a:lstStyle/>
+          <a:p>
+            <a:r>
+              <a:rPr lang="fr-FR" dirty="0">
+                <a:latin typeface="Courier New" panose="02070309020205020404" pitchFamily="49" charset="0"/>
+                <a:cs typeface="Courier New" panose="02070309020205020404" pitchFamily="49" charset="0"/>
+              </a:rPr>
+              <a:t>Model and Data</a:t>
+            </a:r>
+          </a:p>
+          <a:p>
+            <a:pPr algn="ctr"/>
+            <a:r>
+              <a:rPr lang="fr-FR" sz="1200" dirty="0">
+                <a:latin typeface="Courier New" panose="02070309020205020404" pitchFamily="49" charset="0"/>
+                <a:cs typeface="Courier New" panose="02070309020205020404" pitchFamily="49" charset="0"/>
+              </a:rPr>
+              <a:t>Ops - Care</a:t>
+            </a:r>
+          </a:p>
+        </p:txBody>
+      </p:sp>
+      <p:sp>
+        <p:nvSpPr>
+          <p:cNvPr id="13" name="ZoneTexte 12">
+            <a:extLst>
+              <a:ext uri="{FF2B5EF4-FFF2-40B4-BE49-F238E27FC236}">
+                <a16:creationId xmlns:a16="http://schemas.microsoft.com/office/drawing/2014/main" id="{691BC83E-4F83-91C6-CD96-D034080F7D08}"/>
+              </a:ext>
+            </a:extLst>
+          </p:cNvPr>
+          <p:cNvSpPr txBox="1"/>
+          <p:nvPr/>
+        </p:nvSpPr>
+        <p:spPr>
+          <a:xfrm rot="20795182">
+            <a:off x="830126" y="5527657"/>
+            <a:ext cx="1701107" cy="553998"/>
+          </a:xfrm>
+          <a:prstGeom prst="rect">
+            <a:avLst/>
+          </a:prstGeom>
+          <a:solidFill>
+            <a:schemeClr val="bg1"/>
+          </a:solidFill>
+          <a:ln>
+            <a:solidFill>
+              <a:schemeClr val="bg1">
+                <a:lumMod val="50000"/>
+              </a:schemeClr>
+            </a:solidFill>
+          </a:ln>
+          <a:effectLst>
+            <a:outerShdw blurRad="50800" dist="38100" algn="l" rotWithShape="0">
+              <a:prstClr val="black">
+                <a:alpha val="40000"/>
+              </a:prstClr>
+            </a:outerShdw>
+          </a:effectLst>
+        </p:spPr>
+        <p:txBody>
+          <a:bodyPr wrap="none" rtlCol="0">
+            <a:spAutoFit/>
+          </a:bodyPr>
+          <a:lstStyle/>
+          <a:p>
+            <a:r>
+              <a:rPr lang="fr-FR" dirty="0">
+                <a:latin typeface="Courier New" panose="02070309020205020404" pitchFamily="49" charset="0"/>
+                <a:cs typeface="Courier New" panose="02070309020205020404" pitchFamily="49" charset="0"/>
+              </a:rPr>
+              <a:t>Application</a:t>
+            </a:r>
+          </a:p>
+          <a:p>
+            <a:pPr algn="ctr"/>
+            <a:r>
+              <a:rPr lang="fr-FR" sz="1200" dirty="0">
+                <a:latin typeface="Courier New" panose="02070309020205020404" pitchFamily="49" charset="0"/>
+                <a:cs typeface="Courier New" panose="02070309020205020404" pitchFamily="49" charset="0"/>
+              </a:rPr>
+              <a:t>Ops - Care</a:t>
+            </a:r>
+            <a:endParaRPr lang="fr-FR" sz="1400" dirty="0">
+              <a:latin typeface="Courier New" panose="02070309020205020404" pitchFamily="49" charset="0"/>
+              <a:cs typeface="Courier New" panose="02070309020205020404" pitchFamily="49" charset="0"/>
+            </a:endParaRPr>
+          </a:p>
+        </p:txBody>
+      </p:sp>
+    </p:spTree>
+    <p:extLst>
+      <p:ext uri="{BB962C8B-B14F-4D97-AF65-F5344CB8AC3E}">
+        <p14:creationId xmlns:p14="http://schemas.microsoft.com/office/powerpoint/2010/main" val="4248122501"/>
+      </p:ext>
+    </p:extLst>
+  </p:cSld>
+  <p:clrMapOvr>
+    <a:masterClrMapping/>
+  </p:clrMapOvr>
+  <p:timing>
+    <p:tnLst>
+      <p:par>
+        <p:cTn id="1" dur="indefinite" restart="never" nodeType="tmRoot">
+          <p:childTnLst>
+            <p:seq concurrent="1" nextAc="seek">
+              <p:cTn id="2" dur="indefinite" nodeType="mainSeq">
+                <p:childTnLst>
+                  <p:par>
+                    <p:cTn id="3" fill="hold">
+                      <p:stCondLst>
+                        <p:cond delay="indefinite"/>
+                      </p:stCondLst>
+                      <p:childTnLst>
+                        <p:par>
+                          <p:cTn id="4" fill="hold">
+                            <p:stCondLst>
+                              <p:cond delay="0"/>
+                            </p:stCondLst>
+                            <p:childTnLst>
+                              <p:par>
+                                <p:cTn id="5" presetID="22" presetClass="entr" presetSubtype="8" fill="hold" nodeType="clickEffect">
+                                  <p:stCondLst>
+                                    <p:cond delay="0"/>
+                                  </p:stCondLst>
+                                  <p:childTnLst>
+                                    <p:set>
+                                      <p:cBhvr>
+                                        <p:cTn id="6" dur="1" fill="hold">
+                                          <p:stCondLst>
+                                            <p:cond delay="0"/>
+                                          </p:stCondLst>
+                                        </p:cTn>
+                                        <p:tgtEl>
+                                          <p:spTgt spid="7"/>
+                                        </p:tgtEl>
+                                        <p:attrNameLst>
+                                          <p:attrName>style.visibility</p:attrName>
+                                        </p:attrNameLst>
+                                      </p:cBhvr>
+                                      <p:to>
+                                        <p:strVal val="visible"/>
+                                      </p:to>
+                                    </p:set>
+                                    <p:animEffect transition="in" filter="wipe(left)">
+                                      <p:cBhvr>
+                                        <p:cTn id="7" dur="500"/>
+                                        <p:tgtEl>
+                                          <p:spTgt spid="7"/>
+                                        </p:tgtEl>
+                                      </p:cBhvr>
+                                    </p:animEffect>
+                                  </p:childTnLst>
+                                </p:cTn>
+                              </p:par>
+                            </p:childTnLst>
+                          </p:cTn>
+                        </p:par>
+                      </p:childTnLst>
+                    </p:cTn>
+                  </p:par>
+                  <p:par>
+                    <p:cTn id="8" fill="hold">
+                      <p:stCondLst>
+                        <p:cond delay="indefinite"/>
+                      </p:stCondLst>
+                      <p:childTnLst>
+                        <p:par>
+                          <p:cTn id="9" fill="hold">
+                            <p:stCondLst>
+                              <p:cond delay="0"/>
+                            </p:stCondLst>
+                            <p:childTnLst>
+                              <p:par>
+                                <p:cTn id="10" presetID="2" presetClass="entr" presetSubtype="1" fill="hold" grpId="0" nodeType="clickEffect">
+                                  <p:stCondLst>
+                                    <p:cond delay="0"/>
+                                  </p:stCondLst>
+                                  <p:childTnLst>
+                                    <p:set>
+                                      <p:cBhvr>
+                                        <p:cTn id="11" dur="1" fill="hold">
+                                          <p:stCondLst>
+                                            <p:cond delay="0"/>
+                                          </p:stCondLst>
+                                        </p:cTn>
+                                        <p:tgtEl>
+                                          <p:spTgt spid="8"/>
+                                        </p:tgtEl>
+                                        <p:attrNameLst>
+                                          <p:attrName>style.visibility</p:attrName>
+                                        </p:attrNameLst>
+                                      </p:cBhvr>
+                                      <p:to>
+                                        <p:strVal val="visible"/>
+                                      </p:to>
+                                    </p:set>
+                                    <p:anim calcmode="lin" valueType="num">
+                                      <p:cBhvr additive="base">
+                                        <p:cTn id="12" dur="1000" fill="hold"/>
+                                        <p:tgtEl>
+                                          <p:spTgt spid="8"/>
+                                        </p:tgtEl>
+                                        <p:attrNameLst>
+                                          <p:attrName>ppt_x</p:attrName>
+                                        </p:attrNameLst>
+                                      </p:cBhvr>
+                                      <p:tavLst>
+                                        <p:tav tm="0">
+                                          <p:val>
+                                            <p:strVal val="#ppt_x"/>
+                                          </p:val>
+                                        </p:tav>
+                                        <p:tav tm="100000">
+                                          <p:val>
+                                            <p:strVal val="#ppt_x"/>
+                                          </p:val>
+                                        </p:tav>
+                                      </p:tavLst>
+                                    </p:anim>
+                                    <p:anim calcmode="lin" valueType="num">
+                                      <p:cBhvr additive="base">
+                                        <p:cTn id="13" dur="1000" fill="hold"/>
+                                        <p:tgtEl>
+                                          <p:spTgt spid="8"/>
+                                        </p:tgtEl>
+                                        <p:attrNameLst>
+                                          <p:attrName>ppt_y</p:attrName>
+                                        </p:attrNameLst>
+                                      </p:cBhvr>
+                                      <p:tavLst>
+                                        <p:tav tm="0">
+                                          <p:val>
+                                            <p:strVal val="0-#ppt_h/2"/>
+                                          </p:val>
+                                        </p:tav>
+                                        <p:tav tm="100000">
+                                          <p:val>
+                                            <p:strVal val="#ppt_y"/>
+                                          </p:val>
+                                        </p:tav>
+                                      </p:tavLst>
+                                    </p:anim>
+                                  </p:childTnLst>
+                                </p:cTn>
+                              </p:par>
+                            </p:childTnLst>
+                          </p:cTn>
+                        </p:par>
+                      </p:childTnLst>
+                    </p:cTn>
+                  </p:par>
+                  <p:par>
+                    <p:cTn id="14" fill="hold">
+                      <p:stCondLst>
+                        <p:cond delay="indefinite"/>
+                      </p:stCondLst>
+                      <p:childTnLst>
+                        <p:par>
+                          <p:cTn id="15" fill="hold">
+                            <p:stCondLst>
+                              <p:cond delay="0"/>
+                            </p:stCondLst>
+                            <p:childTnLst>
+                              <p:par>
+                                <p:cTn id="16" presetID="2" presetClass="entr" presetSubtype="4" fill="hold" grpId="0" nodeType="clickEffect">
+                                  <p:stCondLst>
+                                    <p:cond delay="0"/>
+                                  </p:stCondLst>
+                                  <p:childTnLst>
+                                    <p:set>
+                                      <p:cBhvr>
+                                        <p:cTn id="17" dur="1" fill="hold">
+                                          <p:stCondLst>
+                                            <p:cond delay="0"/>
+                                          </p:stCondLst>
+                                        </p:cTn>
+                                        <p:tgtEl>
+                                          <p:spTgt spid="9"/>
+                                        </p:tgtEl>
+                                        <p:attrNameLst>
+                                          <p:attrName>style.visibility</p:attrName>
+                                        </p:attrNameLst>
+                                      </p:cBhvr>
+                                      <p:to>
+                                        <p:strVal val="visible"/>
+                                      </p:to>
+                                    </p:set>
+                                    <p:anim calcmode="lin" valueType="num">
+                                      <p:cBhvr additive="base">
+                                        <p:cTn id="18" dur="1000" fill="hold"/>
+                                        <p:tgtEl>
+                                          <p:spTgt spid="9"/>
+                                        </p:tgtEl>
+                                        <p:attrNameLst>
+                                          <p:attrName>ppt_x</p:attrName>
+                                        </p:attrNameLst>
+                                      </p:cBhvr>
+                                      <p:tavLst>
+                                        <p:tav tm="0">
+                                          <p:val>
+                                            <p:strVal val="#ppt_x"/>
+                                          </p:val>
+                                        </p:tav>
+                                        <p:tav tm="100000">
+                                          <p:val>
+                                            <p:strVal val="#ppt_x"/>
+                                          </p:val>
+                                        </p:tav>
+                                      </p:tavLst>
+                                    </p:anim>
+                                    <p:anim calcmode="lin" valueType="num">
+                                      <p:cBhvr additive="base">
+                                        <p:cTn id="19" dur="1000" fill="hold"/>
+                                        <p:tgtEl>
+                                          <p:spTgt spid="9"/>
+                                        </p:tgtEl>
+                                        <p:attrNameLst>
+                                          <p:attrName>ppt_y</p:attrName>
+                                        </p:attrNameLst>
+                                      </p:cBhvr>
+                                      <p:tavLst>
+                                        <p:tav tm="0">
+                                          <p:val>
+                                            <p:strVal val="1+#ppt_h/2"/>
+                                          </p:val>
+                                        </p:tav>
+                                        <p:tav tm="100000">
+                                          <p:val>
+                                            <p:strVal val="#ppt_y"/>
+                                          </p:val>
+                                        </p:tav>
+                                      </p:tavLst>
+                                    </p:anim>
+                                  </p:childTnLst>
+                                </p:cTn>
+                              </p:par>
+                            </p:childTnLst>
+                          </p:cTn>
+                        </p:par>
+                      </p:childTnLst>
+                    </p:cTn>
+                  </p:par>
+                  <p:par>
+                    <p:cTn id="20" fill="hold">
+                      <p:stCondLst>
+                        <p:cond delay="indefinite"/>
+                      </p:stCondLst>
+                      <p:childTnLst>
+                        <p:par>
+                          <p:cTn id="21" fill="hold">
+                            <p:stCondLst>
+                              <p:cond delay="0"/>
+                            </p:stCondLst>
+                            <p:childTnLst>
+                              <p:par>
+                                <p:cTn id="22" presetID="10" presetClass="entr" presetSubtype="0" fill="hold" grpId="0" nodeType="clickEffect">
+                                  <p:stCondLst>
+                                    <p:cond delay="0"/>
+                                  </p:stCondLst>
+                                  <p:childTnLst>
+                                    <p:set>
+                                      <p:cBhvr>
+                                        <p:cTn id="23" dur="1" fill="hold">
+                                          <p:stCondLst>
+                                            <p:cond delay="0"/>
+                                          </p:stCondLst>
+                                        </p:cTn>
+                                        <p:tgtEl>
+                                          <p:spTgt spid="12"/>
+                                        </p:tgtEl>
+                                        <p:attrNameLst>
+                                          <p:attrName>style.visibility</p:attrName>
+                                        </p:attrNameLst>
+                                      </p:cBhvr>
+                                      <p:to>
+                                        <p:strVal val="visible"/>
+                                      </p:to>
+                                    </p:set>
+                                    <p:animEffect transition="in" filter="fade">
+                                      <p:cBhvr>
+                                        <p:cTn id="24" dur="1000"/>
+                                        <p:tgtEl>
+                                          <p:spTgt spid="12"/>
+                                        </p:tgtEl>
+                                      </p:cBhvr>
+                                    </p:animEffect>
+                                  </p:childTnLst>
+                                </p:cTn>
+                              </p:par>
+                            </p:childTnLst>
+                          </p:cTn>
+                        </p:par>
+                      </p:childTnLst>
+                    </p:cTn>
+                  </p:par>
+                  <p:par>
+                    <p:cTn id="25" fill="hold">
+                      <p:stCondLst>
+                        <p:cond delay="indefinite"/>
+                      </p:stCondLst>
+                      <p:childTnLst>
+                        <p:par>
+                          <p:cTn id="26" fill="hold">
+                            <p:stCondLst>
+                              <p:cond delay="0"/>
+                            </p:stCondLst>
+                            <p:childTnLst>
+                              <p:par>
+                                <p:cTn id="27" presetID="10" presetClass="entr" presetSubtype="0" fill="hold" grpId="0" nodeType="clickEffect">
+                                  <p:stCondLst>
+                                    <p:cond delay="0"/>
+                                  </p:stCondLst>
+                                  <p:childTnLst>
+                                    <p:set>
+                                      <p:cBhvr>
+                                        <p:cTn id="28" dur="1" fill="hold">
+                                          <p:stCondLst>
+                                            <p:cond delay="0"/>
+                                          </p:stCondLst>
+                                        </p:cTn>
+                                        <p:tgtEl>
+                                          <p:spTgt spid="13"/>
+                                        </p:tgtEl>
+                                        <p:attrNameLst>
+                                          <p:attrName>style.visibility</p:attrName>
+                                        </p:attrNameLst>
+                                      </p:cBhvr>
+                                      <p:to>
+                                        <p:strVal val="visible"/>
+                                      </p:to>
+                                    </p:set>
+                                    <p:animEffect transition="in" filter="fade">
+                                      <p:cBhvr>
+                                        <p:cTn id="29" dur="1000"/>
+                                        <p:tgtEl>
+                                          <p:spTgt spid="13"/>
+                                        </p:tgtEl>
+                                      </p:cBhvr>
+                                    </p:animEffect>
+                                  </p:childTnLst>
+                                </p:cTn>
+                              </p:par>
+                            </p:childTnLst>
+                          </p:cTn>
+                        </p:par>
+                      </p:childTnLst>
+                    </p:cTn>
+                  </p:par>
+                </p:childTnLst>
+              </p:cTn>
+              <p:prevCondLst>
+                <p:cond evt="onPrev" delay="0">
+                  <p:tgtEl>
+                    <p:sldTgt/>
+                  </p:tgtEl>
+                </p:cond>
+              </p:prevCondLst>
+              <p:nextCondLst>
+                <p:cond evt="onNext" delay="0">
+                  <p:tgtEl>
+                    <p:sldTgt/>
+                  </p:tgtEl>
+                </p:cond>
+              </p:nextCondLst>
+            </p:seq>
+          </p:childTnLst>
+        </p:cTn>
+      </p:par>
+    </p:tnLst>
+    <p:bldLst>
+      <p:bldP spid="8" grpId="0" animBg="1"/>
+      <p:bldP spid="9" grpId="0" animBg="1"/>
+      <p:bldP spid="12" grpId="0" animBg="1"/>
+      <p:bldP spid="13" grpId="0" animBg="1"/>
+    </p:bldLst>
+  </p:timing>
+</p:sld>
+</file>
+
+<file path=ppt/slides/slide14.xml><?xml version="1.0" encoding="utf-8"?>
+<p:sld xmlns:a="http://schemas.openxmlformats.org/drawingml/2006/main" xmlns:r="http://schemas.openxmlformats.org/officeDocument/2006/relationships" xmlns:p="http://schemas.openxmlformats.org/presentationml/2006/main">
+  <p:cSld>
+    <p:spTree>
+      <p:nvGrpSpPr>
+        <p:cNvPr id="1" name="">
+          <a:extLst>
+            <a:ext uri="{FF2B5EF4-FFF2-40B4-BE49-F238E27FC236}">
+              <a16:creationId xmlns:a16="http://schemas.microsoft.com/office/drawing/2014/main" id="{B9A0BCCC-B13F-6795-E071-A4E61E22E6C6}"/>
+            </a:ext>
+          </a:extLst>
+        </p:cNvPr>
+        <p:cNvGrpSpPr/>
+        <p:nvPr/>
+      </p:nvGrpSpPr>
+      <p:grpSpPr>
+        <a:xfrm>
+          <a:off x="0" y="0"/>
+          <a:ext cx="0" cy="0"/>
+          <a:chOff x="0" y="0"/>
+          <a:chExt cx="0" cy="0"/>
+        </a:xfrm>
+      </p:grpSpPr>
+      <p:pic>
+        <p:nvPicPr>
+          <p:cNvPr id="6" name="Image 5">
+            <a:extLst>
+              <a:ext uri="{FF2B5EF4-FFF2-40B4-BE49-F238E27FC236}">
+                <a16:creationId xmlns:a16="http://schemas.microsoft.com/office/drawing/2014/main" id="{DAF7D60E-BC5F-6F8C-DCCE-CA7BAEFA06B8}"/>
+              </a:ext>
+            </a:extLst>
+          </p:cNvPr>
+          <p:cNvPicPr>
+            <a:picLocks noChangeAspect="1"/>
+          </p:cNvPicPr>
+          <p:nvPr/>
+        </p:nvPicPr>
+        <p:blipFill>
+          <a:blip r:embed="rId2"/>
+          <a:stretch>
+            <a:fillRect/>
+          </a:stretch>
+        </p:blipFill>
+        <p:spPr>
+          <a:xfrm>
+            <a:off x="3252579" y="162958"/>
+            <a:ext cx="655419" cy="738859"/>
+          </a:xfrm>
+          <a:prstGeom prst="rect">
+            <a:avLst/>
+          </a:prstGeom>
+        </p:spPr>
+      </p:pic>
+      <p:pic>
+        <p:nvPicPr>
+          <p:cNvPr id="10" name="Graphique 9" descr="Nuage avec un remplissage uni">
+            <a:extLst>
+              <a:ext uri="{FF2B5EF4-FFF2-40B4-BE49-F238E27FC236}">
+                <a16:creationId xmlns:a16="http://schemas.microsoft.com/office/drawing/2014/main" id="{B2B1374F-CEDA-F144-E19F-D49F337FFEF0}"/>
+              </a:ext>
+            </a:extLst>
+          </p:cNvPr>
+          <p:cNvPicPr>
+            <a:picLocks noChangeAspect="1"/>
+          </p:cNvPicPr>
+          <p:nvPr/>
+        </p:nvPicPr>
+        <p:blipFill>
+          <a:blip r:embed="rId3">
+            <a:extLst>
+              <a:ext uri="{96DAC541-7B7A-43D3-8B79-37D633B846F1}">
+                <asvg:svgBlip xmlns:asvg="http://schemas.microsoft.com/office/drawing/2016/SVG/main" r:embed="rId4"/>
+              </a:ext>
+            </a:extLst>
+          </a:blip>
+          <a:stretch>
+            <a:fillRect/>
+          </a:stretch>
+        </p:blipFill>
+        <p:spPr>
+          <a:xfrm>
+            <a:off x="452789" y="4061310"/>
+            <a:ext cx="914400" cy="914400"/>
+          </a:xfrm>
+          <a:prstGeom prst="rect">
+            <a:avLst/>
+          </a:prstGeom>
+        </p:spPr>
+      </p:pic>
+      <p:pic>
+        <p:nvPicPr>
+          <p:cNvPr id="14" name="Graphique 13" descr="Base de données avec un remplissage uni">
+            <a:extLst>
+              <a:ext uri="{FF2B5EF4-FFF2-40B4-BE49-F238E27FC236}">
+                <a16:creationId xmlns:a16="http://schemas.microsoft.com/office/drawing/2014/main" id="{A11FB9BD-48AD-38EC-B4C6-7E2D961E574D}"/>
+              </a:ext>
+            </a:extLst>
+          </p:cNvPr>
+          <p:cNvPicPr>
+            <a:picLocks noChangeAspect="1"/>
+          </p:cNvPicPr>
+          <p:nvPr/>
+        </p:nvPicPr>
+        <p:blipFill>
+          <a:blip r:embed="rId5">
+            <a:extLst>
+              <a:ext uri="{96DAC541-7B7A-43D3-8B79-37D633B846F1}">
+                <asvg:svgBlip xmlns:asvg="http://schemas.microsoft.com/office/drawing/2016/SVG/main" r:embed="rId6"/>
+              </a:ext>
+            </a:extLst>
+          </a:blip>
+          <a:stretch>
+            <a:fillRect/>
+          </a:stretch>
+        </p:blipFill>
+        <p:spPr>
+          <a:xfrm>
+            <a:off x="9670574" y="5363776"/>
+            <a:ext cx="914400" cy="914400"/>
+          </a:xfrm>
+          <a:prstGeom prst="rect">
+            <a:avLst/>
+          </a:prstGeom>
+        </p:spPr>
+      </p:pic>
+      <p:pic>
+        <p:nvPicPr>
+          <p:cNvPr id="15" name="Image 14">
+            <a:extLst>
+              <a:ext uri="{FF2B5EF4-FFF2-40B4-BE49-F238E27FC236}">
+                <a16:creationId xmlns:a16="http://schemas.microsoft.com/office/drawing/2014/main" id="{559FD935-75F1-1FDF-1AA8-53CF392142EE}"/>
+              </a:ext>
+            </a:extLst>
+          </p:cNvPr>
+          <p:cNvPicPr>
+            <a:picLocks noChangeAspect="1"/>
+          </p:cNvPicPr>
+          <p:nvPr/>
+        </p:nvPicPr>
+        <p:blipFill>
+          <a:blip r:embed="rId2"/>
+          <a:stretch>
+            <a:fillRect/>
+          </a:stretch>
+        </p:blipFill>
+        <p:spPr>
+          <a:xfrm>
+            <a:off x="7047339" y="162958"/>
+            <a:ext cx="655419" cy="738859"/>
+          </a:xfrm>
+          <a:prstGeom prst="rect">
+            <a:avLst/>
+          </a:prstGeom>
+          <a:solidFill>
+            <a:srgbClr val="4B339D"/>
+          </a:solidFill>
+        </p:spPr>
+      </p:pic>
+      <p:sp>
+        <p:nvSpPr>
+          <p:cNvPr id="16" name="Rectangle 15">
+            <a:extLst>
+              <a:ext uri="{FF2B5EF4-FFF2-40B4-BE49-F238E27FC236}">
+                <a16:creationId xmlns:a16="http://schemas.microsoft.com/office/drawing/2014/main" id="{82536C8E-1226-EAE7-A34A-B62F3DD6B2F2}"/>
+              </a:ext>
+            </a:extLst>
+          </p:cNvPr>
+          <p:cNvSpPr/>
+          <p:nvPr/>
+        </p:nvSpPr>
+        <p:spPr>
+          <a:xfrm>
+            <a:off x="2564792" y="4050042"/>
+            <a:ext cx="914400" cy="914400"/>
+          </a:xfrm>
+          <a:prstGeom prst="rect">
+            <a:avLst/>
+          </a:prstGeom>
+          <a:solidFill>
+            <a:srgbClr val="FDC871"/>
+          </a:solidFill>
+          <a:ln w="28575">
+            <a:solidFill>
+              <a:srgbClr val="1C191A"/>
+            </a:solidFill>
+          </a:ln>
+        </p:spPr>
+        <p:style>
+          <a:lnRef idx="2">
+            <a:schemeClr val="accent1">
+              <a:shade val="15000"/>
+            </a:schemeClr>
+          </a:lnRef>
+          <a:fillRef idx="1">
+            <a:schemeClr val="accent1"/>
+          </a:fillRef>
+          <a:effectRef idx="0">
+            <a:schemeClr val="accent1"/>
+          </a:effectRef>
+          <a:fontRef idx="minor">
+            <a:schemeClr val="lt1"/>
+          </a:fontRef>
+        </p:style>
+        <p:txBody>
+          <a:bodyPr rtlCol="0" anchor="ctr"/>
+          <a:lstStyle/>
+          <a:p>
+            <a:pPr algn="ctr"/>
+            <a:r>
+              <a:rPr lang="fr-FR" sz="1100" dirty="0">
+                <a:solidFill>
+                  <a:schemeClr val="tx1"/>
+                </a:solidFill>
+                <a:latin typeface="Courier New" panose="02070309020205020404" pitchFamily="49" charset="0"/>
+                <a:cs typeface="Courier New" panose="02070309020205020404" pitchFamily="49" charset="0"/>
+              </a:rPr>
+              <a:t>Producer</a:t>
+            </a:r>
+          </a:p>
+        </p:txBody>
+      </p:sp>
+      <p:sp>
+        <p:nvSpPr>
+          <p:cNvPr id="18" name="Rectangle 17">
+            <a:extLst>
+              <a:ext uri="{FF2B5EF4-FFF2-40B4-BE49-F238E27FC236}">
+                <a16:creationId xmlns:a16="http://schemas.microsoft.com/office/drawing/2014/main" id="{80554770-3F54-1642-A6CA-254905D7E9FF}"/>
+              </a:ext>
+            </a:extLst>
+          </p:cNvPr>
+          <p:cNvSpPr/>
+          <p:nvPr/>
+        </p:nvSpPr>
+        <p:spPr>
+          <a:xfrm>
+            <a:off x="5225215" y="4050042"/>
+            <a:ext cx="914400" cy="914400"/>
+          </a:xfrm>
+          <a:prstGeom prst="rect">
+            <a:avLst/>
+          </a:prstGeom>
+          <a:solidFill>
+            <a:srgbClr val="FDC871"/>
+          </a:solidFill>
+          <a:ln w="28575"/>
+        </p:spPr>
+        <p:style>
+          <a:lnRef idx="2">
+            <a:schemeClr val="accent1">
+              <a:shade val="15000"/>
+            </a:schemeClr>
+          </a:lnRef>
+          <a:fillRef idx="1">
+            <a:schemeClr val="accent1"/>
+          </a:fillRef>
+          <a:effectRef idx="0">
+            <a:schemeClr val="accent1"/>
+          </a:effectRef>
+          <a:fontRef idx="minor">
+            <a:schemeClr val="lt1"/>
+          </a:fontRef>
+        </p:style>
+        <p:txBody>
+          <a:bodyPr rtlCol="0" anchor="ctr"/>
+          <a:lstStyle/>
+          <a:p>
+            <a:pPr algn="ctr"/>
+            <a:r>
+              <a:rPr lang="fr-FR" sz="1100" dirty="0">
+                <a:solidFill>
+                  <a:schemeClr val="tx1"/>
+                </a:solidFill>
+                <a:latin typeface="Courier New" panose="02070309020205020404" pitchFamily="49" charset="0"/>
+                <a:cs typeface="Courier New" panose="02070309020205020404" pitchFamily="49" charset="0"/>
+              </a:rPr>
+              <a:t>Consumer</a:t>
+            </a:r>
+          </a:p>
+        </p:txBody>
+      </p:sp>
+      <p:sp>
+        <p:nvSpPr>
+          <p:cNvPr id="19" name="Rectangle 18">
+            <a:extLst>
+              <a:ext uri="{FF2B5EF4-FFF2-40B4-BE49-F238E27FC236}">
+                <a16:creationId xmlns:a16="http://schemas.microsoft.com/office/drawing/2014/main" id="{F27EB3FA-947D-7885-281E-6594D6260716}"/>
+              </a:ext>
+            </a:extLst>
+          </p:cNvPr>
+          <p:cNvSpPr/>
+          <p:nvPr/>
+        </p:nvSpPr>
+        <p:spPr>
+          <a:xfrm>
+            <a:off x="8058713" y="4050042"/>
+            <a:ext cx="914400" cy="914400"/>
+          </a:xfrm>
+          <a:prstGeom prst="rect">
+            <a:avLst/>
+          </a:prstGeom>
+          <a:solidFill>
+            <a:srgbClr val="FDC871"/>
+          </a:solidFill>
+          <a:ln w="28575"/>
+        </p:spPr>
+        <p:style>
+          <a:lnRef idx="2">
+            <a:schemeClr val="accent1">
+              <a:shade val="15000"/>
+            </a:schemeClr>
+          </a:lnRef>
+          <a:fillRef idx="1">
+            <a:schemeClr val="accent1"/>
+          </a:fillRef>
+          <a:effectRef idx="0">
+            <a:schemeClr val="accent1"/>
+          </a:effectRef>
+          <a:fontRef idx="minor">
+            <a:schemeClr val="lt1"/>
+          </a:fontRef>
+        </p:style>
+        <p:txBody>
+          <a:bodyPr rtlCol="0" anchor="ctr"/>
+          <a:lstStyle/>
+          <a:p>
+            <a:pPr algn="ctr"/>
+            <a:r>
+              <a:rPr lang="fr-FR" sz="1100" dirty="0">
+                <a:solidFill>
+                  <a:schemeClr val="tx1"/>
+                </a:solidFill>
+                <a:latin typeface="Courier New" panose="02070309020205020404" pitchFamily="49" charset="0"/>
+                <a:cs typeface="Courier New" panose="02070309020205020404" pitchFamily="49" charset="0"/>
+              </a:rPr>
+              <a:t>Logger</a:t>
+            </a:r>
+            <a:br>
+              <a:rPr lang="fr-FR" sz="1100" dirty="0">
+                <a:solidFill>
+                  <a:schemeClr val="tx1"/>
+                </a:solidFill>
+                <a:latin typeface="Courier New" panose="02070309020205020404" pitchFamily="49" charset="0"/>
+                <a:cs typeface="Courier New" panose="02070309020205020404" pitchFamily="49" charset="0"/>
+              </a:rPr>
+            </a:br>
+            <a:r>
+              <a:rPr lang="fr-FR" sz="1100" dirty="0">
+                <a:solidFill>
+                  <a:schemeClr val="tx1"/>
+                </a:solidFill>
+                <a:latin typeface="Courier New" panose="02070309020205020404" pitchFamily="49" charset="0"/>
+                <a:cs typeface="Courier New" panose="02070309020205020404" pitchFamily="49" charset="0"/>
+              </a:rPr>
+              <a:t>SQL</a:t>
+            </a:r>
+          </a:p>
+        </p:txBody>
+      </p:sp>
+      <p:pic>
+        <p:nvPicPr>
+          <p:cNvPr id="21" name="Graphique 20" descr="Base de données avec un remplissage uni">
+            <a:extLst>
+              <a:ext uri="{FF2B5EF4-FFF2-40B4-BE49-F238E27FC236}">
+                <a16:creationId xmlns:a16="http://schemas.microsoft.com/office/drawing/2014/main" id="{51F0938F-DA98-D9B7-1A5F-703394C7AB7D}"/>
+              </a:ext>
+            </a:extLst>
+          </p:cNvPr>
+          <p:cNvPicPr>
+            <a:picLocks noChangeAspect="1"/>
+          </p:cNvPicPr>
+          <p:nvPr/>
+        </p:nvPicPr>
+        <p:blipFill>
+          <a:blip r:embed="rId5">
+            <a:extLst>
+              <a:ext uri="{96DAC541-7B7A-43D3-8B79-37D633B846F1}">
+                <asvg:svgBlip xmlns:asvg="http://schemas.microsoft.com/office/drawing/2016/SVG/main" r:embed="rId6"/>
+              </a:ext>
+            </a:extLst>
+          </a:blip>
+          <a:stretch>
+            <a:fillRect/>
+          </a:stretch>
+        </p:blipFill>
+        <p:spPr>
+          <a:xfrm>
+            <a:off x="6014562" y="1027612"/>
+            <a:ext cx="914400" cy="914400"/>
+          </a:xfrm>
+          <a:prstGeom prst="rect">
+            <a:avLst/>
+          </a:prstGeom>
+        </p:spPr>
+      </p:pic>
+      <p:sp>
+        <p:nvSpPr>
+          <p:cNvPr id="22" name="Rectangle 21">
+            <a:extLst>
+              <a:ext uri="{FF2B5EF4-FFF2-40B4-BE49-F238E27FC236}">
+                <a16:creationId xmlns:a16="http://schemas.microsoft.com/office/drawing/2014/main" id="{CC10DDD1-2FFA-E30B-6D45-89C21458A0D3}"/>
+              </a:ext>
+            </a:extLst>
+          </p:cNvPr>
+          <p:cNvSpPr/>
+          <p:nvPr/>
+        </p:nvSpPr>
+        <p:spPr>
+          <a:xfrm>
+            <a:off x="9722055" y="2608413"/>
+            <a:ext cx="914400" cy="914400"/>
+          </a:xfrm>
+          <a:prstGeom prst="rect">
+            <a:avLst/>
+          </a:prstGeom>
+          <a:solidFill>
+            <a:srgbClr val="FDC871"/>
+          </a:solidFill>
+          <a:ln w="28575"/>
+        </p:spPr>
+        <p:style>
+          <a:lnRef idx="2">
+            <a:schemeClr val="accent1">
+              <a:shade val="15000"/>
+            </a:schemeClr>
+          </a:lnRef>
+          <a:fillRef idx="1">
+            <a:schemeClr val="accent1"/>
+          </a:fillRef>
+          <a:effectRef idx="0">
+            <a:schemeClr val="accent1"/>
+          </a:effectRef>
+          <a:fontRef idx="minor">
+            <a:schemeClr val="lt1"/>
+          </a:fontRef>
+        </p:style>
+        <p:txBody>
+          <a:bodyPr rtlCol="0" anchor="ctr"/>
+          <a:lstStyle/>
+          <a:p>
+            <a:pPr algn="ctr"/>
+            <a:r>
+              <a:rPr lang="fr-FR" sz="1050" dirty="0" err="1">
+                <a:solidFill>
+                  <a:schemeClr val="tx1"/>
+                </a:solidFill>
+                <a:latin typeface="Courier New" panose="02070309020205020404" pitchFamily="49" charset="0"/>
+                <a:cs typeface="Courier New" panose="02070309020205020404" pitchFamily="49" charset="0"/>
+              </a:rPr>
+              <a:t>Extractor</a:t>
+            </a:r>
+            <a:br>
+              <a:rPr lang="fr-FR" sz="1100" dirty="0">
+                <a:solidFill>
+                  <a:schemeClr val="tx1"/>
+                </a:solidFill>
+                <a:latin typeface="Courier New" panose="02070309020205020404" pitchFamily="49" charset="0"/>
+                <a:cs typeface="Courier New" panose="02070309020205020404" pitchFamily="49" charset="0"/>
+              </a:rPr>
+            </a:br>
+            <a:r>
+              <a:rPr lang="fr-FR" sz="1100" dirty="0">
+                <a:solidFill>
+                  <a:schemeClr val="tx1"/>
+                </a:solidFill>
+                <a:latin typeface="Courier New" panose="02070309020205020404" pitchFamily="49" charset="0"/>
+                <a:cs typeface="Courier New" panose="02070309020205020404" pitchFamily="49" charset="0"/>
+              </a:rPr>
+              <a:t>SQL</a:t>
+            </a:r>
+          </a:p>
+        </p:txBody>
+      </p:sp>
+      <p:sp>
+        <p:nvSpPr>
+          <p:cNvPr id="23" name="Rectangle 22">
+            <a:extLst>
+              <a:ext uri="{FF2B5EF4-FFF2-40B4-BE49-F238E27FC236}">
+                <a16:creationId xmlns:a16="http://schemas.microsoft.com/office/drawing/2014/main" id="{C6534314-73E0-4517-7046-313037650BE9}"/>
+              </a:ext>
+            </a:extLst>
+          </p:cNvPr>
+          <p:cNvSpPr/>
+          <p:nvPr/>
+        </p:nvSpPr>
+        <p:spPr>
+          <a:xfrm>
+            <a:off x="10935113" y="5881440"/>
+            <a:ext cx="914400" cy="914400"/>
+          </a:xfrm>
+          <a:prstGeom prst="rect">
+            <a:avLst/>
+          </a:prstGeom>
+          <a:solidFill>
+            <a:srgbClr val="67DDB7"/>
+          </a:solidFill>
+          <a:ln w="28575">
+            <a:noFill/>
+          </a:ln>
+        </p:spPr>
+        <p:style>
+          <a:lnRef idx="2">
+            <a:schemeClr val="accent1">
+              <a:shade val="15000"/>
+            </a:schemeClr>
+          </a:lnRef>
+          <a:fillRef idx="1">
+            <a:schemeClr val="accent1"/>
+          </a:fillRef>
+          <a:effectRef idx="0">
+            <a:schemeClr val="accent1"/>
+          </a:effectRef>
+          <a:fontRef idx="minor">
+            <a:schemeClr val="lt1"/>
+          </a:fontRef>
+        </p:style>
+        <p:txBody>
+          <a:bodyPr rtlCol="0" anchor="ctr"/>
+          <a:lstStyle/>
+          <a:p>
+            <a:pPr algn="ctr"/>
+            <a:r>
+              <a:rPr lang="fr-FR" sz="1100" dirty="0">
+                <a:solidFill>
+                  <a:schemeClr val="tx1"/>
+                </a:solidFill>
+                <a:latin typeface="Courier New" panose="02070309020205020404" pitchFamily="49" charset="0"/>
+                <a:cs typeface="Courier New" panose="02070309020205020404" pitchFamily="49" charset="0"/>
+              </a:rPr>
+              <a:t>End</a:t>
+            </a:r>
+            <a:br>
+              <a:rPr lang="fr-FR" sz="1100" dirty="0">
+                <a:solidFill>
+                  <a:schemeClr val="tx1"/>
+                </a:solidFill>
+                <a:latin typeface="Courier New" panose="02070309020205020404" pitchFamily="49" charset="0"/>
+                <a:cs typeface="Courier New" panose="02070309020205020404" pitchFamily="49" charset="0"/>
+              </a:rPr>
+            </a:br>
+            <a:r>
+              <a:rPr lang="fr-FR" sz="1100" dirty="0">
+                <a:solidFill>
+                  <a:schemeClr val="tx1"/>
+                </a:solidFill>
+                <a:latin typeface="Courier New" panose="02070309020205020404" pitchFamily="49" charset="0"/>
+                <a:cs typeface="Courier New" panose="02070309020205020404" pitchFamily="49" charset="0"/>
+              </a:rPr>
+              <a:t>User</a:t>
+            </a:r>
+          </a:p>
+        </p:txBody>
+      </p:sp>
+      <p:cxnSp>
+        <p:nvCxnSpPr>
+          <p:cNvPr id="25" name="Connecteur droit avec flèche 24">
+            <a:extLst>
+              <a:ext uri="{FF2B5EF4-FFF2-40B4-BE49-F238E27FC236}">
+                <a16:creationId xmlns:a16="http://schemas.microsoft.com/office/drawing/2014/main" id="{A2C4AA42-6852-0751-A6DD-C5390BBB07FC}"/>
+              </a:ext>
+            </a:extLst>
+          </p:cNvPr>
+          <p:cNvCxnSpPr>
+            <a:cxnSpLocks/>
+          </p:cNvCxnSpPr>
+          <p:nvPr/>
+        </p:nvCxnSpPr>
+        <p:spPr>
+          <a:xfrm>
+            <a:off x="1504709" y="4514862"/>
+            <a:ext cx="971791" cy="0"/>
+          </a:xfrm>
+          <a:prstGeom prst="straightConnector1">
+            <a:avLst/>
+          </a:prstGeom>
+          <a:ln w="57150">
+            <a:solidFill>
+              <a:srgbClr val="1E3851"/>
+            </a:solidFill>
+            <a:tailEnd type="triangle"/>
+          </a:ln>
+        </p:spPr>
+        <p:style>
+          <a:lnRef idx="1">
+            <a:schemeClr val="accent1"/>
+          </a:lnRef>
+          <a:fillRef idx="0">
+            <a:schemeClr val="accent1"/>
+          </a:fillRef>
+          <a:effectRef idx="0">
+            <a:schemeClr val="accent1"/>
+          </a:effectRef>
+          <a:fontRef idx="minor">
+            <a:schemeClr val="tx1"/>
+          </a:fontRef>
+        </p:style>
+      </p:cxnSp>
+      <p:cxnSp>
+        <p:nvCxnSpPr>
+          <p:cNvPr id="28" name="Connecteur : en angle 27">
+            <a:extLst>
+              <a:ext uri="{FF2B5EF4-FFF2-40B4-BE49-F238E27FC236}">
+                <a16:creationId xmlns:a16="http://schemas.microsoft.com/office/drawing/2014/main" id="{249BC56C-D85D-92CB-439C-7F9DD35BA77E}"/>
+              </a:ext>
+            </a:extLst>
+          </p:cNvPr>
+          <p:cNvCxnSpPr>
+            <a:cxnSpLocks/>
+          </p:cNvCxnSpPr>
+          <p:nvPr/>
+        </p:nvCxnSpPr>
+        <p:spPr>
+          <a:xfrm rot="16200000" flipH="1">
+            <a:off x="3445978" y="4664220"/>
+            <a:ext cx="821802" cy="439838"/>
+          </a:xfrm>
+          <a:prstGeom prst="bentConnector3">
+            <a:avLst>
+              <a:gd name="adj1" fmla="val 3295"/>
+            </a:avLst>
+          </a:prstGeom>
+          <a:ln w="57150">
+            <a:solidFill>
+              <a:srgbClr val="1E3851"/>
+            </a:solidFill>
+            <a:tailEnd type="triangle"/>
+          </a:ln>
+        </p:spPr>
+        <p:style>
+          <a:lnRef idx="1">
+            <a:schemeClr val="accent1"/>
+          </a:lnRef>
+          <a:fillRef idx="0">
+            <a:schemeClr val="accent1"/>
+          </a:fillRef>
+          <a:effectRef idx="0">
+            <a:schemeClr val="accent1"/>
+          </a:effectRef>
+          <a:fontRef idx="minor">
+            <a:schemeClr val="tx1"/>
+          </a:fontRef>
+        </p:style>
+      </p:cxnSp>
+      <p:cxnSp>
+        <p:nvCxnSpPr>
+          <p:cNvPr id="36" name="Connecteur : en angle 35">
+            <a:extLst>
+              <a:ext uri="{FF2B5EF4-FFF2-40B4-BE49-F238E27FC236}">
+                <a16:creationId xmlns:a16="http://schemas.microsoft.com/office/drawing/2014/main" id="{C4724B7F-784F-B8F1-DD7D-3024F977BB2C}"/>
+              </a:ext>
+            </a:extLst>
+          </p:cNvPr>
+          <p:cNvCxnSpPr>
+            <a:cxnSpLocks/>
+          </p:cNvCxnSpPr>
+          <p:nvPr/>
+        </p:nvCxnSpPr>
+        <p:spPr>
+          <a:xfrm rot="16200000" flipH="1">
+            <a:off x="6291455" y="4664221"/>
+            <a:ext cx="821802" cy="439838"/>
+          </a:xfrm>
+          <a:prstGeom prst="bentConnector3">
+            <a:avLst>
+              <a:gd name="adj1" fmla="val 3295"/>
+            </a:avLst>
+          </a:prstGeom>
+          <a:ln w="57150">
+            <a:solidFill>
+              <a:schemeClr val="tx1"/>
+            </a:solidFill>
+            <a:tailEnd type="triangle"/>
+          </a:ln>
+        </p:spPr>
+        <p:style>
+          <a:lnRef idx="1">
+            <a:schemeClr val="accent1"/>
+          </a:lnRef>
+          <a:fillRef idx="0">
+            <a:schemeClr val="accent1"/>
+          </a:fillRef>
+          <a:effectRef idx="0">
+            <a:schemeClr val="accent1"/>
+          </a:effectRef>
+          <a:fontRef idx="minor">
+            <a:schemeClr val="tx1"/>
+          </a:fontRef>
+        </p:style>
+      </p:cxnSp>
+      <p:cxnSp>
+        <p:nvCxnSpPr>
+          <p:cNvPr id="37" name="Connecteur : en angle 36">
+            <a:extLst>
+              <a:ext uri="{FF2B5EF4-FFF2-40B4-BE49-F238E27FC236}">
+                <a16:creationId xmlns:a16="http://schemas.microsoft.com/office/drawing/2014/main" id="{4703D326-4EC5-B845-D06D-00A88C93C2BA}"/>
+              </a:ext>
+            </a:extLst>
+          </p:cNvPr>
+          <p:cNvCxnSpPr>
+            <a:cxnSpLocks/>
+          </p:cNvCxnSpPr>
+          <p:nvPr/>
+        </p:nvCxnSpPr>
+        <p:spPr>
+          <a:xfrm>
+            <a:off x="9091346" y="4502220"/>
+            <a:ext cx="911548" cy="799032"/>
+          </a:xfrm>
+          <a:prstGeom prst="bentConnector3">
+            <a:avLst>
+              <a:gd name="adj1" fmla="val 100156"/>
+            </a:avLst>
+          </a:prstGeom>
+          <a:ln w="57150">
+            <a:solidFill>
+              <a:schemeClr val="tx1"/>
+            </a:solidFill>
+            <a:tailEnd type="triangle"/>
+          </a:ln>
+        </p:spPr>
+        <p:style>
+          <a:lnRef idx="1">
+            <a:schemeClr val="accent1"/>
+          </a:lnRef>
+          <a:fillRef idx="0">
+            <a:schemeClr val="accent1"/>
+          </a:fillRef>
+          <a:effectRef idx="0">
+            <a:schemeClr val="accent1"/>
+          </a:effectRef>
+          <a:fontRef idx="minor">
+            <a:schemeClr val="tx1"/>
+          </a:fontRef>
+        </p:style>
+      </p:cxnSp>
+      <p:cxnSp>
+        <p:nvCxnSpPr>
+          <p:cNvPr id="65" name="Connecteur : en angle 64">
+            <a:extLst>
+              <a:ext uri="{FF2B5EF4-FFF2-40B4-BE49-F238E27FC236}">
+                <a16:creationId xmlns:a16="http://schemas.microsoft.com/office/drawing/2014/main" id="{6C18C5E2-27C0-A255-30EF-E1AE125FC409}"/>
+              </a:ext>
+            </a:extLst>
+          </p:cNvPr>
+          <p:cNvCxnSpPr>
+            <a:cxnSpLocks/>
+          </p:cNvCxnSpPr>
+          <p:nvPr/>
+        </p:nvCxnSpPr>
+        <p:spPr>
+          <a:xfrm rot="5400000">
+            <a:off x="4368797" y="4646220"/>
+            <a:ext cx="792000" cy="504000"/>
+          </a:xfrm>
+          <a:prstGeom prst="bentConnector3">
+            <a:avLst>
+              <a:gd name="adj1" fmla="val -293"/>
+            </a:avLst>
+          </a:prstGeom>
+          <a:ln w="57150">
+            <a:solidFill>
+              <a:schemeClr val="tx1"/>
+            </a:solidFill>
+            <a:headEnd type="triangle"/>
+            <a:tailEnd type="none"/>
+          </a:ln>
+        </p:spPr>
+        <p:style>
+          <a:lnRef idx="1">
+            <a:schemeClr val="accent1"/>
+          </a:lnRef>
+          <a:fillRef idx="0">
+            <a:schemeClr val="accent1"/>
+          </a:fillRef>
+          <a:effectRef idx="0">
+            <a:schemeClr val="accent1"/>
+          </a:effectRef>
+          <a:fontRef idx="minor">
+            <a:schemeClr val="tx1"/>
+          </a:fontRef>
+        </p:style>
+      </p:cxnSp>
+      <p:cxnSp>
+        <p:nvCxnSpPr>
+          <p:cNvPr id="70" name="Connecteur : en angle 69">
+            <a:extLst>
+              <a:ext uri="{FF2B5EF4-FFF2-40B4-BE49-F238E27FC236}">
+                <a16:creationId xmlns:a16="http://schemas.microsoft.com/office/drawing/2014/main" id="{3D881073-FBAA-BC77-9B84-521C51C630E2}"/>
+              </a:ext>
+            </a:extLst>
+          </p:cNvPr>
+          <p:cNvCxnSpPr>
+            <a:cxnSpLocks/>
+          </p:cNvCxnSpPr>
+          <p:nvPr/>
+        </p:nvCxnSpPr>
+        <p:spPr>
+          <a:xfrm rot="5400000">
+            <a:off x="7177445" y="4641034"/>
+            <a:ext cx="792000" cy="504000"/>
+          </a:xfrm>
+          <a:prstGeom prst="bentConnector3">
+            <a:avLst>
+              <a:gd name="adj1" fmla="val -293"/>
+            </a:avLst>
+          </a:prstGeom>
+          <a:ln w="57150">
+            <a:solidFill>
+              <a:schemeClr val="tx1"/>
+            </a:solidFill>
+            <a:headEnd type="triangle"/>
+            <a:tailEnd type="none"/>
+          </a:ln>
+        </p:spPr>
+        <p:style>
+          <a:lnRef idx="1">
+            <a:schemeClr val="accent1"/>
+          </a:lnRef>
+          <a:fillRef idx="0">
+            <a:schemeClr val="accent1"/>
+          </a:fillRef>
+          <a:effectRef idx="0">
+            <a:schemeClr val="accent1"/>
+          </a:effectRef>
+          <a:fontRef idx="minor">
+            <a:schemeClr val="tx1"/>
+          </a:fontRef>
+        </p:style>
+      </p:cxnSp>
+      <p:cxnSp>
+        <p:nvCxnSpPr>
+          <p:cNvPr id="72" name="Connecteur : en angle 71">
+            <a:extLst>
+              <a:ext uri="{FF2B5EF4-FFF2-40B4-BE49-F238E27FC236}">
+                <a16:creationId xmlns:a16="http://schemas.microsoft.com/office/drawing/2014/main" id="{3BA2945F-EC4B-208D-39EC-6DB06CFC2CCF}"/>
+              </a:ext>
+            </a:extLst>
+          </p:cNvPr>
+          <p:cNvCxnSpPr>
+            <a:cxnSpLocks/>
+          </p:cNvCxnSpPr>
+          <p:nvPr/>
+        </p:nvCxnSpPr>
+        <p:spPr>
+          <a:xfrm>
+            <a:off x="10143585" y="6275506"/>
+            <a:ext cx="664845" cy="404414"/>
+          </a:xfrm>
+          <a:prstGeom prst="bentConnector3">
+            <a:avLst>
+              <a:gd name="adj1" fmla="val 4441"/>
+            </a:avLst>
+          </a:prstGeom>
+          <a:ln w="57150">
+            <a:solidFill>
+              <a:schemeClr val="tx1"/>
+            </a:solidFill>
+            <a:tailEnd type="triangle"/>
+          </a:ln>
+        </p:spPr>
+        <p:style>
+          <a:lnRef idx="1">
+            <a:schemeClr val="accent1"/>
+          </a:lnRef>
+          <a:fillRef idx="0">
+            <a:schemeClr val="accent1"/>
+          </a:fillRef>
+          <a:effectRef idx="0">
+            <a:schemeClr val="accent1"/>
+          </a:effectRef>
+          <a:fontRef idx="minor">
+            <a:schemeClr val="tx1"/>
+          </a:fontRef>
+        </p:style>
+      </p:cxnSp>
+      <p:cxnSp>
+        <p:nvCxnSpPr>
+          <p:cNvPr id="77" name="Connecteur droit avec flèche 76">
+            <a:extLst>
+              <a:ext uri="{FF2B5EF4-FFF2-40B4-BE49-F238E27FC236}">
+                <a16:creationId xmlns:a16="http://schemas.microsoft.com/office/drawing/2014/main" id="{18B347A1-B5E9-2859-E3ED-9406CA6102C7}"/>
+              </a:ext>
+            </a:extLst>
+          </p:cNvPr>
+          <p:cNvCxnSpPr>
+            <a:cxnSpLocks/>
+          </p:cNvCxnSpPr>
+          <p:nvPr/>
+        </p:nvCxnSpPr>
+        <p:spPr>
+          <a:xfrm flipV="1">
+            <a:off x="10173793" y="3623453"/>
+            <a:ext cx="0" cy="1677799"/>
+          </a:xfrm>
+          <a:prstGeom prst="straightConnector1">
+            <a:avLst/>
+          </a:prstGeom>
+          <a:ln w="57150">
+            <a:solidFill>
+              <a:schemeClr val="tx1"/>
+            </a:solidFill>
+            <a:tailEnd type="triangle"/>
+          </a:ln>
+        </p:spPr>
+        <p:style>
+          <a:lnRef idx="1">
+            <a:schemeClr val="accent1"/>
+          </a:lnRef>
+          <a:fillRef idx="0">
+            <a:schemeClr val="accent1"/>
+          </a:fillRef>
+          <a:effectRef idx="0">
+            <a:schemeClr val="accent1"/>
+          </a:effectRef>
+          <a:fontRef idx="minor">
+            <a:schemeClr val="tx1"/>
+          </a:fontRef>
+        </p:style>
+      </p:cxnSp>
+      <p:cxnSp>
+        <p:nvCxnSpPr>
+          <p:cNvPr id="79" name="Connecteur droit avec flèche 78">
+            <a:extLst>
+              <a:ext uri="{FF2B5EF4-FFF2-40B4-BE49-F238E27FC236}">
+                <a16:creationId xmlns:a16="http://schemas.microsoft.com/office/drawing/2014/main" id="{B0F31F22-44AA-C1AD-8135-2B35A958F5C1}"/>
+              </a:ext>
+            </a:extLst>
+          </p:cNvPr>
+          <p:cNvCxnSpPr>
+            <a:cxnSpLocks/>
+          </p:cNvCxnSpPr>
+          <p:nvPr/>
+        </p:nvCxnSpPr>
+        <p:spPr>
+          <a:xfrm flipH="1">
+            <a:off x="6186426" y="532387"/>
+            <a:ext cx="718104" cy="0"/>
+          </a:xfrm>
+          <a:prstGeom prst="straightConnector1">
+            <a:avLst/>
+          </a:prstGeom>
+          <a:ln w="57150">
+            <a:solidFill>
+              <a:schemeClr val="tx1"/>
+            </a:solidFill>
+            <a:tailEnd type="triangle"/>
+          </a:ln>
+        </p:spPr>
+        <p:style>
+          <a:lnRef idx="1">
+            <a:schemeClr val="accent1"/>
+          </a:lnRef>
+          <a:fillRef idx="0">
+            <a:schemeClr val="accent1"/>
+          </a:fillRef>
+          <a:effectRef idx="0">
+            <a:schemeClr val="accent1"/>
+          </a:effectRef>
+          <a:fontRef idx="minor">
+            <a:schemeClr val="tx1"/>
+          </a:fontRef>
+        </p:style>
+      </p:cxnSp>
+      <p:cxnSp>
+        <p:nvCxnSpPr>
+          <p:cNvPr id="82" name="Connecteur droit avec flèche 81">
+            <a:extLst>
+              <a:ext uri="{FF2B5EF4-FFF2-40B4-BE49-F238E27FC236}">
+                <a16:creationId xmlns:a16="http://schemas.microsoft.com/office/drawing/2014/main" id="{AA31E9F4-7ED9-5776-E6A6-167D3B3C4687}"/>
+              </a:ext>
+            </a:extLst>
+          </p:cNvPr>
+          <p:cNvCxnSpPr>
+            <a:cxnSpLocks/>
+          </p:cNvCxnSpPr>
+          <p:nvPr/>
+        </p:nvCxnSpPr>
+        <p:spPr>
+          <a:xfrm>
+            <a:off x="4016172" y="532387"/>
+            <a:ext cx="1058044" cy="0"/>
+          </a:xfrm>
+          <a:prstGeom prst="straightConnector1">
+            <a:avLst/>
+          </a:prstGeom>
+          <a:ln w="57150">
+            <a:solidFill>
+              <a:schemeClr val="tx1"/>
+            </a:solidFill>
+            <a:tailEnd type="triangle"/>
+          </a:ln>
+        </p:spPr>
+        <p:style>
+          <a:lnRef idx="1">
+            <a:schemeClr val="accent1"/>
+          </a:lnRef>
+          <a:fillRef idx="0">
+            <a:schemeClr val="accent1"/>
+          </a:fillRef>
+          <a:effectRef idx="0">
+            <a:schemeClr val="accent1"/>
+          </a:effectRef>
+          <a:fontRef idx="minor">
+            <a:schemeClr val="tx1"/>
+          </a:fontRef>
+        </p:style>
+      </p:cxnSp>
+      <p:cxnSp>
+        <p:nvCxnSpPr>
+          <p:cNvPr id="86" name="Connecteur droit avec flèche 85">
+            <a:extLst>
+              <a:ext uri="{FF2B5EF4-FFF2-40B4-BE49-F238E27FC236}">
+                <a16:creationId xmlns:a16="http://schemas.microsoft.com/office/drawing/2014/main" id="{467AF7F4-EAF2-B8A8-54B6-0AFC80C61A4D}"/>
+              </a:ext>
+            </a:extLst>
+          </p:cNvPr>
+          <p:cNvCxnSpPr>
+            <a:cxnSpLocks/>
+          </p:cNvCxnSpPr>
+          <p:nvPr/>
+        </p:nvCxnSpPr>
+        <p:spPr>
+          <a:xfrm>
+            <a:off x="5654103" y="2059015"/>
+            <a:ext cx="0" cy="464771"/>
+          </a:xfrm>
+          <a:prstGeom prst="straightConnector1">
+            <a:avLst/>
+          </a:prstGeom>
+          <a:ln w="57150">
+            <a:solidFill>
+              <a:schemeClr val="tx1"/>
+            </a:solidFill>
+            <a:tailEnd type="triangle"/>
+          </a:ln>
+        </p:spPr>
+        <p:style>
+          <a:lnRef idx="1">
+            <a:schemeClr val="accent1"/>
+          </a:lnRef>
+          <a:fillRef idx="0">
+            <a:schemeClr val="accent1"/>
+          </a:fillRef>
+          <a:effectRef idx="0">
+            <a:schemeClr val="accent1"/>
+          </a:effectRef>
+          <a:fontRef idx="minor">
+            <a:schemeClr val="tx1"/>
+          </a:fontRef>
+        </p:style>
+      </p:cxnSp>
+      <p:sp>
+        <p:nvSpPr>
+          <p:cNvPr id="88" name="ZoneTexte 87">
+            <a:extLst>
+              <a:ext uri="{FF2B5EF4-FFF2-40B4-BE49-F238E27FC236}">
+                <a16:creationId xmlns:a16="http://schemas.microsoft.com/office/drawing/2014/main" id="{3BB41C94-B5E7-AE82-70FD-933B65B5BDDB}"/>
+              </a:ext>
+            </a:extLst>
+          </p:cNvPr>
+          <p:cNvSpPr txBox="1"/>
+          <p:nvPr/>
+        </p:nvSpPr>
+        <p:spPr>
+          <a:xfrm>
+            <a:off x="399600" y="4700683"/>
+            <a:ext cx="1107996" cy="246221"/>
+          </a:xfrm>
+          <a:prstGeom prst="rect">
+            <a:avLst/>
+          </a:prstGeom>
+          <a:noFill/>
+        </p:spPr>
+        <p:txBody>
+          <a:bodyPr wrap="none" rtlCol="0">
+            <a:spAutoFit/>
+          </a:bodyPr>
+          <a:lstStyle/>
+          <a:p>
+            <a:r>
+              <a:rPr lang="fr-FR" sz="1000" dirty="0">
+                <a:latin typeface="Courier New" panose="02070309020205020404" pitchFamily="49" charset="0"/>
+                <a:cs typeface="Courier New" panose="02070309020205020404" pitchFamily="49" charset="0"/>
+              </a:rPr>
+              <a:t>Transactions</a:t>
+            </a:r>
+          </a:p>
+        </p:txBody>
+      </p:sp>
+      <p:sp>
+        <p:nvSpPr>
           <p:cNvPr id="89" name="ZoneTexte 88">
             <a:extLst>
               <a:ext uri="{FF2B5EF4-FFF2-40B4-BE49-F238E27FC236}">
-                <a16:creationId xmlns:a16="http://schemas.microsoft.com/office/drawing/2014/main" id="{7E33A8BC-CCC8-DB07-965A-DD0030AACD42}"/>
+                <a16:creationId xmlns:a16="http://schemas.microsoft.com/office/drawing/2014/main" id="{D1A9743F-712C-B7CE-8726-2A444E7E5589}"/>
               </a:ext>
             </a:extLst>
           </p:cNvPr>
@@ -23856,7 +26508,7 @@
           <p:cNvPr id="91" name="ZoneTexte 90">
             <a:extLst>
               <a:ext uri="{FF2B5EF4-FFF2-40B4-BE49-F238E27FC236}">
-                <a16:creationId xmlns:a16="http://schemas.microsoft.com/office/drawing/2014/main" id="{91B805C9-7682-F560-1FDE-B774E2A8C2D4}"/>
+                <a16:creationId xmlns:a16="http://schemas.microsoft.com/office/drawing/2014/main" id="{D0AA2816-B079-D46F-354B-C2CD7961D5B8}"/>
               </a:ext>
             </a:extLst>
           </p:cNvPr>
@@ -23905,7 +26557,7 @@
           <p:cNvPr id="92" name="ZoneTexte 91">
             <a:extLst>
               <a:ext uri="{FF2B5EF4-FFF2-40B4-BE49-F238E27FC236}">
-                <a16:creationId xmlns:a16="http://schemas.microsoft.com/office/drawing/2014/main" id="{DB5B0FF4-6272-D754-385A-BEC8621F108B}"/>
+                <a16:creationId xmlns:a16="http://schemas.microsoft.com/office/drawing/2014/main" id="{3E88068F-2335-3B39-4F22-DCF5C269A280}"/>
               </a:ext>
             </a:extLst>
           </p:cNvPr>
@@ -23947,7 +26599,7 @@
           <p:cNvPr id="94" name="Connecteur droit avec flèche 93">
             <a:extLst>
               <a:ext uri="{FF2B5EF4-FFF2-40B4-BE49-F238E27FC236}">
-                <a16:creationId xmlns:a16="http://schemas.microsoft.com/office/drawing/2014/main" id="{C9AB3314-9B38-3455-0238-4388E4846B49}"/>
+                <a16:creationId xmlns:a16="http://schemas.microsoft.com/office/drawing/2014/main" id="{5A8A6AB8-F1D6-222B-3FC6-415609ABDEE4}"/>
               </a:ext>
             </a:extLst>
           </p:cNvPr>
@@ -23991,7 +26643,7 @@
           <p:cNvPr id="96" name="Connecteur droit avec flèche 95">
             <a:extLst>
               <a:ext uri="{FF2B5EF4-FFF2-40B4-BE49-F238E27FC236}">
-                <a16:creationId xmlns:a16="http://schemas.microsoft.com/office/drawing/2014/main" id="{BCE28831-671F-AC23-0017-213B1C550B25}"/>
+                <a16:creationId xmlns:a16="http://schemas.microsoft.com/office/drawing/2014/main" id="{AB91322B-F2A8-5DC8-1FDF-4BE0A9F3A861}"/>
               </a:ext>
             </a:extLst>
           </p:cNvPr>
@@ -24035,7 +26687,7 @@
           <p:cNvPr id="100" name="Connecteur : en angle 99">
             <a:extLst>
               <a:ext uri="{FF2B5EF4-FFF2-40B4-BE49-F238E27FC236}">
-                <a16:creationId xmlns:a16="http://schemas.microsoft.com/office/drawing/2014/main" id="{32CA4223-5B7D-B80B-29B1-9E78AEE0D7F9}"/>
+                <a16:creationId xmlns:a16="http://schemas.microsoft.com/office/drawing/2014/main" id="{5698AAC1-68D9-860F-9786-45BD2ED0A48B}"/>
               </a:ext>
             </a:extLst>
           </p:cNvPr>
@@ -24081,7 +26733,7 @@
           <p:cNvPr id="105" name="ZoneTexte 104">
             <a:extLst>
               <a:ext uri="{FF2B5EF4-FFF2-40B4-BE49-F238E27FC236}">
-                <a16:creationId xmlns:a16="http://schemas.microsoft.com/office/drawing/2014/main" id="{0DE229EA-DFDF-1B83-D6B5-AF1247859121}"/>
+                <a16:creationId xmlns:a16="http://schemas.microsoft.com/office/drawing/2014/main" id="{69800307-82B3-DF64-BB9E-99E696154912}"/>
               </a:ext>
             </a:extLst>
           </p:cNvPr>
@@ -24123,7 +26775,7 @@
           <p:cNvPr id="107" name="Graphique 106" descr="Adresse de courrier avec un remplissage uni">
             <a:extLst>
               <a:ext uri="{FF2B5EF4-FFF2-40B4-BE49-F238E27FC236}">
-                <a16:creationId xmlns:a16="http://schemas.microsoft.com/office/drawing/2014/main" id="{77FB8C44-397B-64DE-9E03-174B37523EB7}"/>
+                <a16:creationId xmlns:a16="http://schemas.microsoft.com/office/drawing/2014/main" id="{3D9C2F8C-AE8B-1385-7CDA-3FD5C46E52EC}"/>
               </a:ext>
             </a:extLst>
           </p:cNvPr>
@@ -24159,7 +26811,7 @@
           <p:cNvPr id="109" name="Graphique 108" descr="Éclair avec un remplissage uni">
             <a:extLst>
               <a:ext uri="{FF2B5EF4-FFF2-40B4-BE49-F238E27FC236}">
-                <a16:creationId xmlns:a16="http://schemas.microsoft.com/office/drawing/2014/main" id="{8660FA1C-020C-4FAB-0FF3-48FA5C1C1058}"/>
+                <a16:creationId xmlns:a16="http://schemas.microsoft.com/office/drawing/2014/main" id="{C68A855F-4722-DFF7-80ED-D8D577080ACB}"/>
               </a:ext>
             </a:extLst>
           </p:cNvPr>
@@ -24195,7 +26847,7 @@
           <p:cNvPr id="110" name="ZoneTexte 109">
             <a:extLst>
               <a:ext uri="{FF2B5EF4-FFF2-40B4-BE49-F238E27FC236}">
-                <a16:creationId xmlns:a16="http://schemas.microsoft.com/office/drawing/2014/main" id="{5DA67A1D-90B3-6BB8-42BF-5A06FF23E668}"/>
+                <a16:creationId xmlns:a16="http://schemas.microsoft.com/office/drawing/2014/main" id="{A5542F88-1EC2-34CD-EC82-C1CE31CDBDA8}"/>
               </a:ext>
             </a:extLst>
           </p:cNvPr>
@@ -24252,7 +26904,7 @@
           <p:cNvPr id="111" name="ZoneTexte 110">
             <a:extLst>
               <a:ext uri="{FF2B5EF4-FFF2-40B4-BE49-F238E27FC236}">
-                <a16:creationId xmlns:a16="http://schemas.microsoft.com/office/drawing/2014/main" id="{14017485-B7A7-91FD-D323-FA7D644EED81}"/>
+                <a16:creationId xmlns:a16="http://schemas.microsoft.com/office/drawing/2014/main" id="{D25F1873-B0BC-4FA4-4532-F7B44ACC26AF}"/>
               </a:ext>
             </a:extLst>
           </p:cNvPr>
@@ -24309,7 +26961,7 @@
           <p:cNvPr id="112" name="ZoneTexte 111">
             <a:extLst>
               <a:ext uri="{FF2B5EF4-FFF2-40B4-BE49-F238E27FC236}">
-                <a16:creationId xmlns:a16="http://schemas.microsoft.com/office/drawing/2014/main" id="{885CC0A8-D87E-9294-8805-A8F21A39AE27}"/>
+                <a16:creationId xmlns:a16="http://schemas.microsoft.com/office/drawing/2014/main" id="{AEFB3596-3CC4-7D33-0989-16873D0C3243}"/>
               </a:ext>
             </a:extLst>
           </p:cNvPr>
@@ -24366,7 +27018,7 @@
           <p:cNvPr id="113" name="ZoneTexte 112">
             <a:extLst>
               <a:ext uri="{FF2B5EF4-FFF2-40B4-BE49-F238E27FC236}">
-                <a16:creationId xmlns:a16="http://schemas.microsoft.com/office/drawing/2014/main" id="{93CC1A85-CF5E-71DD-A901-AACA73F9E01D}"/>
+                <a16:creationId xmlns:a16="http://schemas.microsoft.com/office/drawing/2014/main" id="{64713C51-2913-14F1-7ACB-3C3A44B08677}"/>
               </a:ext>
             </a:extLst>
           </p:cNvPr>
@@ -24423,7 +27075,7 @@
           <p:cNvPr id="114" name="ZoneTexte 113">
             <a:extLst>
               <a:ext uri="{FF2B5EF4-FFF2-40B4-BE49-F238E27FC236}">
-                <a16:creationId xmlns:a16="http://schemas.microsoft.com/office/drawing/2014/main" id="{DA6FF28B-9DFB-1E7C-1675-3046A6B62247}"/>
+                <a16:creationId xmlns:a16="http://schemas.microsoft.com/office/drawing/2014/main" id="{47408489-1D64-355B-3120-7291571AD1A4}"/>
               </a:ext>
             </a:extLst>
           </p:cNvPr>
@@ -24480,7 +27132,7 @@
           <p:cNvPr id="115" name="ZoneTexte 114">
             <a:extLst>
               <a:ext uri="{FF2B5EF4-FFF2-40B4-BE49-F238E27FC236}">
-                <a16:creationId xmlns:a16="http://schemas.microsoft.com/office/drawing/2014/main" id="{86EDBBDB-5A07-BDE1-EF7A-C7386D5D9CE0}"/>
+                <a16:creationId xmlns:a16="http://schemas.microsoft.com/office/drawing/2014/main" id="{3ABF3776-3877-C589-2653-1092CC6FAF49}"/>
               </a:ext>
             </a:extLst>
           </p:cNvPr>
@@ -24537,7 +27189,7 @@
           <p:cNvPr id="116" name="Rectangle 115">
             <a:extLst>
               <a:ext uri="{FF2B5EF4-FFF2-40B4-BE49-F238E27FC236}">
-                <a16:creationId xmlns:a16="http://schemas.microsoft.com/office/drawing/2014/main" id="{A0D48AA0-1546-3E72-AE6C-E43830C0CF66}"/>
+                <a16:creationId xmlns:a16="http://schemas.microsoft.com/office/drawing/2014/main" id="{69B7A082-2280-83F6-2009-2FBCFCBA4601}"/>
               </a:ext>
             </a:extLst>
           </p:cNvPr>
@@ -24613,7 +27265,7 @@
           <p:cNvPr id="118" name="ZoneTexte 117">
             <a:extLst>
               <a:ext uri="{FF2B5EF4-FFF2-40B4-BE49-F238E27FC236}">
-                <a16:creationId xmlns:a16="http://schemas.microsoft.com/office/drawing/2014/main" id="{800CDA80-AA5D-1B41-7660-313967FC7FF1}"/>
+                <a16:creationId xmlns:a16="http://schemas.microsoft.com/office/drawing/2014/main" id="{546AF788-194F-7920-D945-7FF190A453B8}"/>
               </a:ext>
             </a:extLst>
           </p:cNvPr>
@@ -24670,7 +27322,7 @@
           <p:cNvPr id="119" name="ZoneTexte 118">
             <a:extLst>
               <a:ext uri="{FF2B5EF4-FFF2-40B4-BE49-F238E27FC236}">
-                <a16:creationId xmlns:a16="http://schemas.microsoft.com/office/drawing/2014/main" id="{1358C36A-CC25-2521-695F-22CEA64BFA71}"/>
+                <a16:creationId xmlns:a16="http://schemas.microsoft.com/office/drawing/2014/main" id="{BFE6D16F-AB5A-9C84-72F6-B886519C4841}"/>
               </a:ext>
             </a:extLst>
           </p:cNvPr>
@@ -24741,7 +27393,7 @@
           <p:cNvPr id="120" name="ZoneTexte 119">
             <a:extLst>
               <a:ext uri="{FF2B5EF4-FFF2-40B4-BE49-F238E27FC236}">
-                <a16:creationId xmlns:a16="http://schemas.microsoft.com/office/drawing/2014/main" id="{B10D651F-469B-082F-DF75-8318993EA70D}"/>
+                <a16:creationId xmlns:a16="http://schemas.microsoft.com/office/drawing/2014/main" id="{97543AD8-943D-DB2A-0564-48312DFD4B3B}"/>
               </a:ext>
             </a:extLst>
           </p:cNvPr>
@@ -24798,7 +27450,7 @@
           <p:cNvPr id="121" name="ZoneTexte 120">
             <a:extLst>
               <a:ext uri="{FF2B5EF4-FFF2-40B4-BE49-F238E27FC236}">
-                <a16:creationId xmlns:a16="http://schemas.microsoft.com/office/drawing/2014/main" id="{4F4CE5C7-A0BB-6B26-59D9-73BE30DE9B10}"/>
+                <a16:creationId xmlns:a16="http://schemas.microsoft.com/office/drawing/2014/main" id="{A68E353D-FB2C-BD1E-7053-B785D6DA3AA4}"/>
               </a:ext>
             </a:extLst>
           </p:cNvPr>
@@ -24856,7 +27508,7 @@
           <p:cNvPr id="122" name="ZoneTexte 121">
             <a:extLst>
               <a:ext uri="{FF2B5EF4-FFF2-40B4-BE49-F238E27FC236}">
-                <a16:creationId xmlns:a16="http://schemas.microsoft.com/office/drawing/2014/main" id="{617CDE68-CC1B-41D4-95D2-C16F1D680CC3}"/>
+                <a16:creationId xmlns:a16="http://schemas.microsoft.com/office/drawing/2014/main" id="{C76B7366-CD1E-8B52-170F-725CB6F9B4A5}"/>
               </a:ext>
             </a:extLst>
           </p:cNvPr>
@@ -24913,7 +27565,7 @@
           <p:cNvPr id="123" name="ZoneTexte 122">
             <a:extLst>
               <a:ext uri="{FF2B5EF4-FFF2-40B4-BE49-F238E27FC236}">
-                <a16:creationId xmlns:a16="http://schemas.microsoft.com/office/drawing/2014/main" id="{F7708845-2C9B-4224-D7C2-2BD3B0FF04FE}"/>
+                <a16:creationId xmlns:a16="http://schemas.microsoft.com/office/drawing/2014/main" id="{11B6BFAD-1281-E4CC-D9A2-57D1FBF3D12B}"/>
               </a:ext>
             </a:extLst>
           </p:cNvPr>
@@ -24970,7 +27622,7 @@
           <p:cNvPr id="126" name="Rectangle 125">
             <a:extLst>
               <a:ext uri="{FF2B5EF4-FFF2-40B4-BE49-F238E27FC236}">
-                <a16:creationId xmlns:a16="http://schemas.microsoft.com/office/drawing/2014/main" id="{A69F354B-30B3-E08B-000F-5377935DC238}"/>
+                <a16:creationId xmlns:a16="http://schemas.microsoft.com/office/drawing/2014/main" id="{CA4A9968-A79E-C4A1-AC86-19950939F4BD}"/>
               </a:ext>
             </a:extLst>
           </p:cNvPr>
@@ -25029,7 +27681,7 @@
           <p:cNvPr id="1026" name="Picture 2" descr="Backlog - Free ui icons">
             <a:extLst>
               <a:ext uri="{FF2B5EF4-FFF2-40B4-BE49-F238E27FC236}">
-                <a16:creationId xmlns:a16="http://schemas.microsoft.com/office/drawing/2014/main" id="{88A6D908-E396-2E7C-4118-25441B79BC24}"/>
+                <a16:creationId xmlns:a16="http://schemas.microsoft.com/office/drawing/2014/main" id="{96F64B7B-2238-16FF-AD92-A0D3661ABB9C}"/>
               </a:ext>
             </a:extLst>
           </p:cNvPr>
@@ -25076,7 +27728,7 @@
           <p:cNvPr id="148" name="ZoneTexte 147">
             <a:extLst>
               <a:ext uri="{FF2B5EF4-FFF2-40B4-BE49-F238E27FC236}">
-                <a16:creationId xmlns:a16="http://schemas.microsoft.com/office/drawing/2014/main" id="{977C860A-4AC3-82B5-02A5-FBBCD71CCE46}"/>
+                <a16:creationId xmlns:a16="http://schemas.microsoft.com/office/drawing/2014/main" id="{A7FE1BE6-B576-2CBC-A71C-63C69F64DB0C}"/>
               </a:ext>
             </a:extLst>
           </p:cNvPr>
@@ -25119,7 +27771,7 @@
           <p:cNvPr id="149" name="Picture 2" descr="Backlog - Free ui icons">
             <a:extLst>
               <a:ext uri="{FF2B5EF4-FFF2-40B4-BE49-F238E27FC236}">
-                <a16:creationId xmlns:a16="http://schemas.microsoft.com/office/drawing/2014/main" id="{24D1F2EB-C07B-6766-CD4B-9AE868E9EF84}"/>
+                <a16:creationId xmlns:a16="http://schemas.microsoft.com/office/drawing/2014/main" id="{076540F9-BBCB-96EA-3570-D7C3D3DE9E29}"/>
               </a:ext>
             </a:extLst>
           </p:cNvPr>
@@ -25166,7 +27818,7 @@
           <p:cNvPr id="150" name="ZoneTexte 149">
             <a:extLst>
               <a:ext uri="{FF2B5EF4-FFF2-40B4-BE49-F238E27FC236}">
-                <a16:creationId xmlns:a16="http://schemas.microsoft.com/office/drawing/2014/main" id="{95E5B735-597B-EA6E-6077-3E577ABF61FC}"/>
+                <a16:creationId xmlns:a16="http://schemas.microsoft.com/office/drawing/2014/main" id="{50C3A12A-E45F-CC76-1A27-1CF450E986E4}"/>
               </a:ext>
             </a:extLst>
           </p:cNvPr>
@@ -25208,7 +27860,7 @@
           <p:cNvPr id="155" name="Groupe 154">
             <a:extLst>
               <a:ext uri="{FF2B5EF4-FFF2-40B4-BE49-F238E27FC236}">
-                <a16:creationId xmlns:a16="http://schemas.microsoft.com/office/drawing/2014/main" id="{6CA7EBD6-0AA3-C10E-C65A-E784899E8553}"/>
+                <a16:creationId xmlns:a16="http://schemas.microsoft.com/office/drawing/2014/main" id="{1C35C35E-457C-9054-86D3-29D0E7559D81}"/>
               </a:ext>
             </a:extLst>
           </p:cNvPr>
@@ -25228,7 +27880,7 @@
             <p:cNvPr id="152" name="Image 151">
               <a:extLst>
                 <a:ext uri="{FF2B5EF4-FFF2-40B4-BE49-F238E27FC236}">
-                  <a16:creationId xmlns:a16="http://schemas.microsoft.com/office/drawing/2014/main" id="{3806551D-A855-9D79-2291-5BE55C99E527}"/>
+                  <a16:creationId xmlns:a16="http://schemas.microsoft.com/office/drawing/2014/main" id="{5E816843-3B28-DD36-C1F2-9B42AB590D65}"/>
                 </a:ext>
               </a:extLst>
             </p:cNvPr>
@@ -25266,7 +27918,7 @@
             <p:cNvPr id="153" name="ZoneTexte 152">
               <a:extLst>
                 <a:ext uri="{FF2B5EF4-FFF2-40B4-BE49-F238E27FC236}">
-                  <a16:creationId xmlns:a16="http://schemas.microsoft.com/office/drawing/2014/main" id="{F87A24BD-5DEE-0BDC-EC50-0F4B750F6BAF}"/>
+                  <a16:creationId xmlns:a16="http://schemas.microsoft.com/office/drawing/2014/main" id="{AC943CE4-56DE-D53B-0BEF-B0320D5A8D7E}"/>
                 </a:ext>
               </a:extLst>
             </p:cNvPr>
@@ -25309,7 +27961,7 @@
           <p:cNvPr id="156" name="Groupe 155">
             <a:extLst>
               <a:ext uri="{FF2B5EF4-FFF2-40B4-BE49-F238E27FC236}">
-                <a16:creationId xmlns:a16="http://schemas.microsoft.com/office/drawing/2014/main" id="{57DE6EB1-01F0-E55E-5B9C-0D565C96BA67}"/>
+                <a16:creationId xmlns:a16="http://schemas.microsoft.com/office/drawing/2014/main" id="{5BAECF34-051E-12A9-7825-11216ACDE66A}"/>
               </a:ext>
             </a:extLst>
           </p:cNvPr>
@@ -25329,7 +27981,7 @@
             <p:cNvPr id="157" name="Image 156">
               <a:extLst>
                 <a:ext uri="{FF2B5EF4-FFF2-40B4-BE49-F238E27FC236}">
-                  <a16:creationId xmlns:a16="http://schemas.microsoft.com/office/drawing/2014/main" id="{F1476338-5CF8-E558-B8E5-4C8E246BF476}"/>
+                  <a16:creationId xmlns:a16="http://schemas.microsoft.com/office/drawing/2014/main" id="{AA51A541-B291-4AD9-26C1-7EBA8ABB9C15}"/>
                 </a:ext>
               </a:extLst>
             </p:cNvPr>
@@ -25367,7 +28019,7 @@
             <p:cNvPr id="158" name="ZoneTexte 157">
               <a:extLst>
                 <a:ext uri="{FF2B5EF4-FFF2-40B4-BE49-F238E27FC236}">
-                  <a16:creationId xmlns:a16="http://schemas.microsoft.com/office/drawing/2014/main" id="{62F7149B-A116-DAFC-A9DC-8C5BAEEB6722}"/>
+                  <a16:creationId xmlns:a16="http://schemas.microsoft.com/office/drawing/2014/main" id="{A75165A9-AE83-B5C6-A56A-0B24A26BE90B}"/>
                 </a:ext>
               </a:extLst>
             </p:cNvPr>
@@ -25410,7 +28062,7 @@
           <p:cNvPr id="159" name="Groupe 158">
             <a:extLst>
               <a:ext uri="{FF2B5EF4-FFF2-40B4-BE49-F238E27FC236}">
-                <a16:creationId xmlns:a16="http://schemas.microsoft.com/office/drawing/2014/main" id="{4DB05A17-897C-6C1F-DBF2-659EE428493E}"/>
+                <a16:creationId xmlns:a16="http://schemas.microsoft.com/office/drawing/2014/main" id="{C0EC013E-0187-B8D2-67ED-8EA0A7FEFC45}"/>
               </a:ext>
             </a:extLst>
           </p:cNvPr>
@@ -25430,7 +28082,7 @@
             <p:cNvPr id="160" name="Image 159">
               <a:extLst>
                 <a:ext uri="{FF2B5EF4-FFF2-40B4-BE49-F238E27FC236}">
-                  <a16:creationId xmlns:a16="http://schemas.microsoft.com/office/drawing/2014/main" id="{49B22D1B-FAC9-9A43-AC9A-74DC4DE6C13E}"/>
+                  <a16:creationId xmlns:a16="http://schemas.microsoft.com/office/drawing/2014/main" id="{1059954F-480D-4AA1-1D8B-CD8C5C100C5A}"/>
                 </a:ext>
               </a:extLst>
             </p:cNvPr>
@@ -25468,7 +28120,7 @@
             <p:cNvPr id="161" name="ZoneTexte 160">
               <a:extLst>
                 <a:ext uri="{FF2B5EF4-FFF2-40B4-BE49-F238E27FC236}">
-                  <a16:creationId xmlns:a16="http://schemas.microsoft.com/office/drawing/2014/main" id="{D8B8CA36-2BB2-B19C-6825-183FFF9D8948}"/>
+                  <a16:creationId xmlns:a16="http://schemas.microsoft.com/office/drawing/2014/main" id="{1574DEBC-7620-87F5-325F-719E2707BEEA}"/>
                 </a:ext>
               </a:extLst>
             </p:cNvPr>
@@ -25511,7 +28163,7 @@
           <p:cNvPr id="162" name="Groupe 161">
             <a:extLst>
               <a:ext uri="{FF2B5EF4-FFF2-40B4-BE49-F238E27FC236}">
-                <a16:creationId xmlns:a16="http://schemas.microsoft.com/office/drawing/2014/main" id="{4C299269-E949-1BFD-9662-38DC3D4695B3}"/>
+                <a16:creationId xmlns:a16="http://schemas.microsoft.com/office/drawing/2014/main" id="{228E43CF-D647-C102-6900-0BDA5F2F861C}"/>
               </a:ext>
             </a:extLst>
           </p:cNvPr>
@@ -25531,7 +28183,7 @@
             <p:cNvPr id="163" name="Image 162">
               <a:extLst>
                 <a:ext uri="{FF2B5EF4-FFF2-40B4-BE49-F238E27FC236}">
-                  <a16:creationId xmlns:a16="http://schemas.microsoft.com/office/drawing/2014/main" id="{A0C2A1D3-187C-77F3-0FF0-4073161E52F9}"/>
+                  <a16:creationId xmlns:a16="http://schemas.microsoft.com/office/drawing/2014/main" id="{AC60E917-9D71-3484-D869-486498CACDED}"/>
                 </a:ext>
               </a:extLst>
             </p:cNvPr>
@@ -25569,7 +28221,7 @@
             <p:cNvPr id="164" name="ZoneTexte 163">
               <a:extLst>
                 <a:ext uri="{FF2B5EF4-FFF2-40B4-BE49-F238E27FC236}">
-                  <a16:creationId xmlns:a16="http://schemas.microsoft.com/office/drawing/2014/main" id="{4CADFDEC-7CAD-0FA4-9709-20E5CA17E9E8}"/>
+                  <a16:creationId xmlns:a16="http://schemas.microsoft.com/office/drawing/2014/main" id="{20F35EBB-D7E7-63AA-C0C2-957FFC534C82}"/>
                 </a:ext>
               </a:extLst>
             </p:cNvPr>
@@ -25612,7 +28264,7 @@
           <p:cNvPr id="165" name="Groupe 164">
             <a:extLst>
               <a:ext uri="{FF2B5EF4-FFF2-40B4-BE49-F238E27FC236}">
-                <a16:creationId xmlns:a16="http://schemas.microsoft.com/office/drawing/2014/main" id="{04C259B8-0607-86E0-5961-FDAA91411FD7}"/>
+                <a16:creationId xmlns:a16="http://schemas.microsoft.com/office/drawing/2014/main" id="{A99FB65F-93F7-8D09-BD5B-7488B1BEFE1C}"/>
               </a:ext>
             </a:extLst>
           </p:cNvPr>
@@ -25632,7 +28284,7 @@
             <p:cNvPr id="166" name="Image 165">
               <a:extLst>
                 <a:ext uri="{FF2B5EF4-FFF2-40B4-BE49-F238E27FC236}">
-                  <a16:creationId xmlns:a16="http://schemas.microsoft.com/office/drawing/2014/main" id="{19FDF383-3998-6BBB-94F7-B59F1D20F7D6}"/>
+                  <a16:creationId xmlns:a16="http://schemas.microsoft.com/office/drawing/2014/main" id="{FB73E47D-A2C4-65AD-0620-6847D71614E5}"/>
                 </a:ext>
               </a:extLst>
             </p:cNvPr>
@@ -25670,7 +28322,7 @@
             <p:cNvPr id="167" name="ZoneTexte 166">
               <a:extLst>
                 <a:ext uri="{FF2B5EF4-FFF2-40B4-BE49-F238E27FC236}">
-                  <a16:creationId xmlns:a16="http://schemas.microsoft.com/office/drawing/2014/main" id="{CFCCFBDA-36C6-B039-58F1-75110CB5A3F3}"/>
+                  <a16:creationId xmlns:a16="http://schemas.microsoft.com/office/drawing/2014/main" id="{DD3FD7E1-ACF9-BB43-6B51-D1D9F2719BAF}"/>
                 </a:ext>
               </a:extLst>
             </p:cNvPr>
@@ -25713,7 +28365,7 @@
           <p:cNvPr id="168" name="Groupe 167">
             <a:extLst>
               <a:ext uri="{FF2B5EF4-FFF2-40B4-BE49-F238E27FC236}">
-                <a16:creationId xmlns:a16="http://schemas.microsoft.com/office/drawing/2014/main" id="{64E9705B-8151-439E-EDC1-4B0A014CF662}"/>
+                <a16:creationId xmlns:a16="http://schemas.microsoft.com/office/drawing/2014/main" id="{BD2C1FDB-C41A-A838-815A-2589C0C6D86E}"/>
               </a:ext>
             </a:extLst>
           </p:cNvPr>
@@ -25733,7 +28385,7 @@
             <p:cNvPr id="169" name="Image 168">
               <a:extLst>
                 <a:ext uri="{FF2B5EF4-FFF2-40B4-BE49-F238E27FC236}">
-                  <a16:creationId xmlns:a16="http://schemas.microsoft.com/office/drawing/2014/main" id="{0E4D0BDE-0E21-D2AE-46AE-4ED881F7F4E8}"/>
+                  <a16:creationId xmlns:a16="http://schemas.microsoft.com/office/drawing/2014/main" id="{A07D63A1-D23F-0C74-C60D-D994C996A614}"/>
                 </a:ext>
               </a:extLst>
             </p:cNvPr>
@@ -25771,7 +28423,7 @@
             <p:cNvPr id="170" name="ZoneTexte 169">
               <a:extLst>
                 <a:ext uri="{FF2B5EF4-FFF2-40B4-BE49-F238E27FC236}">
-                  <a16:creationId xmlns:a16="http://schemas.microsoft.com/office/drawing/2014/main" id="{8641ED32-A5DC-E71C-39A0-DE15E051536D}"/>
+                  <a16:creationId xmlns:a16="http://schemas.microsoft.com/office/drawing/2014/main" id="{359BCE7E-797C-138D-39B3-C29AB8F23264}"/>
                 </a:ext>
               </a:extLst>
             </p:cNvPr>
@@ -25814,7 +28466,7 @@
           <p:cNvPr id="171" name="Groupe 170">
             <a:extLst>
               <a:ext uri="{FF2B5EF4-FFF2-40B4-BE49-F238E27FC236}">
-                <a16:creationId xmlns:a16="http://schemas.microsoft.com/office/drawing/2014/main" id="{220B38CF-CF13-5427-3CA8-C449148B771C}"/>
+                <a16:creationId xmlns:a16="http://schemas.microsoft.com/office/drawing/2014/main" id="{0755D031-2D8A-D5C0-80E4-4949030CA4DB}"/>
               </a:ext>
             </a:extLst>
           </p:cNvPr>
@@ -25834,7 +28486,7 @@
             <p:cNvPr id="172" name="Image 171">
               <a:extLst>
                 <a:ext uri="{FF2B5EF4-FFF2-40B4-BE49-F238E27FC236}">
-                  <a16:creationId xmlns:a16="http://schemas.microsoft.com/office/drawing/2014/main" id="{6B44A25C-1DBE-D170-4620-9C3D9E8AF982}"/>
+                  <a16:creationId xmlns:a16="http://schemas.microsoft.com/office/drawing/2014/main" id="{B7B99F9E-7CB3-48E5-7D4A-1FEDC395E33B}"/>
                 </a:ext>
               </a:extLst>
             </p:cNvPr>
@@ -25872,7 +28524,7 @@
             <p:cNvPr id="173" name="ZoneTexte 172">
               <a:extLst>
                 <a:ext uri="{FF2B5EF4-FFF2-40B4-BE49-F238E27FC236}">
-                  <a16:creationId xmlns:a16="http://schemas.microsoft.com/office/drawing/2014/main" id="{45490082-AC98-D849-D525-985BB6C1FEC2}"/>
+                  <a16:creationId xmlns:a16="http://schemas.microsoft.com/office/drawing/2014/main" id="{1D03DE12-E191-ABBF-985D-933E170AA1AF}"/>
                 </a:ext>
               </a:extLst>
             </p:cNvPr>
@@ -25916,7 +28568,7 @@
           <p:cNvPr id="174" name="Groupe 173">
             <a:extLst>
               <a:ext uri="{FF2B5EF4-FFF2-40B4-BE49-F238E27FC236}">
-                <a16:creationId xmlns:a16="http://schemas.microsoft.com/office/drawing/2014/main" id="{A92F82E1-6C04-65A9-44AD-2029BF4071CF}"/>
+                <a16:creationId xmlns:a16="http://schemas.microsoft.com/office/drawing/2014/main" id="{822C849E-55B3-AE79-7D8B-23437262A956}"/>
               </a:ext>
             </a:extLst>
           </p:cNvPr>
@@ -25936,7 +28588,7 @@
             <p:cNvPr id="175" name="Image 174">
               <a:extLst>
                 <a:ext uri="{FF2B5EF4-FFF2-40B4-BE49-F238E27FC236}">
-                  <a16:creationId xmlns:a16="http://schemas.microsoft.com/office/drawing/2014/main" id="{8D90CC27-0B09-F28F-3F98-35A8AE33DE6D}"/>
+                  <a16:creationId xmlns:a16="http://schemas.microsoft.com/office/drawing/2014/main" id="{7AE0EEE8-0310-3231-DF0F-DBE5E2C4498E}"/>
                 </a:ext>
               </a:extLst>
             </p:cNvPr>
@@ -25974,7 +28626,7 @@
             <p:cNvPr id="176" name="ZoneTexte 175">
               <a:extLst>
                 <a:ext uri="{FF2B5EF4-FFF2-40B4-BE49-F238E27FC236}">
-                  <a16:creationId xmlns:a16="http://schemas.microsoft.com/office/drawing/2014/main" id="{FFF5BB92-0691-712E-5B2D-B0123868703E}"/>
+                  <a16:creationId xmlns:a16="http://schemas.microsoft.com/office/drawing/2014/main" id="{7C8C9B04-655E-79D6-13EC-EF5620D2EF02}"/>
                 </a:ext>
               </a:extLst>
             </p:cNvPr>
@@ -26025,7 +28677,7 @@
           <p:cNvPr id="184" name="Groupe 183">
             <a:extLst>
               <a:ext uri="{FF2B5EF4-FFF2-40B4-BE49-F238E27FC236}">
-                <a16:creationId xmlns:a16="http://schemas.microsoft.com/office/drawing/2014/main" id="{3884A8E7-2CE8-C2C3-6172-835585337CA8}"/>
+                <a16:creationId xmlns:a16="http://schemas.microsoft.com/office/drawing/2014/main" id="{44487500-1265-B6F4-E8C1-C829CC5CF1BD}"/>
               </a:ext>
             </a:extLst>
           </p:cNvPr>
@@ -26045,7 +28697,7 @@
             <p:cNvPr id="185" name="Image 184">
               <a:extLst>
                 <a:ext uri="{FF2B5EF4-FFF2-40B4-BE49-F238E27FC236}">
-                  <a16:creationId xmlns:a16="http://schemas.microsoft.com/office/drawing/2014/main" id="{863305A4-9BBE-2B78-3399-F940D12D9CE0}"/>
+                  <a16:creationId xmlns:a16="http://schemas.microsoft.com/office/drawing/2014/main" id="{B28AD97F-A70D-73BF-CBE7-532130654884}"/>
                 </a:ext>
               </a:extLst>
             </p:cNvPr>
@@ -26083,7 +28735,7 @@
             <p:cNvPr id="186" name="ZoneTexte 185">
               <a:extLst>
                 <a:ext uri="{FF2B5EF4-FFF2-40B4-BE49-F238E27FC236}">
-                  <a16:creationId xmlns:a16="http://schemas.microsoft.com/office/drawing/2014/main" id="{B43D309C-CE78-AE08-CE19-EB1989577B30}"/>
+                  <a16:creationId xmlns:a16="http://schemas.microsoft.com/office/drawing/2014/main" id="{C27EA2F6-CB70-8472-B952-172991191D6B}"/>
                 </a:ext>
               </a:extLst>
             </p:cNvPr>
@@ -26127,7 +28779,7 @@
           <p:cNvPr id="2" name="Rectangle 1">
             <a:extLst>
               <a:ext uri="{FF2B5EF4-FFF2-40B4-BE49-F238E27FC236}">
-                <a16:creationId xmlns:a16="http://schemas.microsoft.com/office/drawing/2014/main" id="{35500011-70C2-70DB-2728-E4EC557B6A5F}"/>
+                <a16:creationId xmlns:a16="http://schemas.microsoft.com/office/drawing/2014/main" id="{925F463A-5087-2021-0FA1-3A2F75FFA510}"/>
               </a:ext>
             </a:extLst>
           </p:cNvPr>
@@ -26233,7 +28885,7 @@
           <p:cNvPr id="3" name="ZoneTexte 2">
             <a:extLst>
               <a:ext uri="{FF2B5EF4-FFF2-40B4-BE49-F238E27FC236}">
-                <a16:creationId xmlns:a16="http://schemas.microsoft.com/office/drawing/2014/main" id="{26FD89CB-DCB3-9F66-A4EC-1B7BE676A781}"/>
+                <a16:creationId xmlns:a16="http://schemas.microsoft.com/office/drawing/2014/main" id="{73FA1536-D2AB-EDC6-5F32-50D5F271BA80}"/>
               </a:ext>
             </a:extLst>
           </p:cNvPr>
@@ -26290,7 +28942,7 @@
           <p:cNvPr id="4" name="ZoneTexte 3">
             <a:extLst>
               <a:ext uri="{FF2B5EF4-FFF2-40B4-BE49-F238E27FC236}">
-                <a16:creationId xmlns:a16="http://schemas.microsoft.com/office/drawing/2014/main" id="{EF606B8A-E5E6-9CA4-2E4E-E6F1DCA6BA41}"/>
+                <a16:creationId xmlns:a16="http://schemas.microsoft.com/office/drawing/2014/main" id="{C8C0DFCB-A2C3-2CCD-127A-9A571227B5F4}"/>
               </a:ext>
             </a:extLst>
           </p:cNvPr>
@@ -26345,7 +28997,7 @@
     </p:spTree>
     <p:extLst>
       <p:ext uri="{BB962C8B-B14F-4D97-AF65-F5344CB8AC3E}">
-        <p14:creationId xmlns:p14="http://schemas.microsoft.com/office/powerpoint/2010/main" val="4248122501"/>
+        <p14:creationId xmlns:p14="http://schemas.microsoft.com/office/powerpoint/2010/main" val="905268203"/>
       </p:ext>
     </p:extLst>
   </p:cSld>
@@ -26355,7 +29007,7 @@
 </p:sld>
 </file>
 
-<file path=ppt/slides/slide14.xml><?xml version="1.0" encoding="utf-8"?>
+<file path=ppt/slides/slide15.xml><?xml version="1.0" encoding="utf-8"?>
 <p:sld xmlns:a="http://schemas.openxmlformats.org/drawingml/2006/main" xmlns:r="http://schemas.openxmlformats.org/officeDocument/2006/relationships" xmlns:p="http://schemas.openxmlformats.org/presentationml/2006/main" show="0">
   <p:cSld>
     <p:spTree>
@@ -26522,7 +29174,7 @@
 </p:sld>
 </file>
 
-<file path=ppt/slides/slide15.xml><?xml version="1.0" encoding="utf-8"?>
+<file path=ppt/slides/slide16.xml><?xml version="1.0" encoding="utf-8"?>
 <p:sld xmlns:a="http://schemas.openxmlformats.org/drawingml/2006/main" xmlns:r="http://schemas.openxmlformats.org/officeDocument/2006/relationships" xmlns:p="http://schemas.openxmlformats.org/presentationml/2006/main" show="0">
   <p:cSld>
     <p:spTree>
@@ -26767,7 +29419,7 @@
 </p:sld>
 </file>
 
-<file path=ppt/slides/slide16.xml><?xml version="1.0" encoding="utf-8"?>
+<file path=ppt/slides/slide17.xml><?xml version="1.0" encoding="utf-8"?>
 <p:sld xmlns:a="http://schemas.openxmlformats.org/drawingml/2006/main" xmlns:r="http://schemas.openxmlformats.org/officeDocument/2006/relationships" xmlns:p="http://schemas.openxmlformats.org/presentationml/2006/main" show="0">
   <p:cSld>
     <p:spTree>
@@ -27638,7 +30290,7 @@
 </p:sld>
 </file>
 
-<file path=ppt/slides/slide17.xml><?xml version="1.0" encoding="utf-8"?>
+<file path=ppt/slides/slide18.xml><?xml version="1.0" encoding="utf-8"?>
 <p:sld xmlns:a="http://schemas.openxmlformats.org/drawingml/2006/main" xmlns:r="http://schemas.openxmlformats.org/officeDocument/2006/relationships" xmlns:p="http://schemas.openxmlformats.org/presentationml/2006/main" show="0">
   <p:cSld>
     <p:spTree>
@@ -28101,7 +30753,7 @@
 </p:sld>
 </file>
 
-<file path=ppt/slides/slide18.xml><?xml version="1.0" encoding="utf-8"?>
+<file path=ppt/slides/slide19.xml><?xml version="1.0" encoding="utf-8"?>
 <p:sld xmlns:a="http://schemas.openxmlformats.org/drawingml/2006/main" xmlns:r="http://schemas.openxmlformats.org/officeDocument/2006/relationships" xmlns:p="http://schemas.openxmlformats.org/presentationml/2006/main">
   <p:cSld>
     <p:spTree>
@@ -28159,7 +30811,79 @@
 </p:sld>
 </file>
 
-<file path=ppt/slides/slide19.xml><?xml version="1.0" encoding="utf-8"?>
+<file path=ppt/slides/slide2.xml><?xml version="1.0" encoding="utf-8"?>
+<p:sld xmlns:a="http://schemas.openxmlformats.org/drawingml/2006/main" xmlns:r="http://schemas.openxmlformats.org/officeDocument/2006/relationships" xmlns:p="http://schemas.openxmlformats.org/presentationml/2006/main">
+  <p:cSld>
+    <p:spTree>
+      <p:nvGrpSpPr>
+        <p:cNvPr id="1" name="">
+          <a:extLst>
+            <a:ext uri="{FF2B5EF4-FFF2-40B4-BE49-F238E27FC236}">
+              <a16:creationId xmlns:a16="http://schemas.microsoft.com/office/drawing/2014/main" id="{E9364150-CC49-9A9E-D095-11CF0106F55D}"/>
+            </a:ext>
+          </a:extLst>
+        </p:cNvPr>
+        <p:cNvGrpSpPr/>
+        <p:nvPr/>
+      </p:nvGrpSpPr>
+      <p:grpSpPr>
+        <a:xfrm>
+          <a:off x="0" y="0"/>
+          <a:ext cx="0" cy="0"/>
+          <a:chOff x="0" y="0"/>
+          <a:chExt cx="0" cy="0"/>
+        </a:xfrm>
+      </p:grpSpPr>
+      <p:pic>
+        <p:nvPicPr>
+          <p:cNvPr id="5" name="Image 4" descr="Une image contenant texte, capture d’écran, Police, diagramme">
+            <a:extLst>
+              <a:ext uri="{FF2B5EF4-FFF2-40B4-BE49-F238E27FC236}">
+                <a16:creationId xmlns:a16="http://schemas.microsoft.com/office/drawing/2014/main" id="{553CDC2E-42F8-D971-E3E8-03D8DCB303B4}"/>
+              </a:ext>
+            </a:extLst>
+          </p:cNvPr>
+          <p:cNvPicPr>
+            <a:picLocks noChangeAspect="1"/>
+          </p:cNvPicPr>
+          <p:nvPr/>
+        </p:nvPicPr>
+        <p:blipFill>
+          <a:blip r:embed="rId2">
+            <a:extLst>
+              <a:ext uri="{28A0092B-C50C-407E-A947-70E740481C1C}">
+                <a14:useLocalDpi xmlns:a14="http://schemas.microsoft.com/office/drawing/2010/main" val="0"/>
+              </a:ext>
+            </a:extLst>
+          </a:blip>
+          <a:stretch>
+            <a:fillRect/>
+          </a:stretch>
+        </p:blipFill>
+        <p:spPr>
+          <a:xfrm>
+            <a:off x="412967" y="0"/>
+            <a:ext cx="10451679" cy="6858000"/>
+          </a:xfrm>
+          <a:prstGeom prst="rect">
+            <a:avLst/>
+          </a:prstGeom>
+        </p:spPr>
+      </p:pic>
+    </p:spTree>
+    <p:extLst>
+      <p:ext uri="{BB962C8B-B14F-4D97-AF65-F5344CB8AC3E}">
+        <p14:creationId xmlns:p14="http://schemas.microsoft.com/office/powerpoint/2010/main" val="941717338"/>
+      </p:ext>
+    </p:extLst>
+  </p:cSld>
+  <p:clrMapOvr>
+    <a:masterClrMapping/>
+  </p:clrMapOvr>
+</p:sld>
+</file>
+
+<file path=ppt/slides/slide20.xml><?xml version="1.0" encoding="utf-8"?>
 <p:sld xmlns:a="http://schemas.openxmlformats.org/drawingml/2006/main" xmlns:r="http://schemas.openxmlformats.org/officeDocument/2006/relationships" xmlns:p="http://schemas.openxmlformats.org/presentationml/2006/main">
   <p:cSld>
     <p:spTree>
@@ -28852,79 +31576,7 @@
 </p:sld>
 </file>
 
-<file path=ppt/slides/slide2.xml><?xml version="1.0" encoding="utf-8"?>
-<p:sld xmlns:a="http://schemas.openxmlformats.org/drawingml/2006/main" xmlns:r="http://schemas.openxmlformats.org/officeDocument/2006/relationships" xmlns:p="http://schemas.openxmlformats.org/presentationml/2006/main">
-  <p:cSld>
-    <p:spTree>
-      <p:nvGrpSpPr>
-        <p:cNvPr id="1" name="">
-          <a:extLst>
-            <a:ext uri="{FF2B5EF4-FFF2-40B4-BE49-F238E27FC236}">
-              <a16:creationId xmlns:a16="http://schemas.microsoft.com/office/drawing/2014/main" id="{E9364150-CC49-9A9E-D095-11CF0106F55D}"/>
-            </a:ext>
-          </a:extLst>
-        </p:cNvPr>
-        <p:cNvGrpSpPr/>
-        <p:nvPr/>
-      </p:nvGrpSpPr>
-      <p:grpSpPr>
-        <a:xfrm>
-          <a:off x="0" y="0"/>
-          <a:ext cx="0" cy="0"/>
-          <a:chOff x="0" y="0"/>
-          <a:chExt cx="0" cy="0"/>
-        </a:xfrm>
-      </p:grpSpPr>
-      <p:pic>
-        <p:nvPicPr>
-          <p:cNvPr id="5" name="Image 4" descr="Une image contenant texte, capture d’écran, Police, diagramme">
-            <a:extLst>
-              <a:ext uri="{FF2B5EF4-FFF2-40B4-BE49-F238E27FC236}">
-                <a16:creationId xmlns:a16="http://schemas.microsoft.com/office/drawing/2014/main" id="{553CDC2E-42F8-D971-E3E8-03D8DCB303B4}"/>
-              </a:ext>
-            </a:extLst>
-          </p:cNvPr>
-          <p:cNvPicPr>
-            <a:picLocks noChangeAspect="1"/>
-          </p:cNvPicPr>
-          <p:nvPr/>
-        </p:nvPicPr>
-        <p:blipFill>
-          <a:blip r:embed="rId2">
-            <a:extLst>
-              <a:ext uri="{28A0092B-C50C-407E-A947-70E740481C1C}">
-                <a14:useLocalDpi xmlns:a14="http://schemas.microsoft.com/office/drawing/2010/main" val="0"/>
-              </a:ext>
-            </a:extLst>
-          </a:blip>
-          <a:stretch>
-            <a:fillRect/>
-          </a:stretch>
-        </p:blipFill>
-        <p:spPr>
-          <a:xfrm>
-            <a:off x="412967" y="0"/>
-            <a:ext cx="10451679" cy="6858000"/>
-          </a:xfrm>
-          <a:prstGeom prst="rect">
-            <a:avLst/>
-          </a:prstGeom>
-        </p:spPr>
-      </p:pic>
-    </p:spTree>
-    <p:extLst>
-      <p:ext uri="{BB962C8B-B14F-4D97-AF65-F5344CB8AC3E}">
-        <p14:creationId xmlns:p14="http://schemas.microsoft.com/office/powerpoint/2010/main" val="941717338"/>
-      </p:ext>
-    </p:extLst>
-  </p:cSld>
-  <p:clrMapOvr>
-    <a:masterClrMapping/>
-  </p:clrMapOvr>
-</p:sld>
-</file>
-
-<file path=ppt/slides/slide20.xml><?xml version="1.0" encoding="utf-8"?>
+<file path=ppt/slides/slide21.xml><?xml version="1.0" encoding="utf-8"?>
 <p:sld xmlns:a="http://schemas.openxmlformats.org/drawingml/2006/main" xmlns:r="http://schemas.openxmlformats.org/officeDocument/2006/relationships" xmlns:p="http://schemas.openxmlformats.org/presentationml/2006/main" show="0">
   <p:cSld>
     <p:spTree>
@@ -29018,7 +31670,7 @@
 </p:sld>
 </file>
 
-<file path=ppt/slides/slide21.xml><?xml version="1.0" encoding="utf-8"?>
+<file path=ppt/slides/slide22.xml><?xml version="1.0" encoding="utf-8"?>
 <p:sld xmlns:a="http://schemas.openxmlformats.org/drawingml/2006/main" xmlns:r="http://schemas.openxmlformats.org/officeDocument/2006/relationships" xmlns:p="http://schemas.openxmlformats.org/presentationml/2006/main" show="0">
   <p:cSld>
     <p:spTree>
@@ -29208,7 +31860,7 @@
 </p:sld>
 </file>
 
-<file path=ppt/slides/slide22.xml><?xml version="1.0" encoding="utf-8"?>
+<file path=ppt/slides/slide23.xml><?xml version="1.0" encoding="utf-8"?>
 <p:sld xmlns:a="http://schemas.openxmlformats.org/drawingml/2006/main" xmlns:r="http://schemas.openxmlformats.org/officeDocument/2006/relationships" xmlns:p="http://schemas.openxmlformats.org/presentationml/2006/main" show="0">
   <p:cSld>
     <p:spTree>
@@ -30191,7 +32843,7 @@
 </p:sld>
 </file>
 
-<file path=ppt/slides/slide23.xml><?xml version="1.0" encoding="utf-8"?>
+<file path=ppt/slides/slide24.xml><?xml version="1.0" encoding="utf-8"?>
 <p:sld xmlns:a="http://schemas.openxmlformats.org/drawingml/2006/main" xmlns:r="http://schemas.openxmlformats.org/officeDocument/2006/relationships" xmlns:p="http://schemas.openxmlformats.org/presentationml/2006/main" show="0">
   <p:cSld>
     <p:spTree>
@@ -33605,7 +36257,7 @@
 </p:sld>
 </file>
 
-<file path=ppt/slides/slide24.xml><?xml version="1.0" encoding="utf-8"?>
+<file path=ppt/slides/slide25.xml><?xml version="1.0" encoding="utf-8"?>
 <p:sld xmlns:a="http://schemas.openxmlformats.org/drawingml/2006/main" xmlns:r="http://schemas.openxmlformats.org/officeDocument/2006/relationships" xmlns:p="http://schemas.openxmlformats.org/presentationml/2006/main">
   <p:cSld>
     <p:spTree>
@@ -37269,7 +39921,7 @@
 </p:sld>
 </file>
 
-<file path=ppt/slides/slide25.xml><?xml version="1.0" encoding="utf-8"?>
+<file path=ppt/slides/slide26.xml><?xml version="1.0" encoding="utf-8"?>
 <p:sld xmlns:a="http://schemas.openxmlformats.org/drawingml/2006/main" xmlns:r="http://schemas.openxmlformats.org/officeDocument/2006/relationships" xmlns:p="http://schemas.openxmlformats.org/presentationml/2006/main">
   <p:cSld>
     <p:spTree>
@@ -37356,999 +40008,6 @@
     <p:extLst>
       <p:ext uri="{BB962C8B-B14F-4D97-AF65-F5344CB8AC3E}">
         <p14:creationId xmlns:p14="http://schemas.microsoft.com/office/powerpoint/2010/main" val="1540432292"/>
-      </p:ext>
-    </p:extLst>
-  </p:cSld>
-  <p:clrMapOvr>
-    <a:masterClrMapping/>
-  </p:clrMapOvr>
-</p:sld>
-</file>
-
-<file path=ppt/slides/slide26.xml><?xml version="1.0" encoding="utf-8"?>
-<p:sld xmlns:a="http://schemas.openxmlformats.org/drawingml/2006/main" xmlns:r="http://schemas.openxmlformats.org/officeDocument/2006/relationships" xmlns:p="http://schemas.openxmlformats.org/presentationml/2006/main">
-  <p:cSld>
-    <p:spTree>
-      <p:nvGrpSpPr>
-        <p:cNvPr id="1" name=""/>
-        <p:cNvGrpSpPr/>
-        <p:nvPr/>
-      </p:nvGrpSpPr>
-      <p:grpSpPr>
-        <a:xfrm>
-          <a:off x="0" y="0"/>
-          <a:ext cx="0" cy="0"/>
-          <a:chOff x="0" y="0"/>
-          <a:chExt cx="0" cy="0"/>
-        </a:xfrm>
-      </p:grpSpPr>
-      <p:pic>
-        <p:nvPicPr>
-          <p:cNvPr id="2" name="Image 1">
-            <a:extLst>
-              <a:ext uri="{FF2B5EF4-FFF2-40B4-BE49-F238E27FC236}">
-                <a16:creationId xmlns:a16="http://schemas.microsoft.com/office/drawing/2014/main" id="{3426B4B1-03A7-D14F-A04A-DE3D85C32A2E}"/>
-              </a:ext>
-            </a:extLst>
-          </p:cNvPr>
-          <p:cNvPicPr>
-            <a:picLocks noChangeAspect="1"/>
-          </p:cNvPicPr>
-          <p:nvPr/>
-        </p:nvPicPr>
-        <p:blipFill>
-          <a:blip r:embed="rId2"/>
-          <a:stretch>
-            <a:fillRect/>
-          </a:stretch>
-        </p:blipFill>
-        <p:spPr>
-          <a:xfrm>
-            <a:off x="7408000" y="371711"/>
-            <a:ext cx="4410691" cy="4448796"/>
-          </a:xfrm>
-          <a:prstGeom prst="rect">
-            <a:avLst/>
-          </a:prstGeom>
-        </p:spPr>
-      </p:pic>
-      <p:sp>
-        <p:nvSpPr>
-          <p:cNvPr id="3" name="Rectangle 2">
-            <a:extLst>
-              <a:ext uri="{FF2B5EF4-FFF2-40B4-BE49-F238E27FC236}">
-                <a16:creationId xmlns:a16="http://schemas.microsoft.com/office/drawing/2014/main" id="{7A4F708A-C3BA-4FF5-7590-8953686CE54F}"/>
-              </a:ext>
-            </a:extLst>
-          </p:cNvPr>
-          <p:cNvSpPr/>
-          <p:nvPr/>
-        </p:nvSpPr>
-        <p:spPr>
-          <a:xfrm>
-            <a:off x="1578820" y="1131488"/>
-            <a:ext cx="4680000" cy="4680000"/>
-          </a:xfrm>
-          <a:prstGeom prst="rect">
-            <a:avLst/>
-          </a:prstGeom>
-          <a:noFill/>
-        </p:spPr>
-        <p:style>
-          <a:lnRef idx="2">
-            <a:schemeClr val="accent1">
-              <a:shade val="15000"/>
-            </a:schemeClr>
-          </a:lnRef>
-          <a:fillRef idx="1">
-            <a:schemeClr val="accent1"/>
-          </a:fillRef>
-          <a:effectRef idx="0">
-            <a:schemeClr val="accent1"/>
-          </a:effectRef>
-          <a:fontRef idx="minor">
-            <a:schemeClr val="lt1"/>
-          </a:fontRef>
-        </p:style>
-        <p:txBody>
-          <a:bodyPr rtlCol="0" anchor="ctr"/>
-          <a:lstStyle/>
-          <a:p>
-            <a:pPr algn="ctr"/>
-            <a:endParaRPr lang="fr-FR"/>
-          </a:p>
-        </p:txBody>
-      </p:sp>
-      <p:sp>
-        <p:nvSpPr>
-          <p:cNvPr id="4" name="ZoneTexte 3">
-            <a:extLst>
-              <a:ext uri="{FF2B5EF4-FFF2-40B4-BE49-F238E27FC236}">
-                <a16:creationId xmlns:a16="http://schemas.microsoft.com/office/drawing/2014/main" id="{2ABB8970-9479-EDCC-BB57-29DD6C8A0D7D}"/>
-              </a:ext>
-            </a:extLst>
-          </p:cNvPr>
-          <p:cNvSpPr txBox="1"/>
-          <p:nvPr/>
-        </p:nvSpPr>
-        <p:spPr>
-          <a:xfrm>
-            <a:off x="664421" y="706266"/>
-            <a:ext cx="6427114" cy="2320188"/>
-          </a:xfrm>
-          <a:prstGeom prst="rect">
-            <a:avLst/>
-          </a:prstGeom>
-          <a:noFill/>
-        </p:spPr>
-        <p:txBody>
-          <a:bodyPr wrap="square" lIns="0" tIns="0" rIns="0" bIns="0" rtlCol="0">
-            <a:noAutofit/>
-          </a:bodyPr>
-          <a:lstStyle/>
-          <a:p>
-            <a:pPr algn="ctr"/>
-            <a:r>
-              <a:rPr lang="fr-FR" sz="18000" dirty="0">
-                <a:solidFill>
-                  <a:srgbClr val="FF5B87"/>
-                </a:solidFill>
-                <a:latin typeface="Arial Black" panose="020B0A04020102020204" pitchFamily="34" charset="0"/>
-              </a:rPr>
-              <a:t>FD2</a:t>
-            </a:r>
-          </a:p>
-        </p:txBody>
-      </p:sp>
-      <p:sp>
-        <p:nvSpPr>
-          <p:cNvPr id="5" name="Ellipse 4">
-            <a:extLst>
-              <a:ext uri="{FF2B5EF4-FFF2-40B4-BE49-F238E27FC236}">
-                <a16:creationId xmlns:a16="http://schemas.microsoft.com/office/drawing/2014/main" id="{29604DA8-9E60-11B1-B460-98F42D09C291}"/>
-              </a:ext>
-            </a:extLst>
-          </p:cNvPr>
-          <p:cNvSpPr/>
-          <p:nvPr/>
-        </p:nvSpPr>
-        <p:spPr>
-          <a:xfrm>
-            <a:off x="1966948" y="3205630"/>
-            <a:ext cx="651263" cy="651263"/>
-          </a:xfrm>
-          <a:prstGeom prst="ellipse">
-            <a:avLst/>
-          </a:prstGeom>
-          <a:solidFill>
-            <a:srgbClr val="01A687"/>
-          </a:solidFill>
-          <a:ln w="19050"/>
-        </p:spPr>
-        <p:style>
-          <a:lnRef idx="2">
-            <a:schemeClr val="accent1">
-              <a:shade val="15000"/>
-            </a:schemeClr>
-          </a:lnRef>
-          <a:fillRef idx="1">
-            <a:schemeClr val="accent1"/>
-          </a:fillRef>
-          <a:effectRef idx="0">
-            <a:schemeClr val="accent1"/>
-          </a:effectRef>
-          <a:fontRef idx="minor">
-            <a:schemeClr val="lt1"/>
-          </a:fontRef>
-        </p:style>
-        <p:txBody>
-          <a:bodyPr rtlCol="0" anchor="ctr"/>
-          <a:lstStyle/>
-          <a:p>
-            <a:pPr algn="ctr"/>
-            <a:endParaRPr lang="fr-FR"/>
-          </a:p>
-        </p:txBody>
-      </p:sp>
-      <p:sp>
-        <p:nvSpPr>
-          <p:cNvPr id="6" name="Ellipse 5">
-            <a:extLst>
-              <a:ext uri="{FF2B5EF4-FFF2-40B4-BE49-F238E27FC236}">
-                <a16:creationId xmlns:a16="http://schemas.microsoft.com/office/drawing/2014/main" id="{E4C4FD33-9203-1124-8557-BE06A8891B6B}"/>
-              </a:ext>
-            </a:extLst>
-          </p:cNvPr>
-          <p:cNvSpPr/>
-          <p:nvPr/>
-        </p:nvSpPr>
-        <p:spPr>
-          <a:xfrm>
-            <a:off x="1966948" y="4093339"/>
-            <a:ext cx="651263" cy="651263"/>
-          </a:xfrm>
-          <a:prstGeom prst="ellipse">
-            <a:avLst/>
-          </a:prstGeom>
-          <a:solidFill>
-            <a:srgbClr val="FC9E41"/>
-          </a:solidFill>
-          <a:ln w="19050"/>
-        </p:spPr>
-        <p:style>
-          <a:lnRef idx="2">
-            <a:schemeClr val="accent1">
-              <a:shade val="15000"/>
-            </a:schemeClr>
-          </a:lnRef>
-          <a:fillRef idx="1">
-            <a:schemeClr val="accent1"/>
-          </a:fillRef>
-          <a:effectRef idx="0">
-            <a:schemeClr val="accent1"/>
-          </a:effectRef>
-          <a:fontRef idx="minor">
-            <a:schemeClr val="lt1"/>
-          </a:fontRef>
-        </p:style>
-        <p:txBody>
-          <a:bodyPr rtlCol="0" anchor="ctr"/>
-          <a:lstStyle/>
-          <a:p>
-            <a:pPr algn="ctr"/>
-            <a:endParaRPr lang="fr-FR"/>
-          </a:p>
-        </p:txBody>
-      </p:sp>
-      <p:sp>
-        <p:nvSpPr>
-          <p:cNvPr id="7" name="Ellipse 6">
-            <a:extLst>
-              <a:ext uri="{FF2B5EF4-FFF2-40B4-BE49-F238E27FC236}">
-                <a16:creationId xmlns:a16="http://schemas.microsoft.com/office/drawing/2014/main" id="{EAD2C17C-3A96-670B-7A2E-A1BCE07BC8C6}"/>
-              </a:ext>
-            </a:extLst>
-          </p:cNvPr>
-          <p:cNvSpPr/>
-          <p:nvPr/>
-        </p:nvSpPr>
-        <p:spPr>
-          <a:xfrm>
-            <a:off x="1966948" y="4981048"/>
-            <a:ext cx="651263" cy="651263"/>
-          </a:xfrm>
-          <a:prstGeom prst="ellipse">
-            <a:avLst/>
-          </a:prstGeom>
-          <a:solidFill>
-            <a:srgbClr val="7F44CC"/>
-          </a:solidFill>
-          <a:ln w="19050"/>
-        </p:spPr>
-        <p:style>
-          <a:lnRef idx="2">
-            <a:schemeClr val="accent1">
-              <a:shade val="15000"/>
-            </a:schemeClr>
-          </a:lnRef>
-          <a:fillRef idx="1">
-            <a:schemeClr val="accent1"/>
-          </a:fillRef>
-          <a:effectRef idx="0">
-            <a:schemeClr val="accent1"/>
-          </a:effectRef>
-          <a:fontRef idx="minor">
-            <a:schemeClr val="lt1"/>
-          </a:fontRef>
-        </p:style>
-        <p:txBody>
-          <a:bodyPr rtlCol="0" anchor="ctr"/>
-          <a:lstStyle/>
-          <a:p>
-            <a:pPr algn="ctr"/>
-            <a:endParaRPr lang="fr-FR"/>
-          </a:p>
-        </p:txBody>
-      </p:sp>
-      <p:sp>
-        <p:nvSpPr>
-          <p:cNvPr id="8" name="Ellipse 7">
-            <a:extLst>
-              <a:ext uri="{FF2B5EF4-FFF2-40B4-BE49-F238E27FC236}">
-                <a16:creationId xmlns:a16="http://schemas.microsoft.com/office/drawing/2014/main" id="{0A8464FB-81AB-3013-4D23-E66710B3ABED}"/>
-              </a:ext>
-            </a:extLst>
-          </p:cNvPr>
-          <p:cNvSpPr/>
-          <p:nvPr/>
-        </p:nvSpPr>
-        <p:spPr>
-          <a:xfrm>
-            <a:off x="3464783" y="3205630"/>
-            <a:ext cx="651263" cy="651263"/>
-          </a:xfrm>
-          <a:prstGeom prst="ellipse">
-            <a:avLst/>
-          </a:prstGeom>
-          <a:solidFill>
-            <a:srgbClr val="67DAB7"/>
-          </a:solidFill>
-          <a:ln w="19050"/>
-        </p:spPr>
-        <p:style>
-          <a:lnRef idx="2">
-            <a:schemeClr val="accent1">
-              <a:shade val="15000"/>
-            </a:schemeClr>
-          </a:lnRef>
-          <a:fillRef idx="1">
-            <a:schemeClr val="accent1"/>
-          </a:fillRef>
-          <a:effectRef idx="0">
-            <a:schemeClr val="accent1"/>
-          </a:effectRef>
-          <a:fontRef idx="minor">
-            <a:schemeClr val="lt1"/>
-          </a:fontRef>
-        </p:style>
-        <p:txBody>
-          <a:bodyPr rtlCol="0" anchor="ctr"/>
-          <a:lstStyle/>
-          <a:p>
-            <a:pPr algn="ctr"/>
-            <a:endParaRPr lang="fr-FR"/>
-          </a:p>
-        </p:txBody>
-      </p:sp>
-      <p:sp>
-        <p:nvSpPr>
-          <p:cNvPr id="9" name="Ellipse 8">
-            <a:extLst>
-              <a:ext uri="{FF2B5EF4-FFF2-40B4-BE49-F238E27FC236}">
-                <a16:creationId xmlns:a16="http://schemas.microsoft.com/office/drawing/2014/main" id="{C8E192A1-8992-582E-FBAE-419E7E89BDE3}"/>
-              </a:ext>
-            </a:extLst>
-          </p:cNvPr>
-          <p:cNvSpPr/>
-          <p:nvPr/>
-        </p:nvSpPr>
-        <p:spPr>
-          <a:xfrm>
-            <a:off x="3464783" y="4093339"/>
-            <a:ext cx="651263" cy="651263"/>
-          </a:xfrm>
-          <a:prstGeom prst="ellipse">
-            <a:avLst/>
-          </a:prstGeom>
-          <a:solidFill>
-            <a:srgbClr val="FFB9B8"/>
-          </a:solidFill>
-          <a:ln w="19050"/>
-        </p:spPr>
-        <p:style>
-          <a:lnRef idx="2">
-            <a:schemeClr val="accent1">
-              <a:shade val="15000"/>
-            </a:schemeClr>
-          </a:lnRef>
-          <a:fillRef idx="1">
-            <a:schemeClr val="accent1"/>
-          </a:fillRef>
-          <a:effectRef idx="0">
-            <a:schemeClr val="accent1"/>
-          </a:effectRef>
-          <a:fontRef idx="minor">
-            <a:schemeClr val="lt1"/>
-          </a:fontRef>
-        </p:style>
-        <p:txBody>
-          <a:bodyPr rtlCol="0" anchor="ctr"/>
-          <a:lstStyle/>
-          <a:p>
-            <a:pPr algn="ctr"/>
-            <a:endParaRPr lang="fr-FR"/>
-          </a:p>
-        </p:txBody>
-      </p:sp>
-      <p:sp>
-        <p:nvSpPr>
-          <p:cNvPr id="10" name="Ellipse 9">
-            <a:extLst>
-              <a:ext uri="{FF2B5EF4-FFF2-40B4-BE49-F238E27FC236}">
-                <a16:creationId xmlns:a16="http://schemas.microsoft.com/office/drawing/2014/main" id="{7D2BA2AE-E3F9-83CC-E17D-D8730E23A01D}"/>
-              </a:ext>
-            </a:extLst>
-          </p:cNvPr>
-          <p:cNvSpPr/>
-          <p:nvPr/>
-        </p:nvSpPr>
-        <p:spPr>
-          <a:xfrm>
-            <a:off x="3464783" y="4981048"/>
-            <a:ext cx="651263" cy="651263"/>
-          </a:xfrm>
-          <a:prstGeom prst="ellipse">
-            <a:avLst/>
-          </a:prstGeom>
-          <a:solidFill>
-            <a:srgbClr val="FCC971"/>
-          </a:solidFill>
-          <a:ln w="19050"/>
-        </p:spPr>
-        <p:style>
-          <a:lnRef idx="2">
-            <a:schemeClr val="accent1">
-              <a:shade val="15000"/>
-            </a:schemeClr>
-          </a:lnRef>
-          <a:fillRef idx="1">
-            <a:schemeClr val="accent1"/>
-          </a:fillRef>
-          <a:effectRef idx="0">
-            <a:schemeClr val="accent1"/>
-          </a:effectRef>
-          <a:fontRef idx="minor">
-            <a:schemeClr val="lt1"/>
-          </a:fontRef>
-        </p:style>
-        <p:txBody>
-          <a:bodyPr rtlCol="0" anchor="ctr"/>
-          <a:lstStyle/>
-          <a:p>
-            <a:pPr algn="ctr"/>
-            <a:endParaRPr lang="fr-FR"/>
-          </a:p>
-        </p:txBody>
-      </p:sp>
-      <p:sp>
-        <p:nvSpPr>
-          <p:cNvPr id="11" name="Ellipse 10">
-            <a:extLst>
-              <a:ext uri="{FF2B5EF4-FFF2-40B4-BE49-F238E27FC236}">
-                <a16:creationId xmlns:a16="http://schemas.microsoft.com/office/drawing/2014/main" id="{5173BCFB-152C-1E6A-4D05-040D6CE225FF}"/>
-              </a:ext>
-            </a:extLst>
-          </p:cNvPr>
-          <p:cNvSpPr/>
-          <p:nvPr/>
-        </p:nvSpPr>
-        <p:spPr>
-          <a:xfrm>
-            <a:off x="5169690" y="4093338"/>
-            <a:ext cx="651263" cy="651263"/>
-          </a:xfrm>
-          <a:prstGeom prst="ellipse">
-            <a:avLst/>
-          </a:prstGeom>
-          <a:solidFill>
-            <a:srgbClr val="FF5B87"/>
-          </a:solidFill>
-          <a:ln w="19050"/>
-        </p:spPr>
-        <p:style>
-          <a:lnRef idx="2">
-            <a:schemeClr val="accent1">
-              <a:shade val="15000"/>
-            </a:schemeClr>
-          </a:lnRef>
-          <a:fillRef idx="1">
-            <a:schemeClr val="accent1"/>
-          </a:fillRef>
-          <a:effectRef idx="0">
-            <a:schemeClr val="accent1"/>
-          </a:effectRef>
-          <a:fontRef idx="minor">
-            <a:schemeClr val="lt1"/>
-          </a:fontRef>
-        </p:style>
-        <p:txBody>
-          <a:bodyPr rtlCol="0" anchor="ctr"/>
-          <a:lstStyle/>
-          <a:p>
-            <a:pPr algn="ctr"/>
-            <a:endParaRPr lang="fr-FR"/>
-          </a:p>
-        </p:txBody>
-      </p:sp>
-      <p:cxnSp>
-        <p:nvCxnSpPr>
-          <p:cNvPr id="13" name="Connecteur droit 12">
-            <a:extLst>
-              <a:ext uri="{FF2B5EF4-FFF2-40B4-BE49-F238E27FC236}">
-                <a16:creationId xmlns:a16="http://schemas.microsoft.com/office/drawing/2014/main" id="{54C1F1B6-8DB0-AEA3-BF96-D1488FE83982}"/>
-              </a:ext>
-            </a:extLst>
-          </p:cNvPr>
-          <p:cNvCxnSpPr>
-            <a:cxnSpLocks/>
-            <a:stCxn id="7" idx="6"/>
-            <a:endCxn id="8" idx="2"/>
-          </p:cNvCxnSpPr>
-          <p:nvPr/>
-        </p:nvCxnSpPr>
-        <p:spPr>
-          <a:xfrm flipV="1">
-            <a:off x="2618211" y="3531262"/>
-            <a:ext cx="846572" cy="1775418"/>
-          </a:xfrm>
-          <a:prstGeom prst="line">
-            <a:avLst/>
-          </a:prstGeom>
-          <a:ln w="76200">
-            <a:solidFill>
-              <a:srgbClr val="223C53"/>
-            </a:solidFill>
-          </a:ln>
-        </p:spPr>
-        <p:style>
-          <a:lnRef idx="1">
-            <a:schemeClr val="accent1"/>
-          </a:lnRef>
-          <a:fillRef idx="0">
-            <a:schemeClr val="accent1"/>
-          </a:fillRef>
-          <a:effectRef idx="0">
-            <a:schemeClr val="accent1"/>
-          </a:effectRef>
-          <a:fontRef idx="minor">
-            <a:schemeClr val="tx1"/>
-          </a:fontRef>
-        </p:style>
-      </p:cxnSp>
-      <p:cxnSp>
-        <p:nvCxnSpPr>
-          <p:cNvPr id="16" name="Connecteur droit 15">
-            <a:extLst>
-              <a:ext uri="{FF2B5EF4-FFF2-40B4-BE49-F238E27FC236}">
-                <a16:creationId xmlns:a16="http://schemas.microsoft.com/office/drawing/2014/main" id="{A3A5520D-B85E-7504-D713-7F8E6A78CDD8}"/>
-              </a:ext>
-            </a:extLst>
-          </p:cNvPr>
-          <p:cNvCxnSpPr>
-            <a:cxnSpLocks/>
-            <a:stCxn id="6" idx="6"/>
-            <a:endCxn id="8" idx="2"/>
-          </p:cNvCxnSpPr>
-          <p:nvPr/>
-        </p:nvCxnSpPr>
-        <p:spPr>
-          <a:xfrm flipV="1">
-            <a:off x="2618211" y="3531262"/>
-            <a:ext cx="846572" cy="887709"/>
-          </a:xfrm>
-          <a:prstGeom prst="line">
-            <a:avLst/>
-          </a:prstGeom>
-          <a:ln w="76200">
-            <a:solidFill>
-              <a:srgbClr val="223C53"/>
-            </a:solidFill>
-          </a:ln>
-        </p:spPr>
-        <p:style>
-          <a:lnRef idx="1">
-            <a:schemeClr val="accent1"/>
-          </a:lnRef>
-          <a:fillRef idx="0">
-            <a:schemeClr val="accent1"/>
-          </a:fillRef>
-          <a:effectRef idx="0">
-            <a:schemeClr val="accent1"/>
-          </a:effectRef>
-          <a:fontRef idx="minor">
-            <a:schemeClr val="tx1"/>
-          </a:fontRef>
-        </p:style>
-      </p:cxnSp>
-      <p:cxnSp>
-        <p:nvCxnSpPr>
-          <p:cNvPr id="19" name="Connecteur droit 18">
-            <a:extLst>
-              <a:ext uri="{FF2B5EF4-FFF2-40B4-BE49-F238E27FC236}">
-                <a16:creationId xmlns:a16="http://schemas.microsoft.com/office/drawing/2014/main" id="{72272B45-7912-42D6-4B14-CEDD9933D1F2}"/>
-              </a:ext>
-            </a:extLst>
-          </p:cNvPr>
-          <p:cNvCxnSpPr>
-            <a:cxnSpLocks/>
-            <a:stCxn id="5" idx="6"/>
-            <a:endCxn id="8" idx="2"/>
-          </p:cNvCxnSpPr>
-          <p:nvPr/>
-        </p:nvCxnSpPr>
-        <p:spPr>
-          <a:xfrm>
-            <a:off x="2618211" y="3531262"/>
-            <a:ext cx="846572" cy="0"/>
-          </a:xfrm>
-          <a:prstGeom prst="line">
-            <a:avLst/>
-          </a:prstGeom>
-          <a:ln w="76200">
-            <a:solidFill>
-              <a:srgbClr val="223C53"/>
-            </a:solidFill>
-          </a:ln>
-        </p:spPr>
-        <p:style>
-          <a:lnRef idx="1">
-            <a:schemeClr val="accent1"/>
-          </a:lnRef>
-          <a:fillRef idx="0">
-            <a:schemeClr val="accent1"/>
-          </a:fillRef>
-          <a:effectRef idx="0">
-            <a:schemeClr val="accent1"/>
-          </a:effectRef>
-          <a:fontRef idx="minor">
-            <a:schemeClr val="tx1"/>
-          </a:fontRef>
-        </p:style>
-      </p:cxnSp>
-      <p:cxnSp>
-        <p:nvCxnSpPr>
-          <p:cNvPr id="22" name="Connecteur droit 21">
-            <a:extLst>
-              <a:ext uri="{FF2B5EF4-FFF2-40B4-BE49-F238E27FC236}">
-                <a16:creationId xmlns:a16="http://schemas.microsoft.com/office/drawing/2014/main" id="{E411EFCD-DA1D-B236-C524-CF43F4B827E2}"/>
-              </a:ext>
-            </a:extLst>
-          </p:cNvPr>
-          <p:cNvCxnSpPr>
-            <a:cxnSpLocks/>
-            <a:stCxn id="8" idx="6"/>
-            <a:endCxn id="11" idx="2"/>
-          </p:cNvCxnSpPr>
-          <p:nvPr/>
-        </p:nvCxnSpPr>
-        <p:spPr>
-          <a:xfrm>
-            <a:off x="4116046" y="3531262"/>
-            <a:ext cx="1053644" cy="887708"/>
-          </a:xfrm>
-          <a:prstGeom prst="line">
-            <a:avLst/>
-          </a:prstGeom>
-          <a:ln w="76200">
-            <a:solidFill>
-              <a:srgbClr val="223C53"/>
-            </a:solidFill>
-          </a:ln>
-        </p:spPr>
-        <p:style>
-          <a:lnRef idx="1">
-            <a:schemeClr val="accent1"/>
-          </a:lnRef>
-          <a:fillRef idx="0">
-            <a:schemeClr val="accent1"/>
-          </a:fillRef>
-          <a:effectRef idx="0">
-            <a:schemeClr val="accent1"/>
-          </a:effectRef>
-          <a:fontRef idx="minor">
-            <a:schemeClr val="tx1"/>
-          </a:fontRef>
-        </p:style>
-      </p:cxnSp>
-      <p:cxnSp>
-        <p:nvCxnSpPr>
-          <p:cNvPr id="25" name="Connecteur droit 24">
-            <a:extLst>
-              <a:ext uri="{FF2B5EF4-FFF2-40B4-BE49-F238E27FC236}">
-                <a16:creationId xmlns:a16="http://schemas.microsoft.com/office/drawing/2014/main" id="{F78CCFE0-CE6E-2650-E6F6-ABD39CDA2DB8}"/>
-              </a:ext>
-            </a:extLst>
-          </p:cNvPr>
-          <p:cNvCxnSpPr>
-            <a:cxnSpLocks/>
-            <a:stCxn id="9" idx="6"/>
-            <a:endCxn id="11" idx="2"/>
-          </p:cNvCxnSpPr>
-          <p:nvPr/>
-        </p:nvCxnSpPr>
-        <p:spPr>
-          <a:xfrm flipV="1">
-            <a:off x="4116046" y="4418970"/>
-            <a:ext cx="1053644" cy="1"/>
-          </a:xfrm>
-          <a:prstGeom prst="line">
-            <a:avLst/>
-          </a:prstGeom>
-          <a:ln w="76200">
-            <a:solidFill>
-              <a:srgbClr val="223C53"/>
-            </a:solidFill>
-          </a:ln>
-        </p:spPr>
-        <p:style>
-          <a:lnRef idx="1">
-            <a:schemeClr val="accent1"/>
-          </a:lnRef>
-          <a:fillRef idx="0">
-            <a:schemeClr val="accent1"/>
-          </a:fillRef>
-          <a:effectRef idx="0">
-            <a:schemeClr val="accent1"/>
-          </a:effectRef>
-          <a:fontRef idx="minor">
-            <a:schemeClr val="tx1"/>
-          </a:fontRef>
-        </p:style>
-      </p:cxnSp>
-      <p:cxnSp>
-        <p:nvCxnSpPr>
-          <p:cNvPr id="28" name="Connecteur droit 27">
-            <a:extLst>
-              <a:ext uri="{FF2B5EF4-FFF2-40B4-BE49-F238E27FC236}">
-                <a16:creationId xmlns:a16="http://schemas.microsoft.com/office/drawing/2014/main" id="{04DED15A-9958-908A-340C-B18FFA03105C}"/>
-              </a:ext>
-            </a:extLst>
-          </p:cNvPr>
-          <p:cNvCxnSpPr>
-            <a:cxnSpLocks/>
-            <a:stCxn id="10" idx="6"/>
-            <a:endCxn id="11" idx="2"/>
-          </p:cNvCxnSpPr>
-          <p:nvPr/>
-        </p:nvCxnSpPr>
-        <p:spPr>
-          <a:xfrm flipV="1">
-            <a:off x="4116046" y="4418970"/>
-            <a:ext cx="1053644" cy="887710"/>
-          </a:xfrm>
-          <a:prstGeom prst="line">
-            <a:avLst/>
-          </a:prstGeom>
-          <a:ln w="76200">
-            <a:solidFill>
-              <a:srgbClr val="223C53"/>
-            </a:solidFill>
-          </a:ln>
-        </p:spPr>
-        <p:style>
-          <a:lnRef idx="1">
-            <a:schemeClr val="accent1"/>
-          </a:lnRef>
-          <a:fillRef idx="0">
-            <a:schemeClr val="accent1"/>
-          </a:fillRef>
-          <a:effectRef idx="0">
-            <a:schemeClr val="accent1"/>
-          </a:effectRef>
-          <a:fontRef idx="minor">
-            <a:schemeClr val="tx1"/>
-          </a:fontRef>
-        </p:style>
-      </p:cxnSp>
-      <p:cxnSp>
-        <p:nvCxnSpPr>
-          <p:cNvPr id="31" name="Connecteur droit 30">
-            <a:extLst>
-              <a:ext uri="{FF2B5EF4-FFF2-40B4-BE49-F238E27FC236}">
-                <a16:creationId xmlns:a16="http://schemas.microsoft.com/office/drawing/2014/main" id="{F1F2574D-7056-2A91-106B-6BBC7C3C9EC1}"/>
-              </a:ext>
-            </a:extLst>
-          </p:cNvPr>
-          <p:cNvCxnSpPr>
-            <a:cxnSpLocks/>
-            <a:stCxn id="5" idx="6"/>
-            <a:endCxn id="9" idx="2"/>
-          </p:cNvCxnSpPr>
-          <p:nvPr/>
-        </p:nvCxnSpPr>
-        <p:spPr>
-          <a:xfrm>
-            <a:off x="2618211" y="3531262"/>
-            <a:ext cx="846572" cy="887709"/>
-          </a:xfrm>
-          <a:prstGeom prst="line">
-            <a:avLst/>
-          </a:prstGeom>
-          <a:ln w="76200">
-            <a:solidFill>
-              <a:srgbClr val="223C53"/>
-            </a:solidFill>
-          </a:ln>
-        </p:spPr>
-        <p:style>
-          <a:lnRef idx="1">
-            <a:schemeClr val="accent1"/>
-          </a:lnRef>
-          <a:fillRef idx="0">
-            <a:schemeClr val="accent1"/>
-          </a:fillRef>
-          <a:effectRef idx="0">
-            <a:schemeClr val="accent1"/>
-          </a:effectRef>
-          <a:fontRef idx="minor">
-            <a:schemeClr val="tx1"/>
-          </a:fontRef>
-        </p:style>
-      </p:cxnSp>
-      <p:cxnSp>
-        <p:nvCxnSpPr>
-          <p:cNvPr id="34" name="Connecteur droit 33">
-            <a:extLst>
-              <a:ext uri="{FF2B5EF4-FFF2-40B4-BE49-F238E27FC236}">
-                <a16:creationId xmlns:a16="http://schemas.microsoft.com/office/drawing/2014/main" id="{C0F638E3-DAEC-BDDE-671D-EB9273138A74}"/>
-              </a:ext>
-            </a:extLst>
-          </p:cNvPr>
-          <p:cNvCxnSpPr>
-            <a:cxnSpLocks/>
-            <a:stCxn id="6" idx="6"/>
-            <a:endCxn id="10" idx="2"/>
-          </p:cNvCxnSpPr>
-          <p:nvPr/>
-        </p:nvCxnSpPr>
-        <p:spPr>
-          <a:xfrm>
-            <a:off x="2618211" y="4418971"/>
-            <a:ext cx="846572" cy="887709"/>
-          </a:xfrm>
-          <a:prstGeom prst="line">
-            <a:avLst/>
-          </a:prstGeom>
-          <a:ln w="76200">
-            <a:solidFill>
-              <a:srgbClr val="223C53"/>
-            </a:solidFill>
-          </a:ln>
-        </p:spPr>
-        <p:style>
-          <a:lnRef idx="1">
-            <a:schemeClr val="accent1"/>
-          </a:lnRef>
-          <a:fillRef idx="0">
-            <a:schemeClr val="accent1"/>
-          </a:fillRef>
-          <a:effectRef idx="0">
-            <a:schemeClr val="accent1"/>
-          </a:effectRef>
-          <a:fontRef idx="minor">
-            <a:schemeClr val="tx1"/>
-          </a:fontRef>
-        </p:style>
-      </p:cxnSp>
-      <p:cxnSp>
-        <p:nvCxnSpPr>
-          <p:cNvPr id="37" name="Connecteur droit 36">
-            <a:extLst>
-              <a:ext uri="{FF2B5EF4-FFF2-40B4-BE49-F238E27FC236}">
-                <a16:creationId xmlns:a16="http://schemas.microsoft.com/office/drawing/2014/main" id="{82F44799-CDB3-8A85-7240-0653C4C4936E}"/>
-              </a:ext>
-            </a:extLst>
-          </p:cNvPr>
-          <p:cNvCxnSpPr>
-            <a:cxnSpLocks/>
-            <a:stCxn id="7" idx="6"/>
-            <a:endCxn id="10" idx="2"/>
-          </p:cNvCxnSpPr>
-          <p:nvPr/>
-        </p:nvCxnSpPr>
-        <p:spPr>
-          <a:xfrm>
-            <a:off x="2618211" y="5306680"/>
-            <a:ext cx="846572" cy="0"/>
-          </a:xfrm>
-          <a:prstGeom prst="line">
-            <a:avLst/>
-          </a:prstGeom>
-          <a:ln w="76200">
-            <a:solidFill>
-              <a:srgbClr val="223C53"/>
-            </a:solidFill>
-          </a:ln>
-        </p:spPr>
-        <p:style>
-          <a:lnRef idx="1">
-            <a:schemeClr val="accent1"/>
-          </a:lnRef>
-          <a:fillRef idx="0">
-            <a:schemeClr val="accent1"/>
-          </a:fillRef>
-          <a:effectRef idx="0">
-            <a:schemeClr val="accent1"/>
-          </a:effectRef>
-          <a:fontRef idx="minor">
-            <a:schemeClr val="tx1"/>
-          </a:fontRef>
-        </p:style>
-      </p:cxnSp>
-      <p:cxnSp>
-        <p:nvCxnSpPr>
-          <p:cNvPr id="40" name="Connecteur droit 39">
-            <a:extLst>
-              <a:ext uri="{FF2B5EF4-FFF2-40B4-BE49-F238E27FC236}">
-                <a16:creationId xmlns:a16="http://schemas.microsoft.com/office/drawing/2014/main" id="{EA971000-7883-A692-CD4B-B0FE20013EBA}"/>
-              </a:ext>
-            </a:extLst>
-          </p:cNvPr>
-          <p:cNvCxnSpPr>
-            <a:cxnSpLocks/>
-            <a:stCxn id="6" idx="6"/>
-            <a:endCxn id="9" idx="2"/>
-          </p:cNvCxnSpPr>
-          <p:nvPr/>
-        </p:nvCxnSpPr>
-        <p:spPr>
-          <a:xfrm>
-            <a:off x="2618211" y="4418971"/>
-            <a:ext cx="846572" cy="0"/>
-          </a:xfrm>
-          <a:prstGeom prst="line">
-            <a:avLst/>
-          </a:prstGeom>
-          <a:ln w="76200">
-            <a:solidFill>
-              <a:srgbClr val="223C53"/>
-            </a:solidFill>
-          </a:ln>
-        </p:spPr>
-        <p:style>
-          <a:lnRef idx="1">
-            <a:schemeClr val="accent1"/>
-          </a:lnRef>
-          <a:fillRef idx="0">
-            <a:schemeClr val="accent1"/>
-          </a:fillRef>
-          <a:effectRef idx="0">
-            <a:schemeClr val="accent1"/>
-          </a:effectRef>
-          <a:fontRef idx="minor">
-            <a:schemeClr val="tx1"/>
-          </a:fontRef>
-        </p:style>
-      </p:cxnSp>
-      <p:cxnSp>
-        <p:nvCxnSpPr>
-          <p:cNvPr id="43" name="Connecteur droit 42">
-            <a:extLst>
-              <a:ext uri="{FF2B5EF4-FFF2-40B4-BE49-F238E27FC236}">
-                <a16:creationId xmlns:a16="http://schemas.microsoft.com/office/drawing/2014/main" id="{DFC781D3-0218-4A0D-B8F0-6058B33B16BC}"/>
-              </a:ext>
-            </a:extLst>
-          </p:cNvPr>
-          <p:cNvCxnSpPr>
-            <a:cxnSpLocks/>
-            <a:stCxn id="7" idx="6"/>
-            <a:endCxn id="9" idx="2"/>
-          </p:cNvCxnSpPr>
-          <p:nvPr/>
-        </p:nvCxnSpPr>
-        <p:spPr>
-          <a:xfrm flipV="1">
-            <a:off x="2618211" y="4418971"/>
-            <a:ext cx="846572" cy="887709"/>
-          </a:xfrm>
-          <a:prstGeom prst="line">
-            <a:avLst/>
-          </a:prstGeom>
-          <a:ln w="76200">
-            <a:solidFill>
-              <a:srgbClr val="223C53"/>
-            </a:solidFill>
-          </a:ln>
-        </p:spPr>
-        <p:style>
-          <a:lnRef idx="1">
-            <a:schemeClr val="accent1"/>
-          </a:lnRef>
-          <a:fillRef idx="0">
-            <a:schemeClr val="accent1"/>
-          </a:fillRef>
-          <a:effectRef idx="0">
-            <a:schemeClr val="accent1"/>
-          </a:effectRef>
-          <a:fontRef idx="minor">
-            <a:schemeClr val="tx1"/>
-          </a:fontRef>
-        </p:style>
-      </p:cxnSp>
-    </p:spTree>
-    <p:extLst>
-      <p:ext uri="{BB962C8B-B14F-4D97-AF65-F5344CB8AC3E}">
-        <p14:creationId xmlns:p14="http://schemas.microsoft.com/office/powerpoint/2010/main" val="4078890052"/>
       </p:ext>
     </p:extLst>
   </p:cSld>
@@ -38377,6 +40036,999 @@
       </p:grpSpPr>
       <p:pic>
         <p:nvPicPr>
+          <p:cNvPr id="2" name="Image 1">
+            <a:extLst>
+              <a:ext uri="{FF2B5EF4-FFF2-40B4-BE49-F238E27FC236}">
+                <a16:creationId xmlns:a16="http://schemas.microsoft.com/office/drawing/2014/main" id="{3426B4B1-03A7-D14F-A04A-DE3D85C32A2E}"/>
+              </a:ext>
+            </a:extLst>
+          </p:cNvPr>
+          <p:cNvPicPr>
+            <a:picLocks noChangeAspect="1"/>
+          </p:cNvPicPr>
+          <p:nvPr/>
+        </p:nvPicPr>
+        <p:blipFill>
+          <a:blip r:embed="rId2"/>
+          <a:stretch>
+            <a:fillRect/>
+          </a:stretch>
+        </p:blipFill>
+        <p:spPr>
+          <a:xfrm>
+            <a:off x="7408000" y="371711"/>
+            <a:ext cx="4410691" cy="4448796"/>
+          </a:xfrm>
+          <a:prstGeom prst="rect">
+            <a:avLst/>
+          </a:prstGeom>
+        </p:spPr>
+      </p:pic>
+      <p:sp>
+        <p:nvSpPr>
+          <p:cNvPr id="3" name="Rectangle 2">
+            <a:extLst>
+              <a:ext uri="{FF2B5EF4-FFF2-40B4-BE49-F238E27FC236}">
+                <a16:creationId xmlns:a16="http://schemas.microsoft.com/office/drawing/2014/main" id="{7A4F708A-C3BA-4FF5-7590-8953686CE54F}"/>
+              </a:ext>
+            </a:extLst>
+          </p:cNvPr>
+          <p:cNvSpPr/>
+          <p:nvPr/>
+        </p:nvSpPr>
+        <p:spPr>
+          <a:xfrm>
+            <a:off x="1578820" y="1131488"/>
+            <a:ext cx="4680000" cy="4680000"/>
+          </a:xfrm>
+          <a:prstGeom prst="rect">
+            <a:avLst/>
+          </a:prstGeom>
+          <a:noFill/>
+        </p:spPr>
+        <p:style>
+          <a:lnRef idx="2">
+            <a:schemeClr val="accent1">
+              <a:shade val="15000"/>
+            </a:schemeClr>
+          </a:lnRef>
+          <a:fillRef idx="1">
+            <a:schemeClr val="accent1"/>
+          </a:fillRef>
+          <a:effectRef idx="0">
+            <a:schemeClr val="accent1"/>
+          </a:effectRef>
+          <a:fontRef idx="minor">
+            <a:schemeClr val="lt1"/>
+          </a:fontRef>
+        </p:style>
+        <p:txBody>
+          <a:bodyPr rtlCol="0" anchor="ctr"/>
+          <a:lstStyle/>
+          <a:p>
+            <a:pPr algn="ctr"/>
+            <a:endParaRPr lang="fr-FR"/>
+          </a:p>
+        </p:txBody>
+      </p:sp>
+      <p:sp>
+        <p:nvSpPr>
+          <p:cNvPr id="4" name="ZoneTexte 3">
+            <a:extLst>
+              <a:ext uri="{FF2B5EF4-FFF2-40B4-BE49-F238E27FC236}">
+                <a16:creationId xmlns:a16="http://schemas.microsoft.com/office/drawing/2014/main" id="{2ABB8970-9479-EDCC-BB57-29DD6C8A0D7D}"/>
+              </a:ext>
+            </a:extLst>
+          </p:cNvPr>
+          <p:cNvSpPr txBox="1"/>
+          <p:nvPr/>
+        </p:nvSpPr>
+        <p:spPr>
+          <a:xfrm>
+            <a:off x="664421" y="706266"/>
+            <a:ext cx="6427114" cy="2320188"/>
+          </a:xfrm>
+          <a:prstGeom prst="rect">
+            <a:avLst/>
+          </a:prstGeom>
+          <a:noFill/>
+        </p:spPr>
+        <p:txBody>
+          <a:bodyPr wrap="square" lIns="0" tIns="0" rIns="0" bIns="0" rtlCol="0">
+            <a:noAutofit/>
+          </a:bodyPr>
+          <a:lstStyle/>
+          <a:p>
+            <a:pPr algn="ctr"/>
+            <a:r>
+              <a:rPr lang="fr-FR" sz="18000" dirty="0">
+                <a:solidFill>
+                  <a:srgbClr val="FF5B87"/>
+                </a:solidFill>
+                <a:latin typeface="Arial Black" panose="020B0A04020102020204" pitchFamily="34" charset="0"/>
+              </a:rPr>
+              <a:t>FD2</a:t>
+            </a:r>
+          </a:p>
+        </p:txBody>
+      </p:sp>
+      <p:sp>
+        <p:nvSpPr>
+          <p:cNvPr id="5" name="Ellipse 4">
+            <a:extLst>
+              <a:ext uri="{FF2B5EF4-FFF2-40B4-BE49-F238E27FC236}">
+                <a16:creationId xmlns:a16="http://schemas.microsoft.com/office/drawing/2014/main" id="{29604DA8-9E60-11B1-B460-98F42D09C291}"/>
+              </a:ext>
+            </a:extLst>
+          </p:cNvPr>
+          <p:cNvSpPr/>
+          <p:nvPr/>
+        </p:nvSpPr>
+        <p:spPr>
+          <a:xfrm>
+            <a:off x="1966948" y="3205630"/>
+            <a:ext cx="651263" cy="651263"/>
+          </a:xfrm>
+          <a:prstGeom prst="ellipse">
+            <a:avLst/>
+          </a:prstGeom>
+          <a:solidFill>
+            <a:srgbClr val="01A687"/>
+          </a:solidFill>
+          <a:ln w="19050"/>
+        </p:spPr>
+        <p:style>
+          <a:lnRef idx="2">
+            <a:schemeClr val="accent1">
+              <a:shade val="15000"/>
+            </a:schemeClr>
+          </a:lnRef>
+          <a:fillRef idx="1">
+            <a:schemeClr val="accent1"/>
+          </a:fillRef>
+          <a:effectRef idx="0">
+            <a:schemeClr val="accent1"/>
+          </a:effectRef>
+          <a:fontRef idx="minor">
+            <a:schemeClr val="lt1"/>
+          </a:fontRef>
+        </p:style>
+        <p:txBody>
+          <a:bodyPr rtlCol="0" anchor="ctr"/>
+          <a:lstStyle/>
+          <a:p>
+            <a:pPr algn="ctr"/>
+            <a:endParaRPr lang="fr-FR"/>
+          </a:p>
+        </p:txBody>
+      </p:sp>
+      <p:sp>
+        <p:nvSpPr>
+          <p:cNvPr id="6" name="Ellipse 5">
+            <a:extLst>
+              <a:ext uri="{FF2B5EF4-FFF2-40B4-BE49-F238E27FC236}">
+                <a16:creationId xmlns:a16="http://schemas.microsoft.com/office/drawing/2014/main" id="{E4C4FD33-9203-1124-8557-BE06A8891B6B}"/>
+              </a:ext>
+            </a:extLst>
+          </p:cNvPr>
+          <p:cNvSpPr/>
+          <p:nvPr/>
+        </p:nvSpPr>
+        <p:spPr>
+          <a:xfrm>
+            <a:off x="1966948" y="4093339"/>
+            <a:ext cx="651263" cy="651263"/>
+          </a:xfrm>
+          <a:prstGeom prst="ellipse">
+            <a:avLst/>
+          </a:prstGeom>
+          <a:solidFill>
+            <a:srgbClr val="FC9E41"/>
+          </a:solidFill>
+          <a:ln w="19050"/>
+        </p:spPr>
+        <p:style>
+          <a:lnRef idx="2">
+            <a:schemeClr val="accent1">
+              <a:shade val="15000"/>
+            </a:schemeClr>
+          </a:lnRef>
+          <a:fillRef idx="1">
+            <a:schemeClr val="accent1"/>
+          </a:fillRef>
+          <a:effectRef idx="0">
+            <a:schemeClr val="accent1"/>
+          </a:effectRef>
+          <a:fontRef idx="minor">
+            <a:schemeClr val="lt1"/>
+          </a:fontRef>
+        </p:style>
+        <p:txBody>
+          <a:bodyPr rtlCol="0" anchor="ctr"/>
+          <a:lstStyle/>
+          <a:p>
+            <a:pPr algn="ctr"/>
+            <a:endParaRPr lang="fr-FR"/>
+          </a:p>
+        </p:txBody>
+      </p:sp>
+      <p:sp>
+        <p:nvSpPr>
+          <p:cNvPr id="7" name="Ellipse 6">
+            <a:extLst>
+              <a:ext uri="{FF2B5EF4-FFF2-40B4-BE49-F238E27FC236}">
+                <a16:creationId xmlns:a16="http://schemas.microsoft.com/office/drawing/2014/main" id="{EAD2C17C-3A96-670B-7A2E-A1BCE07BC8C6}"/>
+              </a:ext>
+            </a:extLst>
+          </p:cNvPr>
+          <p:cNvSpPr/>
+          <p:nvPr/>
+        </p:nvSpPr>
+        <p:spPr>
+          <a:xfrm>
+            <a:off x="1966948" y="4981048"/>
+            <a:ext cx="651263" cy="651263"/>
+          </a:xfrm>
+          <a:prstGeom prst="ellipse">
+            <a:avLst/>
+          </a:prstGeom>
+          <a:solidFill>
+            <a:srgbClr val="7F44CC"/>
+          </a:solidFill>
+          <a:ln w="19050"/>
+        </p:spPr>
+        <p:style>
+          <a:lnRef idx="2">
+            <a:schemeClr val="accent1">
+              <a:shade val="15000"/>
+            </a:schemeClr>
+          </a:lnRef>
+          <a:fillRef idx="1">
+            <a:schemeClr val="accent1"/>
+          </a:fillRef>
+          <a:effectRef idx="0">
+            <a:schemeClr val="accent1"/>
+          </a:effectRef>
+          <a:fontRef idx="minor">
+            <a:schemeClr val="lt1"/>
+          </a:fontRef>
+        </p:style>
+        <p:txBody>
+          <a:bodyPr rtlCol="0" anchor="ctr"/>
+          <a:lstStyle/>
+          <a:p>
+            <a:pPr algn="ctr"/>
+            <a:endParaRPr lang="fr-FR"/>
+          </a:p>
+        </p:txBody>
+      </p:sp>
+      <p:sp>
+        <p:nvSpPr>
+          <p:cNvPr id="8" name="Ellipse 7">
+            <a:extLst>
+              <a:ext uri="{FF2B5EF4-FFF2-40B4-BE49-F238E27FC236}">
+                <a16:creationId xmlns:a16="http://schemas.microsoft.com/office/drawing/2014/main" id="{0A8464FB-81AB-3013-4D23-E66710B3ABED}"/>
+              </a:ext>
+            </a:extLst>
+          </p:cNvPr>
+          <p:cNvSpPr/>
+          <p:nvPr/>
+        </p:nvSpPr>
+        <p:spPr>
+          <a:xfrm>
+            <a:off x="3464783" y="3205630"/>
+            <a:ext cx="651263" cy="651263"/>
+          </a:xfrm>
+          <a:prstGeom prst="ellipse">
+            <a:avLst/>
+          </a:prstGeom>
+          <a:solidFill>
+            <a:srgbClr val="67DAB7"/>
+          </a:solidFill>
+          <a:ln w="19050"/>
+        </p:spPr>
+        <p:style>
+          <a:lnRef idx="2">
+            <a:schemeClr val="accent1">
+              <a:shade val="15000"/>
+            </a:schemeClr>
+          </a:lnRef>
+          <a:fillRef idx="1">
+            <a:schemeClr val="accent1"/>
+          </a:fillRef>
+          <a:effectRef idx="0">
+            <a:schemeClr val="accent1"/>
+          </a:effectRef>
+          <a:fontRef idx="minor">
+            <a:schemeClr val="lt1"/>
+          </a:fontRef>
+        </p:style>
+        <p:txBody>
+          <a:bodyPr rtlCol="0" anchor="ctr"/>
+          <a:lstStyle/>
+          <a:p>
+            <a:pPr algn="ctr"/>
+            <a:endParaRPr lang="fr-FR"/>
+          </a:p>
+        </p:txBody>
+      </p:sp>
+      <p:sp>
+        <p:nvSpPr>
+          <p:cNvPr id="9" name="Ellipse 8">
+            <a:extLst>
+              <a:ext uri="{FF2B5EF4-FFF2-40B4-BE49-F238E27FC236}">
+                <a16:creationId xmlns:a16="http://schemas.microsoft.com/office/drawing/2014/main" id="{C8E192A1-8992-582E-FBAE-419E7E89BDE3}"/>
+              </a:ext>
+            </a:extLst>
+          </p:cNvPr>
+          <p:cNvSpPr/>
+          <p:nvPr/>
+        </p:nvSpPr>
+        <p:spPr>
+          <a:xfrm>
+            <a:off x="3464783" y="4093339"/>
+            <a:ext cx="651263" cy="651263"/>
+          </a:xfrm>
+          <a:prstGeom prst="ellipse">
+            <a:avLst/>
+          </a:prstGeom>
+          <a:solidFill>
+            <a:srgbClr val="FFB9B8"/>
+          </a:solidFill>
+          <a:ln w="19050"/>
+        </p:spPr>
+        <p:style>
+          <a:lnRef idx="2">
+            <a:schemeClr val="accent1">
+              <a:shade val="15000"/>
+            </a:schemeClr>
+          </a:lnRef>
+          <a:fillRef idx="1">
+            <a:schemeClr val="accent1"/>
+          </a:fillRef>
+          <a:effectRef idx="0">
+            <a:schemeClr val="accent1"/>
+          </a:effectRef>
+          <a:fontRef idx="minor">
+            <a:schemeClr val="lt1"/>
+          </a:fontRef>
+        </p:style>
+        <p:txBody>
+          <a:bodyPr rtlCol="0" anchor="ctr"/>
+          <a:lstStyle/>
+          <a:p>
+            <a:pPr algn="ctr"/>
+            <a:endParaRPr lang="fr-FR"/>
+          </a:p>
+        </p:txBody>
+      </p:sp>
+      <p:sp>
+        <p:nvSpPr>
+          <p:cNvPr id="10" name="Ellipse 9">
+            <a:extLst>
+              <a:ext uri="{FF2B5EF4-FFF2-40B4-BE49-F238E27FC236}">
+                <a16:creationId xmlns:a16="http://schemas.microsoft.com/office/drawing/2014/main" id="{7D2BA2AE-E3F9-83CC-E17D-D8730E23A01D}"/>
+              </a:ext>
+            </a:extLst>
+          </p:cNvPr>
+          <p:cNvSpPr/>
+          <p:nvPr/>
+        </p:nvSpPr>
+        <p:spPr>
+          <a:xfrm>
+            <a:off x="3464783" y="4981048"/>
+            <a:ext cx="651263" cy="651263"/>
+          </a:xfrm>
+          <a:prstGeom prst="ellipse">
+            <a:avLst/>
+          </a:prstGeom>
+          <a:solidFill>
+            <a:srgbClr val="FCC971"/>
+          </a:solidFill>
+          <a:ln w="19050"/>
+        </p:spPr>
+        <p:style>
+          <a:lnRef idx="2">
+            <a:schemeClr val="accent1">
+              <a:shade val="15000"/>
+            </a:schemeClr>
+          </a:lnRef>
+          <a:fillRef idx="1">
+            <a:schemeClr val="accent1"/>
+          </a:fillRef>
+          <a:effectRef idx="0">
+            <a:schemeClr val="accent1"/>
+          </a:effectRef>
+          <a:fontRef idx="minor">
+            <a:schemeClr val="lt1"/>
+          </a:fontRef>
+        </p:style>
+        <p:txBody>
+          <a:bodyPr rtlCol="0" anchor="ctr"/>
+          <a:lstStyle/>
+          <a:p>
+            <a:pPr algn="ctr"/>
+            <a:endParaRPr lang="fr-FR"/>
+          </a:p>
+        </p:txBody>
+      </p:sp>
+      <p:sp>
+        <p:nvSpPr>
+          <p:cNvPr id="11" name="Ellipse 10">
+            <a:extLst>
+              <a:ext uri="{FF2B5EF4-FFF2-40B4-BE49-F238E27FC236}">
+                <a16:creationId xmlns:a16="http://schemas.microsoft.com/office/drawing/2014/main" id="{5173BCFB-152C-1E6A-4D05-040D6CE225FF}"/>
+              </a:ext>
+            </a:extLst>
+          </p:cNvPr>
+          <p:cNvSpPr/>
+          <p:nvPr/>
+        </p:nvSpPr>
+        <p:spPr>
+          <a:xfrm>
+            <a:off x="5169690" y="4093338"/>
+            <a:ext cx="651263" cy="651263"/>
+          </a:xfrm>
+          <a:prstGeom prst="ellipse">
+            <a:avLst/>
+          </a:prstGeom>
+          <a:solidFill>
+            <a:srgbClr val="FF5B87"/>
+          </a:solidFill>
+          <a:ln w="19050"/>
+        </p:spPr>
+        <p:style>
+          <a:lnRef idx="2">
+            <a:schemeClr val="accent1">
+              <a:shade val="15000"/>
+            </a:schemeClr>
+          </a:lnRef>
+          <a:fillRef idx="1">
+            <a:schemeClr val="accent1"/>
+          </a:fillRef>
+          <a:effectRef idx="0">
+            <a:schemeClr val="accent1"/>
+          </a:effectRef>
+          <a:fontRef idx="minor">
+            <a:schemeClr val="lt1"/>
+          </a:fontRef>
+        </p:style>
+        <p:txBody>
+          <a:bodyPr rtlCol="0" anchor="ctr"/>
+          <a:lstStyle/>
+          <a:p>
+            <a:pPr algn="ctr"/>
+            <a:endParaRPr lang="fr-FR"/>
+          </a:p>
+        </p:txBody>
+      </p:sp>
+      <p:cxnSp>
+        <p:nvCxnSpPr>
+          <p:cNvPr id="13" name="Connecteur droit 12">
+            <a:extLst>
+              <a:ext uri="{FF2B5EF4-FFF2-40B4-BE49-F238E27FC236}">
+                <a16:creationId xmlns:a16="http://schemas.microsoft.com/office/drawing/2014/main" id="{54C1F1B6-8DB0-AEA3-BF96-D1488FE83982}"/>
+              </a:ext>
+            </a:extLst>
+          </p:cNvPr>
+          <p:cNvCxnSpPr>
+            <a:cxnSpLocks/>
+            <a:stCxn id="7" idx="6"/>
+            <a:endCxn id="8" idx="2"/>
+          </p:cNvCxnSpPr>
+          <p:nvPr/>
+        </p:nvCxnSpPr>
+        <p:spPr>
+          <a:xfrm flipV="1">
+            <a:off x="2618211" y="3531262"/>
+            <a:ext cx="846572" cy="1775418"/>
+          </a:xfrm>
+          <a:prstGeom prst="line">
+            <a:avLst/>
+          </a:prstGeom>
+          <a:ln w="76200">
+            <a:solidFill>
+              <a:srgbClr val="223C53"/>
+            </a:solidFill>
+          </a:ln>
+        </p:spPr>
+        <p:style>
+          <a:lnRef idx="1">
+            <a:schemeClr val="accent1"/>
+          </a:lnRef>
+          <a:fillRef idx="0">
+            <a:schemeClr val="accent1"/>
+          </a:fillRef>
+          <a:effectRef idx="0">
+            <a:schemeClr val="accent1"/>
+          </a:effectRef>
+          <a:fontRef idx="minor">
+            <a:schemeClr val="tx1"/>
+          </a:fontRef>
+        </p:style>
+      </p:cxnSp>
+      <p:cxnSp>
+        <p:nvCxnSpPr>
+          <p:cNvPr id="16" name="Connecteur droit 15">
+            <a:extLst>
+              <a:ext uri="{FF2B5EF4-FFF2-40B4-BE49-F238E27FC236}">
+                <a16:creationId xmlns:a16="http://schemas.microsoft.com/office/drawing/2014/main" id="{A3A5520D-B85E-7504-D713-7F8E6A78CDD8}"/>
+              </a:ext>
+            </a:extLst>
+          </p:cNvPr>
+          <p:cNvCxnSpPr>
+            <a:cxnSpLocks/>
+            <a:stCxn id="6" idx="6"/>
+            <a:endCxn id="8" idx="2"/>
+          </p:cNvCxnSpPr>
+          <p:nvPr/>
+        </p:nvCxnSpPr>
+        <p:spPr>
+          <a:xfrm flipV="1">
+            <a:off x="2618211" y="3531262"/>
+            <a:ext cx="846572" cy="887709"/>
+          </a:xfrm>
+          <a:prstGeom prst="line">
+            <a:avLst/>
+          </a:prstGeom>
+          <a:ln w="76200">
+            <a:solidFill>
+              <a:srgbClr val="223C53"/>
+            </a:solidFill>
+          </a:ln>
+        </p:spPr>
+        <p:style>
+          <a:lnRef idx="1">
+            <a:schemeClr val="accent1"/>
+          </a:lnRef>
+          <a:fillRef idx="0">
+            <a:schemeClr val="accent1"/>
+          </a:fillRef>
+          <a:effectRef idx="0">
+            <a:schemeClr val="accent1"/>
+          </a:effectRef>
+          <a:fontRef idx="minor">
+            <a:schemeClr val="tx1"/>
+          </a:fontRef>
+        </p:style>
+      </p:cxnSp>
+      <p:cxnSp>
+        <p:nvCxnSpPr>
+          <p:cNvPr id="19" name="Connecteur droit 18">
+            <a:extLst>
+              <a:ext uri="{FF2B5EF4-FFF2-40B4-BE49-F238E27FC236}">
+                <a16:creationId xmlns:a16="http://schemas.microsoft.com/office/drawing/2014/main" id="{72272B45-7912-42D6-4B14-CEDD9933D1F2}"/>
+              </a:ext>
+            </a:extLst>
+          </p:cNvPr>
+          <p:cNvCxnSpPr>
+            <a:cxnSpLocks/>
+            <a:stCxn id="5" idx="6"/>
+            <a:endCxn id="8" idx="2"/>
+          </p:cNvCxnSpPr>
+          <p:nvPr/>
+        </p:nvCxnSpPr>
+        <p:spPr>
+          <a:xfrm>
+            <a:off x="2618211" y="3531262"/>
+            <a:ext cx="846572" cy="0"/>
+          </a:xfrm>
+          <a:prstGeom prst="line">
+            <a:avLst/>
+          </a:prstGeom>
+          <a:ln w="76200">
+            <a:solidFill>
+              <a:srgbClr val="223C53"/>
+            </a:solidFill>
+          </a:ln>
+        </p:spPr>
+        <p:style>
+          <a:lnRef idx="1">
+            <a:schemeClr val="accent1"/>
+          </a:lnRef>
+          <a:fillRef idx="0">
+            <a:schemeClr val="accent1"/>
+          </a:fillRef>
+          <a:effectRef idx="0">
+            <a:schemeClr val="accent1"/>
+          </a:effectRef>
+          <a:fontRef idx="minor">
+            <a:schemeClr val="tx1"/>
+          </a:fontRef>
+        </p:style>
+      </p:cxnSp>
+      <p:cxnSp>
+        <p:nvCxnSpPr>
+          <p:cNvPr id="22" name="Connecteur droit 21">
+            <a:extLst>
+              <a:ext uri="{FF2B5EF4-FFF2-40B4-BE49-F238E27FC236}">
+                <a16:creationId xmlns:a16="http://schemas.microsoft.com/office/drawing/2014/main" id="{E411EFCD-DA1D-B236-C524-CF43F4B827E2}"/>
+              </a:ext>
+            </a:extLst>
+          </p:cNvPr>
+          <p:cNvCxnSpPr>
+            <a:cxnSpLocks/>
+            <a:stCxn id="8" idx="6"/>
+            <a:endCxn id="11" idx="2"/>
+          </p:cNvCxnSpPr>
+          <p:nvPr/>
+        </p:nvCxnSpPr>
+        <p:spPr>
+          <a:xfrm>
+            <a:off x="4116046" y="3531262"/>
+            <a:ext cx="1053644" cy="887708"/>
+          </a:xfrm>
+          <a:prstGeom prst="line">
+            <a:avLst/>
+          </a:prstGeom>
+          <a:ln w="76200">
+            <a:solidFill>
+              <a:srgbClr val="223C53"/>
+            </a:solidFill>
+          </a:ln>
+        </p:spPr>
+        <p:style>
+          <a:lnRef idx="1">
+            <a:schemeClr val="accent1"/>
+          </a:lnRef>
+          <a:fillRef idx="0">
+            <a:schemeClr val="accent1"/>
+          </a:fillRef>
+          <a:effectRef idx="0">
+            <a:schemeClr val="accent1"/>
+          </a:effectRef>
+          <a:fontRef idx="minor">
+            <a:schemeClr val="tx1"/>
+          </a:fontRef>
+        </p:style>
+      </p:cxnSp>
+      <p:cxnSp>
+        <p:nvCxnSpPr>
+          <p:cNvPr id="25" name="Connecteur droit 24">
+            <a:extLst>
+              <a:ext uri="{FF2B5EF4-FFF2-40B4-BE49-F238E27FC236}">
+                <a16:creationId xmlns:a16="http://schemas.microsoft.com/office/drawing/2014/main" id="{F78CCFE0-CE6E-2650-E6F6-ABD39CDA2DB8}"/>
+              </a:ext>
+            </a:extLst>
+          </p:cNvPr>
+          <p:cNvCxnSpPr>
+            <a:cxnSpLocks/>
+            <a:stCxn id="9" idx="6"/>
+            <a:endCxn id="11" idx="2"/>
+          </p:cNvCxnSpPr>
+          <p:nvPr/>
+        </p:nvCxnSpPr>
+        <p:spPr>
+          <a:xfrm flipV="1">
+            <a:off x="4116046" y="4418970"/>
+            <a:ext cx="1053644" cy="1"/>
+          </a:xfrm>
+          <a:prstGeom prst="line">
+            <a:avLst/>
+          </a:prstGeom>
+          <a:ln w="76200">
+            <a:solidFill>
+              <a:srgbClr val="223C53"/>
+            </a:solidFill>
+          </a:ln>
+        </p:spPr>
+        <p:style>
+          <a:lnRef idx="1">
+            <a:schemeClr val="accent1"/>
+          </a:lnRef>
+          <a:fillRef idx="0">
+            <a:schemeClr val="accent1"/>
+          </a:fillRef>
+          <a:effectRef idx="0">
+            <a:schemeClr val="accent1"/>
+          </a:effectRef>
+          <a:fontRef idx="minor">
+            <a:schemeClr val="tx1"/>
+          </a:fontRef>
+        </p:style>
+      </p:cxnSp>
+      <p:cxnSp>
+        <p:nvCxnSpPr>
+          <p:cNvPr id="28" name="Connecteur droit 27">
+            <a:extLst>
+              <a:ext uri="{FF2B5EF4-FFF2-40B4-BE49-F238E27FC236}">
+                <a16:creationId xmlns:a16="http://schemas.microsoft.com/office/drawing/2014/main" id="{04DED15A-9958-908A-340C-B18FFA03105C}"/>
+              </a:ext>
+            </a:extLst>
+          </p:cNvPr>
+          <p:cNvCxnSpPr>
+            <a:cxnSpLocks/>
+            <a:stCxn id="10" idx="6"/>
+            <a:endCxn id="11" idx="2"/>
+          </p:cNvCxnSpPr>
+          <p:nvPr/>
+        </p:nvCxnSpPr>
+        <p:spPr>
+          <a:xfrm flipV="1">
+            <a:off x="4116046" y="4418970"/>
+            <a:ext cx="1053644" cy="887710"/>
+          </a:xfrm>
+          <a:prstGeom prst="line">
+            <a:avLst/>
+          </a:prstGeom>
+          <a:ln w="76200">
+            <a:solidFill>
+              <a:srgbClr val="223C53"/>
+            </a:solidFill>
+          </a:ln>
+        </p:spPr>
+        <p:style>
+          <a:lnRef idx="1">
+            <a:schemeClr val="accent1"/>
+          </a:lnRef>
+          <a:fillRef idx="0">
+            <a:schemeClr val="accent1"/>
+          </a:fillRef>
+          <a:effectRef idx="0">
+            <a:schemeClr val="accent1"/>
+          </a:effectRef>
+          <a:fontRef idx="minor">
+            <a:schemeClr val="tx1"/>
+          </a:fontRef>
+        </p:style>
+      </p:cxnSp>
+      <p:cxnSp>
+        <p:nvCxnSpPr>
+          <p:cNvPr id="31" name="Connecteur droit 30">
+            <a:extLst>
+              <a:ext uri="{FF2B5EF4-FFF2-40B4-BE49-F238E27FC236}">
+                <a16:creationId xmlns:a16="http://schemas.microsoft.com/office/drawing/2014/main" id="{F1F2574D-7056-2A91-106B-6BBC7C3C9EC1}"/>
+              </a:ext>
+            </a:extLst>
+          </p:cNvPr>
+          <p:cNvCxnSpPr>
+            <a:cxnSpLocks/>
+            <a:stCxn id="5" idx="6"/>
+            <a:endCxn id="9" idx="2"/>
+          </p:cNvCxnSpPr>
+          <p:nvPr/>
+        </p:nvCxnSpPr>
+        <p:spPr>
+          <a:xfrm>
+            <a:off x="2618211" y="3531262"/>
+            <a:ext cx="846572" cy="887709"/>
+          </a:xfrm>
+          <a:prstGeom prst="line">
+            <a:avLst/>
+          </a:prstGeom>
+          <a:ln w="76200">
+            <a:solidFill>
+              <a:srgbClr val="223C53"/>
+            </a:solidFill>
+          </a:ln>
+        </p:spPr>
+        <p:style>
+          <a:lnRef idx="1">
+            <a:schemeClr val="accent1"/>
+          </a:lnRef>
+          <a:fillRef idx="0">
+            <a:schemeClr val="accent1"/>
+          </a:fillRef>
+          <a:effectRef idx="0">
+            <a:schemeClr val="accent1"/>
+          </a:effectRef>
+          <a:fontRef idx="minor">
+            <a:schemeClr val="tx1"/>
+          </a:fontRef>
+        </p:style>
+      </p:cxnSp>
+      <p:cxnSp>
+        <p:nvCxnSpPr>
+          <p:cNvPr id="34" name="Connecteur droit 33">
+            <a:extLst>
+              <a:ext uri="{FF2B5EF4-FFF2-40B4-BE49-F238E27FC236}">
+                <a16:creationId xmlns:a16="http://schemas.microsoft.com/office/drawing/2014/main" id="{C0F638E3-DAEC-BDDE-671D-EB9273138A74}"/>
+              </a:ext>
+            </a:extLst>
+          </p:cNvPr>
+          <p:cNvCxnSpPr>
+            <a:cxnSpLocks/>
+            <a:stCxn id="6" idx="6"/>
+            <a:endCxn id="10" idx="2"/>
+          </p:cNvCxnSpPr>
+          <p:nvPr/>
+        </p:nvCxnSpPr>
+        <p:spPr>
+          <a:xfrm>
+            <a:off x="2618211" y="4418971"/>
+            <a:ext cx="846572" cy="887709"/>
+          </a:xfrm>
+          <a:prstGeom prst="line">
+            <a:avLst/>
+          </a:prstGeom>
+          <a:ln w="76200">
+            <a:solidFill>
+              <a:srgbClr val="223C53"/>
+            </a:solidFill>
+          </a:ln>
+        </p:spPr>
+        <p:style>
+          <a:lnRef idx="1">
+            <a:schemeClr val="accent1"/>
+          </a:lnRef>
+          <a:fillRef idx="0">
+            <a:schemeClr val="accent1"/>
+          </a:fillRef>
+          <a:effectRef idx="0">
+            <a:schemeClr val="accent1"/>
+          </a:effectRef>
+          <a:fontRef idx="minor">
+            <a:schemeClr val="tx1"/>
+          </a:fontRef>
+        </p:style>
+      </p:cxnSp>
+      <p:cxnSp>
+        <p:nvCxnSpPr>
+          <p:cNvPr id="37" name="Connecteur droit 36">
+            <a:extLst>
+              <a:ext uri="{FF2B5EF4-FFF2-40B4-BE49-F238E27FC236}">
+                <a16:creationId xmlns:a16="http://schemas.microsoft.com/office/drawing/2014/main" id="{82F44799-CDB3-8A85-7240-0653C4C4936E}"/>
+              </a:ext>
+            </a:extLst>
+          </p:cNvPr>
+          <p:cNvCxnSpPr>
+            <a:cxnSpLocks/>
+            <a:stCxn id="7" idx="6"/>
+            <a:endCxn id="10" idx="2"/>
+          </p:cNvCxnSpPr>
+          <p:nvPr/>
+        </p:nvCxnSpPr>
+        <p:spPr>
+          <a:xfrm>
+            <a:off x="2618211" y="5306680"/>
+            <a:ext cx="846572" cy="0"/>
+          </a:xfrm>
+          <a:prstGeom prst="line">
+            <a:avLst/>
+          </a:prstGeom>
+          <a:ln w="76200">
+            <a:solidFill>
+              <a:srgbClr val="223C53"/>
+            </a:solidFill>
+          </a:ln>
+        </p:spPr>
+        <p:style>
+          <a:lnRef idx="1">
+            <a:schemeClr val="accent1"/>
+          </a:lnRef>
+          <a:fillRef idx="0">
+            <a:schemeClr val="accent1"/>
+          </a:fillRef>
+          <a:effectRef idx="0">
+            <a:schemeClr val="accent1"/>
+          </a:effectRef>
+          <a:fontRef idx="minor">
+            <a:schemeClr val="tx1"/>
+          </a:fontRef>
+        </p:style>
+      </p:cxnSp>
+      <p:cxnSp>
+        <p:nvCxnSpPr>
+          <p:cNvPr id="40" name="Connecteur droit 39">
+            <a:extLst>
+              <a:ext uri="{FF2B5EF4-FFF2-40B4-BE49-F238E27FC236}">
+                <a16:creationId xmlns:a16="http://schemas.microsoft.com/office/drawing/2014/main" id="{EA971000-7883-A692-CD4B-B0FE20013EBA}"/>
+              </a:ext>
+            </a:extLst>
+          </p:cNvPr>
+          <p:cNvCxnSpPr>
+            <a:cxnSpLocks/>
+            <a:stCxn id="6" idx="6"/>
+            <a:endCxn id="9" idx="2"/>
+          </p:cNvCxnSpPr>
+          <p:nvPr/>
+        </p:nvCxnSpPr>
+        <p:spPr>
+          <a:xfrm>
+            <a:off x="2618211" y="4418971"/>
+            <a:ext cx="846572" cy="0"/>
+          </a:xfrm>
+          <a:prstGeom prst="line">
+            <a:avLst/>
+          </a:prstGeom>
+          <a:ln w="76200">
+            <a:solidFill>
+              <a:srgbClr val="223C53"/>
+            </a:solidFill>
+          </a:ln>
+        </p:spPr>
+        <p:style>
+          <a:lnRef idx="1">
+            <a:schemeClr val="accent1"/>
+          </a:lnRef>
+          <a:fillRef idx="0">
+            <a:schemeClr val="accent1"/>
+          </a:fillRef>
+          <a:effectRef idx="0">
+            <a:schemeClr val="accent1"/>
+          </a:effectRef>
+          <a:fontRef idx="minor">
+            <a:schemeClr val="tx1"/>
+          </a:fontRef>
+        </p:style>
+      </p:cxnSp>
+      <p:cxnSp>
+        <p:nvCxnSpPr>
+          <p:cNvPr id="43" name="Connecteur droit 42">
+            <a:extLst>
+              <a:ext uri="{FF2B5EF4-FFF2-40B4-BE49-F238E27FC236}">
+                <a16:creationId xmlns:a16="http://schemas.microsoft.com/office/drawing/2014/main" id="{DFC781D3-0218-4A0D-B8F0-6058B33B16BC}"/>
+              </a:ext>
+            </a:extLst>
+          </p:cNvPr>
+          <p:cNvCxnSpPr>
+            <a:cxnSpLocks/>
+            <a:stCxn id="7" idx="6"/>
+            <a:endCxn id="9" idx="2"/>
+          </p:cNvCxnSpPr>
+          <p:nvPr/>
+        </p:nvCxnSpPr>
+        <p:spPr>
+          <a:xfrm flipV="1">
+            <a:off x="2618211" y="4418971"/>
+            <a:ext cx="846572" cy="887709"/>
+          </a:xfrm>
+          <a:prstGeom prst="line">
+            <a:avLst/>
+          </a:prstGeom>
+          <a:ln w="76200">
+            <a:solidFill>
+              <a:srgbClr val="223C53"/>
+            </a:solidFill>
+          </a:ln>
+        </p:spPr>
+        <p:style>
+          <a:lnRef idx="1">
+            <a:schemeClr val="accent1"/>
+          </a:lnRef>
+          <a:fillRef idx="0">
+            <a:schemeClr val="accent1"/>
+          </a:fillRef>
+          <a:effectRef idx="0">
+            <a:schemeClr val="accent1"/>
+          </a:effectRef>
+          <a:fontRef idx="minor">
+            <a:schemeClr val="tx1"/>
+          </a:fontRef>
+        </p:style>
+      </p:cxnSp>
+    </p:spTree>
+    <p:extLst>
+      <p:ext uri="{BB962C8B-B14F-4D97-AF65-F5344CB8AC3E}">
+        <p14:creationId xmlns:p14="http://schemas.microsoft.com/office/powerpoint/2010/main" val="4078890052"/>
+      </p:ext>
+    </p:extLst>
+  </p:cSld>
+  <p:clrMapOvr>
+    <a:masterClrMapping/>
+  </p:clrMapOvr>
+</p:sld>
+</file>
+
+<file path=ppt/slides/slide28.xml><?xml version="1.0" encoding="utf-8"?>
+<p:sld xmlns:a="http://schemas.openxmlformats.org/drawingml/2006/main" xmlns:r="http://schemas.openxmlformats.org/officeDocument/2006/relationships" xmlns:p="http://schemas.openxmlformats.org/presentationml/2006/main">
+  <p:cSld>
+    <p:spTree>
+      <p:nvGrpSpPr>
+        <p:cNvPr id="1" name=""/>
+        <p:cNvGrpSpPr/>
+        <p:nvPr/>
+      </p:nvGrpSpPr>
+      <p:grpSpPr>
+        <a:xfrm>
+          <a:off x="0" y="0"/>
+          <a:ext cx="0" cy="0"/>
+          <a:chOff x="0" y="0"/>
+          <a:chExt cx="0" cy="0"/>
+        </a:xfrm>
+      </p:grpSpPr>
+      <p:pic>
+        <p:nvPicPr>
           <p:cNvPr id="3" name="Image 2">
             <a:extLst>
               <a:ext uri="{FF2B5EF4-FFF2-40B4-BE49-F238E27FC236}">
@@ -38425,7 +41077,7 @@
 </p:sld>
 </file>
 
-<file path=ppt/slides/slide28.xml><?xml version="1.0" encoding="utf-8"?>
+<file path=ppt/slides/slide29.xml><?xml version="1.0" encoding="utf-8"?>
 <p:sld xmlns:a="http://schemas.openxmlformats.org/drawingml/2006/main" xmlns:r="http://schemas.openxmlformats.org/officeDocument/2006/relationships" xmlns:p="http://schemas.openxmlformats.org/presentationml/2006/main">
   <p:cSld>
     <p:spTree>
@@ -39171,7 +41823,557 @@
 </p:sld>
 </file>
 
-<file path=ppt/slides/slide29.xml><?xml version="1.0" encoding="utf-8"?>
+<file path=ppt/slides/slide3.xml><?xml version="1.0" encoding="utf-8"?>
+<p:sld xmlns:a="http://schemas.openxmlformats.org/drawingml/2006/main" xmlns:r="http://schemas.openxmlformats.org/officeDocument/2006/relationships" xmlns:p="http://schemas.openxmlformats.org/presentationml/2006/main">
+  <p:cSld>
+    <p:spTree>
+      <p:nvGrpSpPr>
+        <p:cNvPr id="1" name="">
+          <a:extLst>
+            <a:ext uri="{FF2B5EF4-FFF2-40B4-BE49-F238E27FC236}">
+              <a16:creationId xmlns:a16="http://schemas.microsoft.com/office/drawing/2014/main" id="{72F71DC5-8F83-EF73-3C21-B708712C9D66}"/>
+            </a:ext>
+          </a:extLst>
+        </p:cNvPr>
+        <p:cNvGrpSpPr/>
+        <p:nvPr/>
+      </p:nvGrpSpPr>
+      <p:grpSpPr>
+        <a:xfrm>
+          <a:off x="0" y="0"/>
+          <a:ext cx="0" cy="0"/>
+          <a:chOff x="0" y="0"/>
+          <a:chExt cx="0" cy="0"/>
+        </a:xfrm>
+      </p:grpSpPr>
+      <p:pic>
+        <p:nvPicPr>
+          <p:cNvPr id="5" name="Image 4" descr="Une image contenant texte, capture d’écran, Police, diagramme">
+            <a:extLst>
+              <a:ext uri="{FF2B5EF4-FFF2-40B4-BE49-F238E27FC236}">
+                <a16:creationId xmlns:a16="http://schemas.microsoft.com/office/drawing/2014/main" id="{1C92BDD6-80FF-F4BC-A3D4-C70295FC14E6}"/>
+              </a:ext>
+            </a:extLst>
+          </p:cNvPr>
+          <p:cNvPicPr>
+            <a:picLocks noChangeAspect="1"/>
+          </p:cNvPicPr>
+          <p:nvPr/>
+        </p:nvPicPr>
+        <p:blipFill>
+          <a:blip r:embed="rId2">
+            <a:extLst>
+              <a:ext uri="{28A0092B-C50C-407E-A947-70E740481C1C}">
+                <a14:useLocalDpi xmlns:a14="http://schemas.microsoft.com/office/drawing/2010/main" val="0"/>
+              </a:ext>
+            </a:extLst>
+          </a:blip>
+          <a:stretch>
+            <a:fillRect/>
+          </a:stretch>
+        </p:blipFill>
+        <p:spPr>
+          <a:xfrm>
+            <a:off x="412967" y="0"/>
+            <a:ext cx="10451679" cy="6858000"/>
+          </a:xfrm>
+          <a:prstGeom prst="rect">
+            <a:avLst/>
+          </a:prstGeom>
+        </p:spPr>
+      </p:pic>
+      <p:sp>
+        <p:nvSpPr>
+          <p:cNvPr id="4" name="Rectangle 3">
+            <a:extLst>
+              <a:ext uri="{FF2B5EF4-FFF2-40B4-BE49-F238E27FC236}">
+                <a16:creationId xmlns:a16="http://schemas.microsoft.com/office/drawing/2014/main" id="{8589CB02-B562-4685-7D07-E7CE477563D5}"/>
+              </a:ext>
+            </a:extLst>
+          </p:cNvPr>
+          <p:cNvSpPr/>
+          <p:nvPr/>
+        </p:nvSpPr>
+        <p:spPr>
+          <a:xfrm>
+            <a:off x="494663" y="175367"/>
+            <a:ext cx="2665927" cy="2021984"/>
+          </a:xfrm>
+          <a:prstGeom prst="rect">
+            <a:avLst/>
+          </a:prstGeom>
+          <a:solidFill>
+            <a:srgbClr val="DED8FF"/>
+          </a:solidFill>
+        </p:spPr>
+        <p:style>
+          <a:lnRef idx="2">
+            <a:schemeClr val="accent1">
+              <a:shade val="15000"/>
+            </a:schemeClr>
+          </a:lnRef>
+          <a:fillRef idx="1">
+            <a:schemeClr val="accent1"/>
+          </a:fillRef>
+          <a:effectRef idx="0">
+            <a:schemeClr val="accent1"/>
+          </a:effectRef>
+          <a:fontRef idx="minor">
+            <a:schemeClr val="lt1"/>
+          </a:fontRef>
+        </p:style>
+        <p:txBody>
+          <a:bodyPr rtlCol="0" anchor="ctr"/>
+          <a:lstStyle/>
+          <a:p>
+            <a:pPr algn="ctr"/>
+            <a:r>
+              <a:rPr lang="fr-FR" dirty="0" err="1">
+                <a:solidFill>
+                  <a:schemeClr val="tx1"/>
+                </a:solidFill>
+                <a:latin typeface="Courier New" panose="02070309020205020404" pitchFamily="49" charset="0"/>
+                <a:cs typeface="Courier New" panose="02070309020205020404" pitchFamily="49" charset="0"/>
+              </a:rPr>
+              <a:t>Build</a:t>
+            </a:r>
+            <a:r>
+              <a:rPr lang="fr-FR" dirty="0">
+                <a:solidFill>
+                  <a:schemeClr val="tx1"/>
+                </a:solidFill>
+                <a:latin typeface="Courier New" panose="02070309020205020404" pitchFamily="49" charset="0"/>
+                <a:cs typeface="Courier New" panose="02070309020205020404" pitchFamily="49" charset="0"/>
+              </a:rPr>
+              <a:t> </a:t>
+            </a:r>
+            <a:r>
+              <a:rPr lang="fr-FR" dirty="0" err="1">
+                <a:solidFill>
+                  <a:schemeClr val="tx1"/>
+                </a:solidFill>
+                <a:latin typeface="Courier New" panose="02070309020205020404" pitchFamily="49" charset="0"/>
+                <a:cs typeface="Courier New" panose="02070309020205020404" pitchFamily="49" charset="0"/>
+              </a:rPr>
+              <a:t>algorithm</a:t>
+            </a:r>
+            <a:endParaRPr lang="fr-FR" dirty="0">
+              <a:solidFill>
+                <a:schemeClr val="tx1"/>
+              </a:solidFill>
+              <a:latin typeface="Courier New" panose="02070309020205020404" pitchFamily="49" charset="0"/>
+              <a:cs typeface="Courier New" panose="02070309020205020404" pitchFamily="49" charset="0"/>
+            </a:endParaRPr>
+          </a:p>
+        </p:txBody>
+      </p:sp>
+      <p:sp>
+        <p:nvSpPr>
+          <p:cNvPr id="6" name="Rectangle 5">
+            <a:extLst>
+              <a:ext uri="{FF2B5EF4-FFF2-40B4-BE49-F238E27FC236}">
+                <a16:creationId xmlns:a16="http://schemas.microsoft.com/office/drawing/2014/main" id="{E0B5FE7F-14F4-A5FA-8DA8-8D859CAA5922}"/>
+              </a:ext>
+            </a:extLst>
+          </p:cNvPr>
+          <p:cNvSpPr/>
+          <p:nvPr/>
+        </p:nvSpPr>
+        <p:spPr>
+          <a:xfrm>
+            <a:off x="3732734" y="175367"/>
+            <a:ext cx="2385060" cy="2021984"/>
+          </a:xfrm>
+          <a:prstGeom prst="rect">
+            <a:avLst/>
+          </a:prstGeom>
+          <a:solidFill>
+            <a:srgbClr val="E6FFED"/>
+          </a:solidFill>
+        </p:spPr>
+        <p:style>
+          <a:lnRef idx="2">
+            <a:schemeClr val="accent1">
+              <a:shade val="15000"/>
+            </a:schemeClr>
+          </a:lnRef>
+          <a:fillRef idx="1">
+            <a:schemeClr val="accent1"/>
+          </a:fillRef>
+          <a:effectRef idx="0">
+            <a:schemeClr val="accent1"/>
+          </a:effectRef>
+          <a:fontRef idx="minor">
+            <a:schemeClr val="lt1"/>
+          </a:fontRef>
+        </p:style>
+        <p:txBody>
+          <a:bodyPr rtlCol="0" anchor="ctr"/>
+          <a:lstStyle/>
+          <a:p>
+            <a:pPr algn="ctr"/>
+            <a:r>
+              <a:rPr lang="fr-FR" dirty="0" err="1">
+                <a:solidFill>
+                  <a:schemeClr val="tx1"/>
+                </a:solidFill>
+                <a:latin typeface="Courier New" panose="02070309020205020404" pitchFamily="49" charset="0"/>
+                <a:cs typeface="Courier New" panose="02070309020205020404" pitchFamily="49" charset="0"/>
+              </a:rPr>
+              <a:t>MLflow</a:t>
+            </a:r>
+            <a:endParaRPr lang="fr-FR" dirty="0">
+              <a:solidFill>
+                <a:schemeClr val="tx1"/>
+              </a:solidFill>
+              <a:latin typeface="Courier New" panose="02070309020205020404" pitchFamily="49" charset="0"/>
+              <a:cs typeface="Courier New" panose="02070309020205020404" pitchFamily="49" charset="0"/>
+            </a:endParaRPr>
+          </a:p>
+        </p:txBody>
+      </p:sp>
+      <p:sp>
+        <p:nvSpPr>
+          <p:cNvPr id="7" name="Rectangle 6">
+            <a:extLst>
+              <a:ext uri="{FF2B5EF4-FFF2-40B4-BE49-F238E27FC236}">
+                <a16:creationId xmlns:a16="http://schemas.microsoft.com/office/drawing/2014/main" id="{714F4347-B6BD-BB3D-F73B-321DB5548DFB}"/>
+              </a:ext>
+            </a:extLst>
+          </p:cNvPr>
+          <p:cNvSpPr/>
+          <p:nvPr/>
+        </p:nvSpPr>
+        <p:spPr>
+          <a:xfrm>
+            <a:off x="6755978" y="175367"/>
+            <a:ext cx="2385060" cy="2021984"/>
+          </a:xfrm>
+          <a:prstGeom prst="rect">
+            <a:avLst/>
+          </a:prstGeom>
+          <a:solidFill>
+            <a:srgbClr val="FFF5D9"/>
+          </a:solidFill>
+        </p:spPr>
+        <p:style>
+          <a:lnRef idx="2">
+            <a:schemeClr val="accent1">
+              <a:shade val="15000"/>
+            </a:schemeClr>
+          </a:lnRef>
+          <a:fillRef idx="1">
+            <a:schemeClr val="accent1"/>
+          </a:fillRef>
+          <a:effectRef idx="0">
+            <a:schemeClr val="accent1"/>
+          </a:effectRef>
+          <a:fontRef idx="minor">
+            <a:schemeClr val="lt1"/>
+          </a:fontRef>
+        </p:style>
+        <p:txBody>
+          <a:bodyPr rtlCol="0" anchor="ctr"/>
+          <a:lstStyle/>
+          <a:p>
+            <a:pPr algn="ctr"/>
+            <a:r>
+              <a:rPr lang="fr-FR" dirty="0">
+                <a:solidFill>
+                  <a:schemeClr val="tx1"/>
+                </a:solidFill>
+                <a:latin typeface="Courier New" panose="02070309020205020404" pitchFamily="49" charset="0"/>
+                <a:cs typeface="Courier New" panose="02070309020205020404" pitchFamily="49" charset="0"/>
+              </a:rPr>
+              <a:t>Consume Data</a:t>
+            </a:r>
+          </a:p>
+        </p:txBody>
+      </p:sp>
+      <p:sp>
+        <p:nvSpPr>
+          <p:cNvPr id="8" name="Rectangle 7">
+            <a:extLst>
+              <a:ext uri="{FF2B5EF4-FFF2-40B4-BE49-F238E27FC236}">
+                <a16:creationId xmlns:a16="http://schemas.microsoft.com/office/drawing/2014/main" id="{D7CF434A-B6D4-02E3-C769-20424E0281C4}"/>
+              </a:ext>
+            </a:extLst>
+          </p:cNvPr>
+          <p:cNvSpPr/>
+          <p:nvPr/>
+        </p:nvSpPr>
+        <p:spPr>
+          <a:xfrm>
+            <a:off x="6755978" y="2435558"/>
+            <a:ext cx="2385060" cy="2021984"/>
+          </a:xfrm>
+          <a:prstGeom prst="rect">
+            <a:avLst/>
+          </a:prstGeom>
+          <a:solidFill>
+            <a:srgbClr val="E9FFFE"/>
+          </a:solidFill>
+        </p:spPr>
+        <p:style>
+          <a:lnRef idx="2">
+            <a:schemeClr val="accent1">
+              <a:shade val="15000"/>
+            </a:schemeClr>
+          </a:lnRef>
+          <a:fillRef idx="1">
+            <a:schemeClr val="accent1"/>
+          </a:fillRef>
+          <a:effectRef idx="0">
+            <a:schemeClr val="accent1"/>
+          </a:effectRef>
+          <a:fontRef idx="minor">
+            <a:schemeClr val="lt1"/>
+          </a:fontRef>
+        </p:style>
+        <p:txBody>
+          <a:bodyPr rtlCol="0" anchor="ctr"/>
+          <a:lstStyle/>
+          <a:p>
+            <a:pPr algn="ctr"/>
+            <a:r>
+              <a:rPr lang="fr-FR" dirty="0">
+                <a:solidFill>
+                  <a:schemeClr val="tx1"/>
+                </a:solidFill>
+                <a:latin typeface="Courier New" panose="02070309020205020404" pitchFamily="49" charset="0"/>
+                <a:cs typeface="Courier New" panose="02070309020205020404" pitchFamily="49" charset="0"/>
+              </a:rPr>
+              <a:t>Store Data</a:t>
+            </a:r>
+          </a:p>
+        </p:txBody>
+      </p:sp>
+      <p:sp>
+        <p:nvSpPr>
+          <p:cNvPr id="10" name="Rectangle 9">
+            <a:extLst>
+              <a:ext uri="{FF2B5EF4-FFF2-40B4-BE49-F238E27FC236}">
+                <a16:creationId xmlns:a16="http://schemas.microsoft.com/office/drawing/2014/main" id="{69497191-D71B-E495-C9EE-7EE232C8475B}"/>
+              </a:ext>
+            </a:extLst>
+          </p:cNvPr>
+          <p:cNvSpPr/>
+          <p:nvPr/>
+        </p:nvSpPr>
+        <p:spPr>
+          <a:xfrm>
+            <a:off x="6755978" y="4660649"/>
+            <a:ext cx="2385060" cy="2021984"/>
+          </a:xfrm>
+          <a:prstGeom prst="rect">
+            <a:avLst/>
+          </a:prstGeom>
+          <a:solidFill>
+            <a:srgbClr val="E8F4FF"/>
+          </a:solidFill>
+        </p:spPr>
+        <p:style>
+          <a:lnRef idx="2">
+            <a:schemeClr val="accent1">
+              <a:shade val="15000"/>
+            </a:schemeClr>
+          </a:lnRef>
+          <a:fillRef idx="1">
+            <a:schemeClr val="accent1"/>
+          </a:fillRef>
+          <a:effectRef idx="0">
+            <a:schemeClr val="accent1"/>
+          </a:effectRef>
+          <a:fontRef idx="minor">
+            <a:schemeClr val="lt1"/>
+          </a:fontRef>
+        </p:style>
+        <p:txBody>
+          <a:bodyPr rtlCol="0" anchor="ctr"/>
+          <a:lstStyle/>
+          <a:p>
+            <a:pPr algn="ctr"/>
+            <a:r>
+              <a:rPr lang="fr-FR" dirty="0" err="1">
+                <a:solidFill>
+                  <a:schemeClr val="tx1"/>
+                </a:solidFill>
+                <a:latin typeface="Courier New" panose="02070309020205020404" pitchFamily="49" charset="0"/>
+                <a:cs typeface="Courier New" panose="02070309020205020404" pitchFamily="49" charset="0"/>
+              </a:rPr>
+              <a:t>Leverage</a:t>
+            </a:r>
+            <a:r>
+              <a:rPr lang="fr-FR" dirty="0">
+                <a:solidFill>
+                  <a:schemeClr val="tx1"/>
+                </a:solidFill>
+                <a:latin typeface="Courier New" panose="02070309020205020404" pitchFamily="49" charset="0"/>
+                <a:cs typeface="Courier New" panose="02070309020205020404" pitchFamily="49" charset="0"/>
+              </a:rPr>
+              <a:t> Data</a:t>
+            </a:r>
+          </a:p>
+        </p:txBody>
+      </p:sp>
+      <p:sp>
+        <p:nvSpPr>
+          <p:cNvPr id="9" name="Rectangle 8">
+            <a:extLst>
+              <a:ext uri="{FF2B5EF4-FFF2-40B4-BE49-F238E27FC236}">
+                <a16:creationId xmlns:a16="http://schemas.microsoft.com/office/drawing/2014/main" id="{8CE76CBE-E022-7F2F-CEEF-B40276F5239F}"/>
+              </a:ext>
+            </a:extLst>
+          </p:cNvPr>
+          <p:cNvSpPr/>
+          <p:nvPr/>
+        </p:nvSpPr>
+        <p:spPr>
+          <a:xfrm>
+            <a:off x="9304349" y="175367"/>
+            <a:ext cx="2385060" cy="2021984"/>
+          </a:xfrm>
+          <a:prstGeom prst="rect">
+            <a:avLst/>
+          </a:prstGeom>
+          <a:solidFill>
+            <a:schemeClr val="bg1"/>
+          </a:solidFill>
+        </p:spPr>
+        <p:style>
+          <a:lnRef idx="2">
+            <a:schemeClr val="accent1">
+              <a:shade val="15000"/>
+            </a:schemeClr>
+          </a:lnRef>
+          <a:fillRef idx="1">
+            <a:schemeClr val="accent1"/>
+          </a:fillRef>
+          <a:effectRef idx="0">
+            <a:schemeClr val="accent1"/>
+          </a:effectRef>
+          <a:fontRef idx="minor">
+            <a:schemeClr val="lt1"/>
+          </a:fontRef>
+        </p:style>
+        <p:txBody>
+          <a:bodyPr rtlCol="0" anchor="ctr"/>
+          <a:lstStyle/>
+          <a:p>
+            <a:pPr algn="ctr"/>
+            <a:r>
+              <a:rPr lang="fr-FR" dirty="0">
+                <a:solidFill>
+                  <a:schemeClr val="tx1"/>
+                </a:solidFill>
+                <a:latin typeface="Courier New" panose="02070309020205020404" pitchFamily="49" charset="0"/>
+                <a:cs typeface="Courier New" panose="02070309020205020404" pitchFamily="49" charset="0"/>
+              </a:rPr>
+              <a:t>RT Data</a:t>
+            </a:r>
+          </a:p>
+        </p:txBody>
+      </p:sp>
+    </p:spTree>
+    <p:extLst>
+      <p:ext uri="{BB962C8B-B14F-4D97-AF65-F5344CB8AC3E}">
+        <p14:creationId xmlns:p14="http://schemas.microsoft.com/office/powerpoint/2010/main" val="848441573"/>
+      </p:ext>
+    </p:extLst>
+  </p:cSld>
+  <p:clrMapOvr>
+    <a:masterClrMapping/>
+  </p:clrMapOvr>
+  <p:timing>
+    <p:tnLst>
+      <p:par>
+        <p:cTn id="1" dur="indefinite" restart="never" nodeType="tmRoot">
+          <p:childTnLst>
+            <p:seq concurrent="1" nextAc="seek">
+              <p:cTn id="2" dur="indefinite" nodeType="mainSeq">
+                <p:childTnLst>
+                  <p:par>
+                    <p:cTn id="3" fill="hold">
+                      <p:stCondLst>
+                        <p:cond delay="indefinite"/>
+                        <p:cond evt="onBegin" delay="0">
+                          <p:tn val="2"/>
+                        </p:cond>
+                      </p:stCondLst>
+                      <p:childTnLst>
+                        <p:par>
+                          <p:cTn id="4" fill="hold">
+                            <p:stCondLst>
+                              <p:cond delay="0"/>
+                            </p:stCondLst>
+                            <p:childTnLst>
+                              <p:par>
+                                <p:cTn id="5" presetID="10" presetClass="exit" presetSubtype="0" fill="hold" nodeType="withEffect">
+                                  <p:stCondLst>
+                                    <p:cond delay="1000"/>
+                                  </p:stCondLst>
+                                  <p:childTnLst>
+                                    <p:animEffect transition="out" filter="fade">
+                                      <p:cBhvr>
+                                        <p:cTn id="6" dur="1000"/>
+                                        <p:tgtEl>
+                                          <p:spTgt spid="5"/>
+                                        </p:tgtEl>
+                                      </p:cBhvr>
+                                    </p:animEffect>
+                                    <p:set>
+                                      <p:cBhvr>
+                                        <p:cTn id="7" dur="1" fill="hold">
+                                          <p:stCondLst>
+                                            <p:cond delay="999"/>
+                                          </p:stCondLst>
+                                        </p:cTn>
+                                        <p:tgtEl>
+                                          <p:spTgt spid="5"/>
+                                        </p:tgtEl>
+                                        <p:attrNameLst>
+                                          <p:attrName>style.visibility</p:attrName>
+                                        </p:attrNameLst>
+                                      </p:cBhvr>
+                                      <p:to>
+                                        <p:strVal val="hidden"/>
+                                      </p:to>
+                                    </p:set>
+                                  </p:childTnLst>
+                                </p:cTn>
+                              </p:par>
+                            </p:childTnLst>
+                          </p:cTn>
+                        </p:par>
+                      </p:childTnLst>
+                    </p:cTn>
+                  </p:par>
+                </p:childTnLst>
+              </p:cTn>
+              <p:prevCondLst>
+                <p:cond evt="onPrev" delay="0">
+                  <p:tgtEl>
+                    <p:sldTgt/>
+                  </p:tgtEl>
+                </p:cond>
+              </p:prevCondLst>
+              <p:nextCondLst>
+                <p:cond evt="onNext" delay="0">
+                  <p:tgtEl>
+                    <p:sldTgt/>
+                  </p:tgtEl>
+                </p:cond>
+              </p:nextCondLst>
+            </p:seq>
+          </p:childTnLst>
+        </p:cTn>
+      </p:par>
+    </p:tnLst>
+  </p:timing>
+</p:sld>
+</file>
+
+<file path=ppt/slides/slide30.xml><?xml version="1.0" encoding="utf-8"?>
 <p:sld xmlns:a="http://schemas.openxmlformats.org/drawingml/2006/main" xmlns:r="http://schemas.openxmlformats.org/officeDocument/2006/relationships" xmlns:p="http://schemas.openxmlformats.org/presentationml/2006/main">
   <p:cSld>
     <p:spTree>
@@ -39750,7 +42952,7 @@
 </p:sld>
 </file>
 
-<file path=ppt/slides/slide3.xml><?xml version="1.0" encoding="utf-8"?>
+<file path=ppt/slides/slide4.xml><?xml version="1.0" encoding="utf-8"?>
 <p:sld xmlns:a="http://schemas.openxmlformats.org/drawingml/2006/main" xmlns:r="http://schemas.openxmlformats.org/officeDocument/2006/relationships" xmlns:p="http://schemas.openxmlformats.org/presentationml/2006/main">
   <p:cSld>
     <p:spTree>
@@ -39758,7 +42960,7 @@
         <p:cNvPr id="1" name="">
           <a:extLst>
             <a:ext uri="{FF2B5EF4-FFF2-40B4-BE49-F238E27FC236}">
-              <a16:creationId xmlns:a16="http://schemas.microsoft.com/office/drawing/2014/main" id="{72F71DC5-8F83-EF73-3C21-B708712C9D66}"/>
+              <a16:creationId xmlns:a16="http://schemas.microsoft.com/office/drawing/2014/main" id="{DD367C0B-6593-0734-CE6C-3739F496E60B}"/>
             </a:ext>
           </a:extLst>
         </p:cNvPr>
@@ -39773,48 +42975,12 @@
           <a:chExt cx="0" cy="0"/>
         </a:xfrm>
       </p:grpSpPr>
-      <p:pic>
-        <p:nvPicPr>
-          <p:cNvPr id="5" name="Image 4" descr="Une image contenant texte, capture d’écran, Police, diagramme">
-            <a:extLst>
-              <a:ext uri="{FF2B5EF4-FFF2-40B4-BE49-F238E27FC236}">
-                <a16:creationId xmlns:a16="http://schemas.microsoft.com/office/drawing/2014/main" id="{1C92BDD6-80FF-F4BC-A3D4-C70295FC14E6}"/>
-              </a:ext>
-            </a:extLst>
-          </p:cNvPr>
-          <p:cNvPicPr>
-            <a:picLocks noChangeAspect="1"/>
-          </p:cNvPicPr>
-          <p:nvPr/>
-        </p:nvPicPr>
-        <p:blipFill>
-          <a:blip r:embed="rId2">
-            <a:extLst>
-              <a:ext uri="{28A0092B-C50C-407E-A947-70E740481C1C}">
-                <a14:useLocalDpi xmlns:a14="http://schemas.microsoft.com/office/drawing/2010/main" val="0"/>
-              </a:ext>
-            </a:extLst>
-          </a:blip>
-          <a:stretch>
-            <a:fillRect/>
-          </a:stretch>
-        </p:blipFill>
-        <p:spPr>
-          <a:xfrm>
-            <a:off x="412967" y="0"/>
-            <a:ext cx="10451679" cy="6858000"/>
-          </a:xfrm>
-          <a:prstGeom prst="rect">
-            <a:avLst/>
-          </a:prstGeom>
-        </p:spPr>
-      </p:pic>
       <p:sp>
         <p:nvSpPr>
           <p:cNvPr id="4" name="Rectangle 3">
             <a:extLst>
               <a:ext uri="{FF2B5EF4-FFF2-40B4-BE49-F238E27FC236}">
-                <a16:creationId xmlns:a16="http://schemas.microsoft.com/office/drawing/2014/main" id="{8589CB02-B562-4685-7D07-E7CE477563D5}"/>
+                <a16:creationId xmlns:a16="http://schemas.microsoft.com/office/drawing/2014/main" id="{6344DC1F-2303-3741-B756-ADD5A462C5DA}"/>
               </a:ext>
             </a:extLst>
           </p:cNvPr>
@@ -39899,7 +43065,7 @@
           <p:cNvPr id="6" name="Rectangle 5">
             <a:extLst>
               <a:ext uri="{FF2B5EF4-FFF2-40B4-BE49-F238E27FC236}">
-                <a16:creationId xmlns:a16="http://schemas.microsoft.com/office/drawing/2014/main" id="{E0B5FE7F-14F4-A5FA-8DA8-8D859CAA5922}"/>
+                <a16:creationId xmlns:a16="http://schemas.microsoft.com/office/drawing/2014/main" id="{A7ED21C7-EF72-6A55-B0C6-6EAEC393635B}"/>
               </a:ext>
             </a:extLst>
           </p:cNvPr>
@@ -39964,7 +43130,7 @@
           <p:cNvPr id="7" name="Rectangle 6">
             <a:extLst>
               <a:ext uri="{FF2B5EF4-FFF2-40B4-BE49-F238E27FC236}">
-                <a16:creationId xmlns:a16="http://schemas.microsoft.com/office/drawing/2014/main" id="{714F4347-B6BD-BB3D-F73B-321DB5548DFB}"/>
+                <a16:creationId xmlns:a16="http://schemas.microsoft.com/office/drawing/2014/main" id="{043F5811-41FF-E80B-98F8-A05148C810E7}"/>
               </a:ext>
             </a:extLst>
           </p:cNvPr>
@@ -39973,7 +43139,7 @@
         </p:nvSpPr>
         <p:spPr>
           <a:xfrm>
-            <a:off x="6755978" y="175367"/>
+            <a:off x="3732734" y="4660649"/>
             <a:ext cx="2385060" cy="2021984"/>
           </a:xfrm>
           <a:prstGeom prst="rect">
@@ -40022,7 +43188,7 @@
           <p:cNvPr id="8" name="Rectangle 7">
             <a:extLst>
               <a:ext uri="{FF2B5EF4-FFF2-40B4-BE49-F238E27FC236}">
-                <a16:creationId xmlns:a16="http://schemas.microsoft.com/office/drawing/2014/main" id="{D7CF434A-B6D4-02E3-C769-20424E0281C4}"/>
+                <a16:creationId xmlns:a16="http://schemas.microsoft.com/office/drawing/2014/main" id="{82DFEDD4-A805-1AAF-E0DA-BD7518642AC0}"/>
               </a:ext>
             </a:extLst>
           </p:cNvPr>
@@ -40031,7 +43197,7 @@
         </p:nvSpPr>
         <p:spPr>
           <a:xfrm>
-            <a:off x="6755978" y="2435558"/>
+            <a:off x="6755978" y="4660649"/>
             <a:ext cx="2385060" cy="2021984"/>
           </a:xfrm>
           <a:prstGeom prst="rect">
@@ -40080,7 +43246,7 @@
           <p:cNvPr id="10" name="Rectangle 9">
             <a:extLst>
               <a:ext uri="{FF2B5EF4-FFF2-40B4-BE49-F238E27FC236}">
-                <a16:creationId xmlns:a16="http://schemas.microsoft.com/office/drawing/2014/main" id="{69497191-D71B-E495-C9EE-7EE232C8475B}"/>
+                <a16:creationId xmlns:a16="http://schemas.microsoft.com/office/drawing/2014/main" id="{32BB9FA1-FB67-346D-4F2C-71080C98D037}"/>
               </a:ext>
             </a:extLst>
           </p:cNvPr>
@@ -40089,7 +43255,7 @@
         </p:nvSpPr>
         <p:spPr>
           <a:xfrm>
-            <a:off x="6755978" y="4660649"/>
+            <a:off x="9304349" y="4660650"/>
             <a:ext cx="2385060" cy="2021984"/>
           </a:xfrm>
           <a:prstGeom prst="rect">
@@ -40148,520 +43314,6 @@
           <p:cNvPr id="9" name="Rectangle 8">
             <a:extLst>
               <a:ext uri="{FF2B5EF4-FFF2-40B4-BE49-F238E27FC236}">
-                <a16:creationId xmlns:a16="http://schemas.microsoft.com/office/drawing/2014/main" id="{8CE76CBE-E022-7F2F-CEEF-B40276F5239F}"/>
-              </a:ext>
-            </a:extLst>
-          </p:cNvPr>
-          <p:cNvSpPr/>
-          <p:nvPr/>
-        </p:nvSpPr>
-        <p:spPr>
-          <a:xfrm>
-            <a:off x="9304349" y="175367"/>
-            <a:ext cx="2385060" cy="2021984"/>
-          </a:xfrm>
-          <a:prstGeom prst="rect">
-            <a:avLst/>
-          </a:prstGeom>
-          <a:solidFill>
-            <a:schemeClr val="bg1"/>
-          </a:solidFill>
-        </p:spPr>
-        <p:style>
-          <a:lnRef idx="2">
-            <a:schemeClr val="accent1">
-              <a:shade val="15000"/>
-            </a:schemeClr>
-          </a:lnRef>
-          <a:fillRef idx="1">
-            <a:schemeClr val="accent1"/>
-          </a:fillRef>
-          <a:effectRef idx="0">
-            <a:schemeClr val="accent1"/>
-          </a:effectRef>
-          <a:fontRef idx="minor">
-            <a:schemeClr val="lt1"/>
-          </a:fontRef>
-        </p:style>
-        <p:txBody>
-          <a:bodyPr rtlCol="0" anchor="ctr"/>
-          <a:lstStyle/>
-          <a:p>
-            <a:pPr algn="ctr"/>
-            <a:r>
-              <a:rPr lang="fr-FR" dirty="0">
-                <a:solidFill>
-                  <a:schemeClr val="tx1"/>
-                </a:solidFill>
-                <a:latin typeface="Courier New" panose="02070309020205020404" pitchFamily="49" charset="0"/>
-                <a:cs typeface="Courier New" panose="02070309020205020404" pitchFamily="49" charset="0"/>
-              </a:rPr>
-              <a:t>RT Data</a:t>
-            </a:r>
-          </a:p>
-        </p:txBody>
-      </p:sp>
-    </p:spTree>
-    <p:extLst>
-      <p:ext uri="{BB962C8B-B14F-4D97-AF65-F5344CB8AC3E}">
-        <p14:creationId xmlns:p14="http://schemas.microsoft.com/office/powerpoint/2010/main" val="848441573"/>
-      </p:ext>
-    </p:extLst>
-  </p:cSld>
-  <p:clrMapOvr>
-    <a:masterClrMapping/>
-  </p:clrMapOvr>
-  <p:timing>
-    <p:tnLst>
-      <p:par>
-        <p:cTn id="1" dur="indefinite" restart="never" nodeType="tmRoot">
-          <p:childTnLst>
-            <p:seq concurrent="1" nextAc="seek">
-              <p:cTn id="2" dur="indefinite" nodeType="mainSeq">
-                <p:childTnLst>
-                  <p:par>
-                    <p:cTn id="3" fill="hold">
-                      <p:stCondLst>
-                        <p:cond delay="indefinite"/>
-                        <p:cond evt="onBegin" delay="0">
-                          <p:tn val="2"/>
-                        </p:cond>
-                      </p:stCondLst>
-                      <p:childTnLst>
-                        <p:par>
-                          <p:cTn id="4" fill="hold">
-                            <p:stCondLst>
-                              <p:cond delay="0"/>
-                            </p:stCondLst>
-                            <p:childTnLst>
-                              <p:par>
-                                <p:cTn id="5" presetID="10" presetClass="exit" presetSubtype="0" fill="hold" nodeType="withEffect">
-                                  <p:stCondLst>
-                                    <p:cond delay="1000"/>
-                                  </p:stCondLst>
-                                  <p:childTnLst>
-                                    <p:animEffect transition="out" filter="fade">
-                                      <p:cBhvr>
-                                        <p:cTn id="6" dur="1000"/>
-                                        <p:tgtEl>
-                                          <p:spTgt spid="5"/>
-                                        </p:tgtEl>
-                                      </p:cBhvr>
-                                    </p:animEffect>
-                                    <p:set>
-                                      <p:cBhvr>
-                                        <p:cTn id="7" dur="1" fill="hold">
-                                          <p:stCondLst>
-                                            <p:cond delay="999"/>
-                                          </p:stCondLst>
-                                        </p:cTn>
-                                        <p:tgtEl>
-                                          <p:spTgt spid="5"/>
-                                        </p:tgtEl>
-                                        <p:attrNameLst>
-                                          <p:attrName>style.visibility</p:attrName>
-                                        </p:attrNameLst>
-                                      </p:cBhvr>
-                                      <p:to>
-                                        <p:strVal val="hidden"/>
-                                      </p:to>
-                                    </p:set>
-                                  </p:childTnLst>
-                                </p:cTn>
-                              </p:par>
-                            </p:childTnLst>
-                          </p:cTn>
-                        </p:par>
-                      </p:childTnLst>
-                    </p:cTn>
-                  </p:par>
-                </p:childTnLst>
-              </p:cTn>
-              <p:prevCondLst>
-                <p:cond evt="onPrev" delay="0">
-                  <p:tgtEl>
-                    <p:sldTgt/>
-                  </p:tgtEl>
-                </p:cond>
-              </p:prevCondLst>
-              <p:nextCondLst>
-                <p:cond evt="onNext" delay="0">
-                  <p:tgtEl>
-                    <p:sldTgt/>
-                  </p:tgtEl>
-                </p:cond>
-              </p:nextCondLst>
-            </p:seq>
-          </p:childTnLst>
-        </p:cTn>
-      </p:par>
-    </p:tnLst>
-  </p:timing>
-</p:sld>
-</file>
-
-<file path=ppt/slides/slide4.xml><?xml version="1.0" encoding="utf-8"?>
-<p:sld xmlns:a="http://schemas.openxmlformats.org/drawingml/2006/main" xmlns:r="http://schemas.openxmlformats.org/officeDocument/2006/relationships" xmlns:p="http://schemas.openxmlformats.org/presentationml/2006/main">
-  <p:cSld>
-    <p:spTree>
-      <p:nvGrpSpPr>
-        <p:cNvPr id="1" name="">
-          <a:extLst>
-            <a:ext uri="{FF2B5EF4-FFF2-40B4-BE49-F238E27FC236}">
-              <a16:creationId xmlns:a16="http://schemas.microsoft.com/office/drawing/2014/main" id="{DD367C0B-6593-0734-CE6C-3739F496E60B}"/>
-            </a:ext>
-          </a:extLst>
-        </p:cNvPr>
-        <p:cNvGrpSpPr/>
-        <p:nvPr/>
-      </p:nvGrpSpPr>
-      <p:grpSpPr>
-        <a:xfrm>
-          <a:off x="0" y="0"/>
-          <a:ext cx="0" cy="0"/>
-          <a:chOff x="0" y="0"/>
-          <a:chExt cx="0" cy="0"/>
-        </a:xfrm>
-      </p:grpSpPr>
-      <p:sp>
-        <p:nvSpPr>
-          <p:cNvPr id="4" name="Rectangle 3">
-            <a:extLst>
-              <a:ext uri="{FF2B5EF4-FFF2-40B4-BE49-F238E27FC236}">
-                <a16:creationId xmlns:a16="http://schemas.microsoft.com/office/drawing/2014/main" id="{6344DC1F-2303-3741-B756-ADD5A462C5DA}"/>
-              </a:ext>
-            </a:extLst>
-          </p:cNvPr>
-          <p:cNvSpPr/>
-          <p:nvPr/>
-        </p:nvSpPr>
-        <p:spPr>
-          <a:xfrm>
-            <a:off x="494663" y="175367"/>
-            <a:ext cx="2665927" cy="2021984"/>
-          </a:xfrm>
-          <a:prstGeom prst="rect">
-            <a:avLst/>
-          </a:prstGeom>
-          <a:solidFill>
-            <a:srgbClr val="DED8FF"/>
-          </a:solidFill>
-        </p:spPr>
-        <p:style>
-          <a:lnRef idx="2">
-            <a:schemeClr val="accent1">
-              <a:shade val="15000"/>
-            </a:schemeClr>
-          </a:lnRef>
-          <a:fillRef idx="1">
-            <a:schemeClr val="accent1"/>
-          </a:fillRef>
-          <a:effectRef idx="0">
-            <a:schemeClr val="accent1"/>
-          </a:effectRef>
-          <a:fontRef idx="minor">
-            <a:schemeClr val="lt1"/>
-          </a:fontRef>
-        </p:style>
-        <p:txBody>
-          <a:bodyPr rtlCol="0" anchor="ctr"/>
-          <a:lstStyle/>
-          <a:p>
-            <a:pPr algn="ctr"/>
-            <a:r>
-              <a:rPr lang="fr-FR" dirty="0" err="1">
-                <a:solidFill>
-                  <a:schemeClr val="tx1"/>
-                </a:solidFill>
-                <a:latin typeface="Courier New" panose="02070309020205020404" pitchFamily="49" charset="0"/>
-                <a:cs typeface="Courier New" panose="02070309020205020404" pitchFamily="49" charset="0"/>
-              </a:rPr>
-              <a:t>Build</a:t>
-            </a:r>
-            <a:r>
-              <a:rPr lang="fr-FR" dirty="0">
-                <a:solidFill>
-                  <a:schemeClr val="tx1"/>
-                </a:solidFill>
-                <a:latin typeface="Courier New" panose="02070309020205020404" pitchFamily="49" charset="0"/>
-                <a:cs typeface="Courier New" panose="02070309020205020404" pitchFamily="49" charset="0"/>
-              </a:rPr>
-              <a:t> </a:t>
-            </a:r>
-            <a:r>
-              <a:rPr lang="fr-FR" dirty="0" err="1">
-                <a:solidFill>
-                  <a:schemeClr val="tx1"/>
-                </a:solidFill>
-                <a:latin typeface="Courier New" panose="02070309020205020404" pitchFamily="49" charset="0"/>
-                <a:cs typeface="Courier New" panose="02070309020205020404" pitchFamily="49" charset="0"/>
-              </a:rPr>
-              <a:t>algorithm</a:t>
-            </a:r>
-            <a:endParaRPr lang="fr-FR" dirty="0">
-              <a:solidFill>
-                <a:schemeClr val="tx1"/>
-              </a:solidFill>
-              <a:latin typeface="Courier New" panose="02070309020205020404" pitchFamily="49" charset="0"/>
-              <a:cs typeface="Courier New" panose="02070309020205020404" pitchFamily="49" charset="0"/>
-            </a:endParaRPr>
-          </a:p>
-        </p:txBody>
-      </p:sp>
-      <p:sp>
-        <p:nvSpPr>
-          <p:cNvPr id="6" name="Rectangle 5">
-            <a:extLst>
-              <a:ext uri="{FF2B5EF4-FFF2-40B4-BE49-F238E27FC236}">
-                <a16:creationId xmlns:a16="http://schemas.microsoft.com/office/drawing/2014/main" id="{A7ED21C7-EF72-6A55-B0C6-6EAEC393635B}"/>
-              </a:ext>
-            </a:extLst>
-          </p:cNvPr>
-          <p:cNvSpPr/>
-          <p:nvPr/>
-        </p:nvSpPr>
-        <p:spPr>
-          <a:xfrm>
-            <a:off x="3732734" y="175367"/>
-            <a:ext cx="2385060" cy="2021984"/>
-          </a:xfrm>
-          <a:prstGeom prst="rect">
-            <a:avLst/>
-          </a:prstGeom>
-          <a:solidFill>
-            <a:srgbClr val="E6FFED"/>
-          </a:solidFill>
-        </p:spPr>
-        <p:style>
-          <a:lnRef idx="2">
-            <a:schemeClr val="accent1">
-              <a:shade val="15000"/>
-            </a:schemeClr>
-          </a:lnRef>
-          <a:fillRef idx="1">
-            <a:schemeClr val="accent1"/>
-          </a:fillRef>
-          <a:effectRef idx="0">
-            <a:schemeClr val="accent1"/>
-          </a:effectRef>
-          <a:fontRef idx="minor">
-            <a:schemeClr val="lt1"/>
-          </a:fontRef>
-        </p:style>
-        <p:txBody>
-          <a:bodyPr rtlCol="0" anchor="ctr"/>
-          <a:lstStyle/>
-          <a:p>
-            <a:pPr algn="ctr"/>
-            <a:r>
-              <a:rPr lang="fr-FR" dirty="0" err="1">
-                <a:solidFill>
-                  <a:schemeClr val="tx1"/>
-                </a:solidFill>
-                <a:latin typeface="Courier New" panose="02070309020205020404" pitchFamily="49" charset="0"/>
-                <a:cs typeface="Courier New" panose="02070309020205020404" pitchFamily="49" charset="0"/>
-              </a:rPr>
-              <a:t>MLflow</a:t>
-            </a:r>
-            <a:endParaRPr lang="fr-FR" dirty="0">
-              <a:solidFill>
-                <a:schemeClr val="tx1"/>
-              </a:solidFill>
-              <a:latin typeface="Courier New" panose="02070309020205020404" pitchFamily="49" charset="0"/>
-              <a:cs typeface="Courier New" panose="02070309020205020404" pitchFamily="49" charset="0"/>
-            </a:endParaRPr>
-          </a:p>
-        </p:txBody>
-      </p:sp>
-      <p:sp>
-        <p:nvSpPr>
-          <p:cNvPr id="7" name="Rectangle 6">
-            <a:extLst>
-              <a:ext uri="{FF2B5EF4-FFF2-40B4-BE49-F238E27FC236}">
-                <a16:creationId xmlns:a16="http://schemas.microsoft.com/office/drawing/2014/main" id="{043F5811-41FF-E80B-98F8-A05148C810E7}"/>
-              </a:ext>
-            </a:extLst>
-          </p:cNvPr>
-          <p:cNvSpPr/>
-          <p:nvPr/>
-        </p:nvSpPr>
-        <p:spPr>
-          <a:xfrm>
-            <a:off x="3732734" y="4660649"/>
-            <a:ext cx="2385060" cy="2021984"/>
-          </a:xfrm>
-          <a:prstGeom prst="rect">
-            <a:avLst/>
-          </a:prstGeom>
-          <a:solidFill>
-            <a:srgbClr val="FFF5D9"/>
-          </a:solidFill>
-        </p:spPr>
-        <p:style>
-          <a:lnRef idx="2">
-            <a:schemeClr val="accent1">
-              <a:shade val="15000"/>
-            </a:schemeClr>
-          </a:lnRef>
-          <a:fillRef idx="1">
-            <a:schemeClr val="accent1"/>
-          </a:fillRef>
-          <a:effectRef idx="0">
-            <a:schemeClr val="accent1"/>
-          </a:effectRef>
-          <a:fontRef idx="minor">
-            <a:schemeClr val="lt1"/>
-          </a:fontRef>
-        </p:style>
-        <p:txBody>
-          <a:bodyPr rtlCol="0" anchor="ctr"/>
-          <a:lstStyle/>
-          <a:p>
-            <a:pPr algn="ctr"/>
-            <a:r>
-              <a:rPr lang="fr-FR" dirty="0">
-                <a:solidFill>
-                  <a:schemeClr val="tx1"/>
-                </a:solidFill>
-                <a:latin typeface="Courier New" panose="02070309020205020404" pitchFamily="49" charset="0"/>
-                <a:cs typeface="Courier New" panose="02070309020205020404" pitchFamily="49" charset="0"/>
-              </a:rPr>
-              <a:t>Consume Data</a:t>
-            </a:r>
-          </a:p>
-        </p:txBody>
-      </p:sp>
-      <p:sp>
-        <p:nvSpPr>
-          <p:cNvPr id="8" name="Rectangle 7">
-            <a:extLst>
-              <a:ext uri="{FF2B5EF4-FFF2-40B4-BE49-F238E27FC236}">
-                <a16:creationId xmlns:a16="http://schemas.microsoft.com/office/drawing/2014/main" id="{82DFEDD4-A805-1AAF-E0DA-BD7518642AC0}"/>
-              </a:ext>
-            </a:extLst>
-          </p:cNvPr>
-          <p:cNvSpPr/>
-          <p:nvPr/>
-        </p:nvSpPr>
-        <p:spPr>
-          <a:xfrm>
-            <a:off x="6755978" y="4660649"/>
-            <a:ext cx="2385060" cy="2021984"/>
-          </a:xfrm>
-          <a:prstGeom prst="rect">
-            <a:avLst/>
-          </a:prstGeom>
-          <a:solidFill>
-            <a:srgbClr val="E9FFFE"/>
-          </a:solidFill>
-        </p:spPr>
-        <p:style>
-          <a:lnRef idx="2">
-            <a:schemeClr val="accent1">
-              <a:shade val="15000"/>
-            </a:schemeClr>
-          </a:lnRef>
-          <a:fillRef idx="1">
-            <a:schemeClr val="accent1"/>
-          </a:fillRef>
-          <a:effectRef idx="0">
-            <a:schemeClr val="accent1"/>
-          </a:effectRef>
-          <a:fontRef idx="minor">
-            <a:schemeClr val="lt1"/>
-          </a:fontRef>
-        </p:style>
-        <p:txBody>
-          <a:bodyPr rtlCol="0" anchor="ctr"/>
-          <a:lstStyle/>
-          <a:p>
-            <a:pPr algn="ctr"/>
-            <a:r>
-              <a:rPr lang="fr-FR" dirty="0">
-                <a:solidFill>
-                  <a:schemeClr val="tx1"/>
-                </a:solidFill>
-                <a:latin typeface="Courier New" panose="02070309020205020404" pitchFamily="49" charset="0"/>
-                <a:cs typeface="Courier New" panose="02070309020205020404" pitchFamily="49" charset="0"/>
-              </a:rPr>
-              <a:t>Store Data</a:t>
-            </a:r>
-          </a:p>
-        </p:txBody>
-      </p:sp>
-      <p:sp>
-        <p:nvSpPr>
-          <p:cNvPr id="10" name="Rectangle 9">
-            <a:extLst>
-              <a:ext uri="{FF2B5EF4-FFF2-40B4-BE49-F238E27FC236}">
-                <a16:creationId xmlns:a16="http://schemas.microsoft.com/office/drawing/2014/main" id="{32BB9FA1-FB67-346D-4F2C-71080C98D037}"/>
-              </a:ext>
-            </a:extLst>
-          </p:cNvPr>
-          <p:cNvSpPr/>
-          <p:nvPr/>
-        </p:nvSpPr>
-        <p:spPr>
-          <a:xfrm>
-            <a:off x="9304349" y="4660650"/>
-            <a:ext cx="2385060" cy="2021984"/>
-          </a:xfrm>
-          <a:prstGeom prst="rect">
-            <a:avLst/>
-          </a:prstGeom>
-          <a:solidFill>
-            <a:srgbClr val="E8F4FF"/>
-          </a:solidFill>
-        </p:spPr>
-        <p:style>
-          <a:lnRef idx="2">
-            <a:schemeClr val="accent1">
-              <a:shade val="15000"/>
-            </a:schemeClr>
-          </a:lnRef>
-          <a:fillRef idx="1">
-            <a:schemeClr val="accent1"/>
-          </a:fillRef>
-          <a:effectRef idx="0">
-            <a:schemeClr val="accent1"/>
-          </a:effectRef>
-          <a:fontRef idx="minor">
-            <a:schemeClr val="lt1"/>
-          </a:fontRef>
-        </p:style>
-        <p:txBody>
-          <a:bodyPr rtlCol="0" anchor="ctr"/>
-          <a:lstStyle/>
-          <a:p>
-            <a:pPr algn="ctr"/>
-            <a:r>
-              <a:rPr lang="fr-FR" dirty="0" err="1">
-                <a:solidFill>
-                  <a:schemeClr val="tx1"/>
-                </a:solidFill>
-                <a:latin typeface="Courier New" panose="02070309020205020404" pitchFamily="49" charset="0"/>
-                <a:cs typeface="Courier New" panose="02070309020205020404" pitchFamily="49" charset="0"/>
-              </a:rPr>
-              <a:t>Leverage</a:t>
-            </a:r>
-            <a:r>
-              <a:rPr lang="fr-FR" dirty="0">
-                <a:solidFill>
-                  <a:schemeClr val="tx1"/>
-                </a:solidFill>
-                <a:latin typeface="Courier New" panose="02070309020205020404" pitchFamily="49" charset="0"/>
-                <a:cs typeface="Courier New" panose="02070309020205020404" pitchFamily="49" charset="0"/>
-              </a:rPr>
-              <a:t> Data</a:t>
-            </a:r>
-          </a:p>
-        </p:txBody>
-      </p:sp>
-      <p:sp>
-        <p:nvSpPr>
-          <p:cNvPr id="9" name="Rectangle 8">
-            <a:extLst>
-              <a:ext uri="{FF2B5EF4-FFF2-40B4-BE49-F238E27FC236}">
                 <a16:creationId xmlns:a16="http://schemas.microsoft.com/office/drawing/2014/main" id="{D183991E-ABE0-D7AF-247F-6590878CA237}"/>
               </a:ext>
             </a:extLst>
@@ -40725,13 +43377,13 @@
   <p:clrMapOvr>
     <a:masterClrMapping/>
   </p:clrMapOvr>
-  <mc:AlternateContent xmlns:mc="http://schemas.openxmlformats.org/markup-compatibility/2006">
-    <mc:Choice xmlns:p159="http://schemas.microsoft.com/office/powerpoint/2015/09/main" Requires="p159">
+  <mc:AlternateContent xmlns:mc="http://schemas.openxmlformats.org/markup-compatibility/2006" xmlns:p159="http://schemas.microsoft.com/office/powerpoint/2015/09/main">
+    <mc:Choice Requires="p159">
       <p:transition xmlns:p14="http://schemas.microsoft.com/office/powerpoint/2010/main" spd="slow" p14:dur="2000">
         <p159:morph option="byObject"/>
       </p:transition>
     </mc:Choice>
-    <mc:Fallback>
+    <mc:Fallback xmlns="">
       <p:transition spd="slow">
         <p:fade/>
       </p:transition>
@@ -41171,13 +43823,13 @@
   <p:clrMapOvr>
     <a:masterClrMapping/>
   </p:clrMapOvr>
-  <mc:AlternateContent xmlns:mc="http://schemas.openxmlformats.org/markup-compatibility/2006">
-    <mc:Choice xmlns:p159="http://schemas.microsoft.com/office/powerpoint/2015/09/main" Requires="p159">
+  <mc:AlternateContent xmlns:mc="http://schemas.openxmlformats.org/markup-compatibility/2006" xmlns:p159="http://schemas.microsoft.com/office/powerpoint/2015/09/main">
+    <mc:Choice Requires="p159">
       <p:transition xmlns:p14="http://schemas.microsoft.com/office/powerpoint/2010/main" spd="slow" p14:dur="2000">
         <p159:morph option="byObject"/>
       </p:transition>
     </mc:Choice>
-    <mc:Fallback>
+    <mc:Fallback xmlns="">
       <p:transition spd="slow">
         <p:fade/>
       </p:transition>
@@ -41879,13 +44531,13 @@
   <p:clrMapOvr>
     <a:masterClrMapping/>
   </p:clrMapOvr>
-  <mc:AlternateContent xmlns:mc="http://schemas.openxmlformats.org/markup-compatibility/2006">
-    <mc:Choice xmlns:p159="http://schemas.microsoft.com/office/powerpoint/2015/09/main" Requires="p159">
+  <mc:AlternateContent xmlns:mc="http://schemas.openxmlformats.org/markup-compatibility/2006" xmlns:p159="http://schemas.microsoft.com/office/powerpoint/2015/09/main">
+    <mc:Choice Requires="p159">
       <p:transition xmlns:p14="http://schemas.microsoft.com/office/powerpoint/2010/main" spd="slow" p14:dur="2000">
         <p159:morph option="byObject"/>
       </p:transition>
     </mc:Choice>
-    <mc:Fallback>
+    <mc:Fallback xmlns="">
       <p:transition spd="slow">
         <p:fade/>
       </p:transition>
@@ -43203,13 +45855,13 @@
   <p:clrMapOvr>
     <a:masterClrMapping/>
   </p:clrMapOvr>
-  <mc:AlternateContent xmlns:mc="http://schemas.openxmlformats.org/markup-compatibility/2006">
-    <mc:Choice xmlns:p159="http://schemas.microsoft.com/office/powerpoint/2015/09/main" Requires="p159">
+  <mc:AlternateContent xmlns:mc="http://schemas.openxmlformats.org/markup-compatibility/2006" xmlns:p159="http://schemas.microsoft.com/office/powerpoint/2015/09/main">
+    <mc:Choice Requires="p159">
       <p:transition xmlns:p14="http://schemas.microsoft.com/office/powerpoint/2010/main" spd="slow" p14:dur="2000">
         <p159:morph option="byObject"/>
       </p:transition>
     </mc:Choice>
-    <mc:Fallback>
+    <mc:Fallback xmlns="">
       <p:transition spd="slow">
         <p:fade/>
       </p:transition>
@@ -46077,13 +48729,13 @@
   <p:clrMapOvr>
     <a:masterClrMapping/>
   </p:clrMapOvr>
-  <mc:AlternateContent xmlns:mc="http://schemas.openxmlformats.org/markup-compatibility/2006">
-    <mc:Choice xmlns:p159="http://schemas.microsoft.com/office/powerpoint/2015/09/main" Requires="p159">
+  <mc:AlternateContent xmlns:mc="http://schemas.openxmlformats.org/markup-compatibility/2006" xmlns:p159="http://schemas.microsoft.com/office/powerpoint/2015/09/main">
+    <mc:Choice Requires="p159">
       <p:transition xmlns:p14="http://schemas.microsoft.com/office/powerpoint/2010/main" spd="slow" p14:dur="2000">
         <p159:morph option="byObject"/>
       </p:transition>
     </mc:Choice>
-    <mc:Fallback>
+    <mc:Fallback xmlns="">
       <p:transition spd="slow">
         <p:fade/>
       </p:transition>
@@ -48220,13 +50872,13 @@
   <p:clrMapOvr>
     <a:masterClrMapping/>
   </p:clrMapOvr>
-  <mc:AlternateContent xmlns:mc="http://schemas.openxmlformats.org/markup-compatibility/2006">
-    <mc:Choice xmlns:p159="http://schemas.microsoft.com/office/powerpoint/2015/09/main" Requires="p159">
+  <mc:AlternateContent xmlns:mc="http://schemas.openxmlformats.org/markup-compatibility/2006" xmlns:p159="http://schemas.microsoft.com/office/powerpoint/2015/09/main">
+    <mc:Choice Requires="p159">
       <p:transition xmlns:p14="http://schemas.microsoft.com/office/powerpoint/2010/main" spd="slow" p14:dur="2000">
         <p159:morph option="byObject"/>
       </p:transition>
     </mc:Choice>
-    <mc:Fallback>
+    <mc:Fallback xmlns="">
       <p:transition spd="slow">
         <p:fade/>
       </p:transition>
